--- a/What will the apples cost.pptx
+++ b/What will the apples cost.pptx
@@ -221,7 +221,7 @@
           <a:p>
             <a:fld id="{629A96A4-1186-4882-8DDD-E80CC8338E5A}" type="datetimeFigureOut">
               <a:rPr lang="en-ZA" smtClean="0"/>
-              <a:t>2021/05/24</a:t>
+              <a:t>2021/05/25</a:t>
             </a:fld>
             <a:endParaRPr lang="en-ZA"/>
           </a:p>
@@ -746,7 +746,7 @@
           <a:p>
             <a:fld id="{A7B94748-A6E0-434A-9232-487C2E69F84F}" type="datetimeFigureOut">
               <a:rPr lang="en-ZA" smtClean="0"/>
-              <a:t>2021/05/24</a:t>
+              <a:t>2021/05/25</a:t>
             </a:fld>
             <a:endParaRPr lang="en-ZA"/>
           </a:p>
@@ -911,7 +911,7 @@
           <a:p>
             <a:fld id="{A7B94748-A6E0-434A-9232-487C2E69F84F}" type="datetimeFigureOut">
               <a:rPr lang="en-ZA" smtClean="0"/>
-              <a:t>2021/05/24</a:t>
+              <a:t>2021/05/25</a:t>
             </a:fld>
             <a:endParaRPr lang="en-ZA"/>
           </a:p>
@@ -1086,7 +1086,7 @@
           <a:p>
             <a:fld id="{A7B94748-A6E0-434A-9232-487C2E69F84F}" type="datetimeFigureOut">
               <a:rPr lang="en-ZA" smtClean="0"/>
-              <a:t>2021/05/24</a:t>
+              <a:t>2021/05/25</a:t>
             </a:fld>
             <a:endParaRPr lang="en-ZA"/>
           </a:p>
@@ -1251,7 +1251,7 @@
           <a:p>
             <a:fld id="{A7B94748-A6E0-434A-9232-487C2E69F84F}" type="datetimeFigureOut">
               <a:rPr lang="en-ZA" smtClean="0"/>
-              <a:t>2021/05/24</a:t>
+              <a:t>2021/05/25</a:t>
             </a:fld>
             <a:endParaRPr lang="en-ZA"/>
           </a:p>
@@ -1493,7 +1493,7 @@
           <a:p>
             <a:fld id="{A7B94748-A6E0-434A-9232-487C2E69F84F}" type="datetimeFigureOut">
               <a:rPr lang="en-ZA" smtClean="0"/>
-              <a:t>2021/05/24</a:t>
+              <a:t>2021/05/25</a:t>
             </a:fld>
             <a:endParaRPr lang="en-ZA"/>
           </a:p>
@@ -1757,7 +1757,7 @@
           <a:p>
             <a:fld id="{A7B94748-A6E0-434A-9232-487C2E69F84F}" type="datetimeFigureOut">
               <a:rPr lang="en-ZA" smtClean="0"/>
-              <a:t>2021/05/24</a:t>
+              <a:t>2021/05/25</a:t>
             </a:fld>
             <a:endParaRPr lang="en-ZA"/>
           </a:p>
@@ -2135,7 +2135,7 @@
           <a:p>
             <a:fld id="{A7B94748-A6E0-434A-9232-487C2E69F84F}" type="datetimeFigureOut">
               <a:rPr lang="en-ZA" smtClean="0"/>
-              <a:t>2021/05/24</a:t>
+              <a:t>2021/05/25</a:t>
             </a:fld>
             <a:endParaRPr lang="en-ZA"/>
           </a:p>
@@ -2285,7 +2285,7 @@
           <a:p>
             <a:fld id="{A7B94748-A6E0-434A-9232-487C2E69F84F}" type="datetimeFigureOut">
               <a:rPr lang="en-ZA" smtClean="0"/>
-              <a:t>2021/05/24</a:t>
+              <a:t>2021/05/25</a:t>
             </a:fld>
             <a:endParaRPr lang="en-ZA"/>
           </a:p>
@@ -2375,7 +2375,7 @@
           <a:p>
             <a:fld id="{A7B94748-A6E0-434A-9232-487C2E69F84F}" type="datetimeFigureOut">
               <a:rPr lang="en-ZA" smtClean="0"/>
-              <a:t>2021/05/24</a:t>
+              <a:t>2021/05/25</a:t>
             </a:fld>
             <a:endParaRPr lang="en-ZA"/>
           </a:p>
@@ -2636,7 +2636,7 @@
           <a:p>
             <a:fld id="{A7B94748-A6E0-434A-9232-487C2E69F84F}" type="datetimeFigureOut">
               <a:rPr lang="en-ZA" smtClean="0"/>
-              <a:t>2021/05/24</a:t>
+              <a:t>2021/05/25</a:t>
             </a:fld>
             <a:endParaRPr lang="en-ZA"/>
           </a:p>
@@ -2924,7 +2924,7 @@
           <a:p>
             <a:fld id="{A7B94748-A6E0-434A-9232-487C2E69F84F}" type="datetimeFigureOut">
               <a:rPr lang="en-ZA" smtClean="0"/>
-              <a:t>2021/05/24</a:t>
+              <a:t>2021/05/25</a:t>
             </a:fld>
             <a:endParaRPr lang="en-ZA"/>
           </a:p>
@@ -3695,7 +3695,7 @@
           <a:p>
             <a:fld id="{A7B94748-A6E0-434A-9232-487C2E69F84F}" type="datetimeFigureOut">
               <a:rPr lang="en-ZA" smtClean="0"/>
-              <a:t>2021/05/24</a:t>
+              <a:t>2021/05/25</a:t>
             </a:fld>
             <a:endParaRPr lang="en-ZA"/>
           </a:p>
@@ -9342,11 +9342,7 @@
           <a:p>
             <a:r>
               <a:rPr lang="en-ZA" dirty="0" smtClean="0"/>
-              <a:t>Step 4: Building the </a:t>
-            </a:r>
-            <a:r>
-              <a:rPr lang="en-ZA" dirty="0" smtClean="0"/>
-              <a:t>models [</a:t>
+              <a:t>Step 4: Building the models [</a:t>
             </a:r>
             <a:r>
               <a:rPr lang="en-ZA" dirty="0" err="1" smtClean="0"/>
@@ -9427,11 +9423,7 @@
                     <a:p>
                       <a:r>
                         <a:rPr lang="en-ZA" dirty="0" smtClean="0"/>
-                        <a:t>1. Multivariate </a:t>
-                      </a:r>
-                      <a:r>
-                        <a:rPr lang="en-ZA" dirty="0" smtClean="0"/>
-                        <a:t>Linear Regression Model</a:t>
+                        <a:t>1. Multivariate Linear Regression Model</a:t>
                       </a:r>
                       <a:endParaRPr lang="en-ZA" dirty="0"/>
                     </a:p>
@@ -11599,7 +11591,7 @@
         </p:nvGraphicFramePr>
         <p:xfrm>
           <a:off x="251520" y="1340768"/>
-          <a:ext cx="8578850" cy="4769485"/>
+          <a:ext cx="8578850" cy="4846320"/>
         </p:xfrm>
         <a:graphic>
           <a:graphicData uri="http://schemas.openxmlformats.org/drawingml/2006/table">
@@ -13689,11 +13681,7 @@
             </a:r>
             <a:r>
               <a:rPr lang="en-ZA" dirty="0" smtClean="0"/>
-              <a:t> </a:t>
-            </a:r>
-            <a:r>
-              <a:rPr lang="en-ZA" dirty="0" smtClean="0"/>
-              <a:t>submission format</a:t>
+              <a:t> submission format</a:t>
             </a:r>
             <a:endParaRPr lang="en-ZA" dirty="0"/>
           </a:p>

--- a/What will the apples cost.pptx
+++ b/What will the apples cost.pptx
@@ -10952,7 +10952,20 @@
             </a:pPr>
             <a:r>
               <a:rPr lang="en-ZA" dirty="0" smtClean="0"/>
-              <a:t>We built &amp; fitted our models on the data</a:t>
+              <a:t>We built &amp; fitted our models on the </a:t>
+            </a:r>
+            <a:r>
+              <a:rPr lang="en-ZA" dirty="0" smtClean="0"/>
+              <a:t>data</a:t>
+            </a:r>
+          </a:p>
+          <a:p>
+            <a:pPr marL="971550" lvl="1" indent="-514350">
+              <a:buAutoNum type="arabicPeriod"/>
+            </a:pPr>
+            <a:r>
+              <a:rPr lang="en-ZA" dirty="0" smtClean="0"/>
+              <a:t>We assessed our models</a:t>
             </a:r>
             <a:endParaRPr lang="en-ZA" dirty="0"/>
           </a:p>
@@ -10980,7 +10993,7 @@
         </p:blipFill>
         <p:spPr>
           <a:xfrm>
-            <a:off x="5364088" y="3573016"/>
+            <a:off x="5652120" y="2996952"/>
             <a:ext cx="2619375" cy="1743075"/>
           </a:xfrm>
           <a:prstGeom prst="rect">
@@ -11004,7 +11017,854 @@
   <p:timing>
     <p:tnLst>
       <p:par>
-        <p:cTn id="1" dur="indefinite" restart="never" nodeType="tmRoot"/>
+        <p:cTn id="1" dur="indefinite" restart="never" nodeType="tmRoot">
+          <p:childTnLst>
+            <p:seq concurrent="1" nextAc="seek">
+              <p:cTn id="2" dur="indefinite" nodeType="mainSeq">
+                <p:childTnLst>
+                  <p:par>
+                    <p:cTn id="3" fill="hold">
+                      <p:stCondLst>
+                        <p:cond delay="indefinite"/>
+                      </p:stCondLst>
+                      <p:childTnLst>
+                        <p:par>
+                          <p:cTn id="4" fill="hold">
+                            <p:stCondLst>
+                              <p:cond delay="0"/>
+                            </p:stCondLst>
+                            <p:childTnLst>
+                              <p:par>
+                                <p:cTn id="5" presetID="2" presetClass="entr" presetSubtype="4" fill="hold" nodeType="clickEffect">
+                                  <p:stCondLst>
+                                    <p:cond delay="0"/>
+                                  </p:stCondLst>
+                                  <p:childTnLst>
+                                    <p:set>
+                                      <p:cBhvr>
+                                        <p:cTn id="6" dur="1" fill="hold">
+                                          <p:stCondLst>
+                                            <p:cond delay="0"/>
+                                          </p:stCondLst>
+                                        </p:cTn>
+                                        <p:tgtEl>
+                                          <p:spTgt spid="3">
+                                            <p:txEl>
+                                              <p:pRg st="0" end="0"/>
+                                            </p:txEl>
+                                          </p:spTgt>
+                                        </p:tgtEl>
+                                        <p:attrNameLst>
+                                          <p:attrName>style.visibility</p:attrName>
+                                        </p:attrNameLst>
+                                      </p:cBhvr>
+                                      <p:to>
+                                        <p:strVal val="visible"/>
+                                      </p:to>
+                                    </p:set>
+                                    <p:anim calcmode="lin" valueType="num">
+                                      <p:cBhvr additive="base">
+                                        <p:cTn id="7" dur="500" fill="hold"/>
+                                        <p:tgtEl>
+                                          <p:spTgt spid="3">
+                                            <p:txEl>
+                                              <p:pRg st="0" end="0"/>
+                                            </p:txEl>
+                                          </p:spTgt>
+                                        </p:tgtEl>
+                                        <p:attrNameLst>
+                                          <p:attrName>ppt_x</p:attrName>
+                                        </p:attrNameLst>
+                                      </p:cBhvr>
+                                      <p:tavLst>
+                                        <p:tav tm="0">
+                                          <p:val>
+                                            <p:strVal val="#ppt_x"/>
+                                          </p:val>
+                                        </p:tav>
+                                        <p:tav tm="100000">
+                                          <p:val>
+                                            <p:strVal val="#ppt_x"/>
+                                          </p:val>
+                                        </p:tav>
+                                      </p:tavLst>
+                                    </p:anim>
+                                    <p:anim calcmode="lin" valueType="num">
+                                      <p:cBhvr additive="base">
+                                        <p:cTn id="8" dur="500" fill="hold"/>
+                                        <p:tgtEl>
+                                          <p:spTgt spid="3">
+                                            <p:txEl>
+                                              <p:pRg st="0" end="0"/>
+                                            </p:txEl>
+                                          </p:spTgt>
+                                        </p:tgtEl>
+                                        <p:attrNameLst>
+                                          <p:attrName>ppt_y</p:attrName>
+                                        </p:attrNameLst>
+                                      </p:cBhvr>
+                                      <p:tavLst>
+                                        <p:tav tm="0">
+                                          <p:val>
+                                            <p:strVal val="1+#ppt_h/2"/>
+                                          </p:val>
+                                        </p:tav>
+                                        <p:tav tm="100000">
+                                          <p:val>
+                                            <p:strVal val="#ppt_y"/>
+                                          </p:val>
+                                        </p:tav>
+                                      </p:tavLst>
+                                    </p:anim>
+                                  </p:childTnLst>
+                                </p:cTn>
+                              </p:par>
+                            </p:childTnLst>
+                          </p:cTn>
+                        </p:par>
+                      </p:childTnLst>
+                    </p:cTn>
+                  </p:par>
+                  <p:par>
+                    <p:cTn id="9" fill="hold">
+                      <p:stCondLst>
+                        <p:cond delay="indefinite"/>
+                      </p:stCondLst>
+                      <p:childTnLst>
+                        <p:par>
+                          <p:cTn id="10" fill="hold">
+                            <p:stCondLst>
+                              <p:cond delay="0"/>
+                            </p:stCondLst>
+                            <p:childTnLst>
+                              <p:par>
+                                <p:cTn id="11" presetID="2" presetClass="entr" presetSubtype="4" fill="hold" nodeType="clickEffect">
+                                  <p:stCondLst>
+                                    <p:cond delay="0"/>
+                                  </p:stCondLst>
+                                  <p:childTnLst>
+                                    <p:set>
+                                      <p:cBhvr>
+                                        <p:cTn id="12" dur="1" fill="hold">
+                                          <p:stCondLst>
+                                            <p:cond delay="0"/>
+                                          </p:stCondLst>
+                                        </p:cTn>
+                                        <p:tgtEl>
+                                          <p:spTgt spid="3">
+                                            <p:txEl>
+                                              <p:pRg st="1" end="1"/>
+                                            </p:txEl>
+                                          </p:spTgt>
+                                        </p:tgtEl>
+                                        <p:attrNameLst>
+                                          <p:attrName>style.visibility</p:attrName>
+                                        </p:attrNameLst>
+                                      </p:cBhvr>
+                                      <p:to>
+                                        <p:strVal val="visible"/>
+                                      </p:to>
+                                    </p:set>
+                                    <p:anim calcmode="lin" valueType="num">
+                                      <p:cBhvr additive="base">
+                                        <p:cTn id="13" dur="500" fill="hold"/>
+                                        <p:tgtEl>
+                                          <p:spTgt spid="3">
+                                            <p:txEl>
+                                              <p:pRg st="1" end="1"/>
+                                            </p:txEl>
+                                          </p:spTgt>
+                                        </p:tgtEl>
+                                        <p:attrNameLst>
+                                          <p:attrName>ppt_x</p:attrName>
+                                        </p:attrNameLst>
+                                      </p:cBhvr>
+                                      <p:tavLst>
+                                        <p:tav tm="0">
+                                          <p:val>
+                                            <p:strVal val="#ppt_x"/>
+                                          </p:val>
+                                        </p:tav>
+                                        <p:tav tm="100000">
+                                          <p:val>
+                                            <p:strVal val="#ppt_x"/>
+                                          </p:val>
+                                        </p:tav>
+                                      </p:tavLst>
+                                    </p:anim>
+                                    <p:anim calcmode="lin" valueType="num">
+                                      <p:cBhvr additive="base">
+                                        <p:cTn id="14" dur="500" fill="hold"/>
+                                        <p:tgtEl>
+                                          <p:spTgt spid="3">
+                                            <p:txEl>
+                                              <p:pRg st="1" end="1"/>
+                                            </p:txEl>
+                                          </p:spTgt>
+                                        </p:tgtEl>
+                                        <p:attrNameLst>
+                                          <p:attrName>ppt_y</p:attrName>
+                                        </p:attrNameLst>
+                                      </p:cBhvr>
+                                      <p:tavLst>
+                                        <p:tav tm="0">
+                                          <p:val>
+                                            <p:strVal val="1+#ppt_h/2"/>
+                                          </p:val>
+                                        </p:tav>
+                                        <p:tav tm="100000">
+                                          <p:val>
+                                            <p:strVal val="#ppt_y"/>
+                                          </p:val>
+                                        </p:tav>
+                                      </p:tavLst>
+                                    </p:anim>
+                                  </p:childTnLst>
+                                </p:cTn>
+                              </p:par>
+                            </p:childTnLst>
+                          </p:cTn>
+                        </p:par>
+                      </p:childTnLst>
+                    </p:cTn>
+                  </p:par>
+                  <p:par>
+                    <p:cTn id="15" fill="hold">
+                      <p:stCondLst>
+                        <p:cond delay="indefinite"/>
+                      </p:stCondLst>
+                      <p:childTnLst>
+                        <p:par>
+                          <p:cTn id="16" fill="hold">
+                            <p:stCondLst>
+                              <p:cond delay="0"/>
+                            </p:stCondLst>
+                            <p:childTnLst>
+                              <p:par>
+                                <p:cTn id="17" presetID="2" presetClass="entr" presetSubtype="4" fill="hold" nodeType="clickEffect">
+                                  <p:stCondLst>
+                                    <p:cond delay="0"/>
+                                  </p:stCondLst>
+                                  <p:childTnLst>
+                                    <p:set>
+                                      <p:cBhvr>
+                                        <p:cTn id="18" dur="1" fill="hold">
+                                          <p:stCondLst>
+                                            <p:cond delay="0"/>
+                                          </p:stCondLst>
+                                        </p:cTn>
+                                        <p:tgtEl>
+                                          <p:spTgt spid="3">
+                                            <p:txEl>
+                                              <p:pRg st="2" end="2"/>
+                                            </p:txEl>
+                                          </p:spTgt>
+                                        </p:tgtEl>
+                                        <p:attrNameLst>
+                                          <p:attrName>style.visibility</p:attrName>
+                                        </p:attrNameLst>
+                                      </p:cBhvr>
+                                      <p:to>
+                                        <p:strVal val="visible"/>
+                                      </p:to>
+                                    </p:set>
+                                    <p:anim calcmode="lin" valueType="num">
+                                      <p:cBhvr additive="base">
+                                        <p:cTn id="19" dur="500" fill="hold"/>
+                                        <p:tgtEl>
+                                          <p:spTgt spid="3">
+                                            <p:txEl>
+                                              <p:pRg st="2" end="2"/>
+                                            </p:txEl>
+                                          </p:spTgt>
+                                        </p:tgtEl>
+                                        <p:attrNameLst>
+                                          <p:attrName>ppt_x</p:attrName>
+                                        </p:attrNameLst>
+                                      </p:cBhvr>
+                                      <p:tavLst>
+                                        <p:tav tm="0">
+                                          <p:val>
+                                            <p:strVal val="#ppt_x"/>
+                                          </p:val>
+                                        </p:tav>
+                                        <p:tav tm="100000">
+                                          <p:val>
+                                            <p:strVal val="#ppt_x"/>
+                                          </p:val>
+                                        </p:tav>
+                                      </p:tavLst>
+                                    </p:anim>
+                                    <p:anim calcmode="lin" valueType="num">
+                                      <p:cBhvr additive="base">
+                                        <p:cTn id="20" dur="500" fill="hold"/>
+                                        <p:tgtEl>
+                                          <p:spTgt spid="3">
+                                            <p:txEl>
+                                              <p:pRg st="2" end="2"/>
+                                            </p:txEl>
+                                          </p:spTgt>
+                                        </p:tgtEl>
+                                        <p:attrNameLst>
+                                          <p:attrName>ppt_y</p:attrName>
+                                        </p:attrNameLst>
+                                      </p:cBhvr>
+                                      <p:tavLst>
+                                        <p:tav tm="0">
+                                          <p:val>
+                                            <p:strVal val="1+#ppt_h/2"/>
+                                          </p:val>
+                                        </p:tav>
+                                        <p:tav tm="100000">
+                                          <p:val>
+                                            <p:strVal val="#ppt_y"/>
+                                          </p:val>
+                                        </p:tav>
+                                      </p:tavLst>
+                                    </p:anim>
+                                  </p:childTnLst>
+                                </p:cTn>
+                              </p:par>
+                            </p:childTnLst>
+                          </p:cTn>
+                        </p:par>
+                      </p:childTnLst>
+                    </p:cTn>
+                  </p:par>
+                  <p:par>
+                    <p:cTn id="21" fill="hold">
+                      <p:stCondLst>
+                        <p:cond delay="indefinite"/>
+                      </p:stCondLst>
+                      <p:childTnLst>
+                        <p:par>
+                          <p:cTn id="22" fill="hold">
+                            <p:stCondLst>
+                              <p:cond delay="0"/>
+                            </p:stCondLst>
+                            <p:childTnLst>
+                              <p:par>
+                                <p:cTn id="23" presetID="2" presetClass="entr" presetSubtype="4" fill="hold" nodeType="clickEffect">
+                                  <p:stCondLst>
+                                    <p:cond delay="0"/>
+                                  </p:stCondLst>
+                                  <p:childTnLst>
+                                    <p:set>
+                                      <p:cBhvr>
+                                        <p:cTn id="24" dur="1" fill="hold">
+                                          <p:stCondLst>
+                                            <p:cond delay="0"/>
+                                          </p:stCondLst>
+                                        </p:cTn>
+                                        <p:tgtEl>
+                                          <p:spTgt spid="3">
+                                            <p:txEl>
+                                              <p:pRg st="3" end="3"/>
+                                            </p:txEl>
+                                          </p:spTgt>
+                                        </p:tgtEl>
+                                        <p:attrNameLst>
+                                          <p:attrName>style.visibility</p:attrName>
+                                        </p:attrNameLst>
+                                      </p:cBhvr>
+                                      <p:to>
+                                        <p:strVal val="visible"/>
+                                      </p:to>
+                                    </p:set>
+                                    <p:anim calcmode="lin" valueType="num">
+                                      <p:cBhvr additive="base">
+                                        <p:cTn id="25" dur="500" fill="hold"/>
+                                        <p:tgtEl>
+                                          <p:spTgt spid="3">
+                                            <p:txEl>
+                                              <p:pRg st="3" end="3"/>
+                                            </p:txEl>
+                                          </p:spTgt>
+                                        </p:tgtEl>
+                                        <p:attrNameLst>
+                                          <p:attrName>ppt_x</p:attrName>
+                                        </p:attrNameLst>
+                                      </p:cBhvr>
+                                      <p:tavLst>
+                                        <p:tav tm="0">
+                                          <p:val>
+                                            <p:strVal val="#ppt_x"/>
+                                          </p:val>
+                                        </p:tav>
+                                        <p:tav tm="100000">
+                                          <p:val>
+                                            <p:strVal val="#ppt_x"/>
+                                          </p:val>
+                                        </p:tav>
+                                      </p:tavLst>
+                                    </p:anim>
+                                    <p:anim calcmode="lin" valueType="num">
+                                      <p:cBhvr additive="base">
+                                        <p:cTn id="26" dur="500" fill="hold"/>
+                                        <p:tgtEl>
+                                          <p:spTgt spid="3">
+                                            <p:txEl>
+                                              <p:pRg st="3" end="3"/>
+                                            </p:txEl>
+                                          </p:spTgt>
+                                        </p:tgtEl>
+                                        <p:attrNameLst>
+                                          <p:attrName>ppt_y</p:attrName>
+                                        </p:attrNameLst>
+                                      </p:cBhvr>
+                                      <p:tavLst>
+                                        <p:tav tm="0">
+                                          <p:val>
+                                            <p:strVal val="1+#ppt_h/2"/>
+                                          </p:val>
+                                        </p:tav>
+                                        <p:tav tm="100000">
+                                          <p:val>
+                                            <p:strVal val="#ppt_y"/>
+                                          </p:val>
+                                        </p:tav>
+                                      </p:tavLst>
+                                    </p:anim>
+                                  </p:childTnLst>
+                                </p:cTn>
+                              </p:par>
+                            </p:childTnLst>
+                          </p:cTn>
+                        </p:par>
+                      </p:childTnLst>
+                    </p:cTn>
+                  </p:par>
+                  <p:par>
+                    <p:cTn id="27" fill="hold">
+                      <p:stCondLst>
+                        <p:cond delay="indefinite"/>
+                      </p:stCondLst>
+                      <p:childTnLst>
+                        <p:par>
+                          <p:cTn id="28" fill="hold">
+                            <p:stCondLst>
+                              <p:cond delay="0"/>
+                            </p:stCondLst>
+                            <p:childTnLst>
+                              <p:par>
+                                <p:cTn id="29" presetID="2" presetClass="entr" presetSubtype="4" fill="hold" nodeType="clickEffect">
+                                  <p:stCondLst>
+                                    <p:cond delay="0"/>
+                                  </p:stCondLst>
+                                  <p:childTnLst>
+                                    <p:set>
+                                      <p:cBhvr>
+                                        <p:cTn id="30" dur="1" fill="hold">
+                                          <p:stCondLst>
+                                            <p:cond delay="0"/>
+                                          </p:stCondLst>
+                                        </p:cTn>
+                                        <p:tgtEl>
+                                          <p:spTgt spid="3">
+                                            <p:txEl>
+                                              <p:pRg st="4" end="4"/>
+                                            </p:txEl>
+                                          </p:spTgt>
+                                        </p:tgtEl>
+                                        <p:attrNameLst>
+                                          <p:attrName>style.visibility</p:attrName>
+                                        </p:attrNameLst>
+                                      </p:cBhvr>
+                                      <p:to>
+                                        <p:strVal val="visible"/>
+                                      </p:to>
+                                    </p:set>
+                                    <p:anim calcmode="lin" valueType="num">
+                                      <p:cBhvr additive="base">
+                                        <p:cTn id="31" dur="500" fill="hold"/>
+                                        <p:tgtEl>
+                                          <p:spTgt spid="3">
+                                            <p:txEl>
+                                              <p:pRg st="4" end="4"/>
+                                            </p:txEl>
+                                          </p:spTgt>
+                                        </p:tgtEl>
+                                        <p:attrNameLst>
+                                          <p:attrName>ppt_x</p:attrName>
+                                        </p:attrNameLst>
+                                      </p:cBhvr>
+                                      <p:tavLst>
+                                        <p:tav tm="0">
+                                          <p:val>
+                                            <p:strVal val="#ppt_x"/>
+                                          </p:val>
+                                        </p:tav>
+                                        <p:tav tm="100000">
+                                          <p:val>
+                                            <p:strVal val="#ppt_x"/>
+                                          </p:val>
+                                        </p:tav>
+                                      </p:tavLst>
+                                    </p:anim>
+                                    <p:anim calcmode="lin" valueType="num">
+                                      <p:cBhvr additive="base">
+                                        <p:cTn id="32" dur="500" fill="hold"/>
+                                        <p:tgtEl>
+                                          <p:spTgt spid="3">
+                                            <p:txEl>
+                                              <p:pRg st="4" end="4"/>
+                                            </p:txEl>
+                                          </p:spTgt>
+                                        </p:tgtEl>
+                                        <p:attrNameLst>
+                                          <p:attrName>ppt_y</p:attrName>
+                                        </p:attrNameLst>
+                                      </p:cBhvr>
+                                      <p:tavLst>
+                                        <p:tav tm="0">
+                                          <p:val>
+                                            <p:strVal val="1+#ppt_h/2"/>
+                                          </p:val>
+                                        </p:tav>
+                                        <p:tav tm="100000">
+                                          <p:val>
+                                            <p:strVal val="#ppt_y"/>
+                                          </p:val>
+                                        </p:tav>
+                                      </p:tavLst>
+                                    </p:anim>
+                                  </p:childTnLst>
+                                </p:cTn>
+                              </p:par>
+                            </p:childTnLst>
+                          </p:cTn>
+                        </p:par>
+                      </p:childTnLst>
+                    </p:cTn>
+                  </p:par>
+                  <p:par>
+                    <p:cTn id="33" fill="hold">
+                      <p:stCondLst>
+                        <p:cond delay="indefinite"/>
+                      </p:stCondLst>
+                      <p:childTnLst>
+                        <p:par>
+                          <p:cTn id="34" fill="hold">
+                            <p:stCondLst>
+                              <p:cond delay="0"/>
+                            </p:stCondLst>
+                            <p:childTnLst>
+                              <p:par>
+                                <p:cTn id="35" presetID="2" presetClass="entr" presetSubtype="4" fill="hold" nodeType="clickEffect">
+                                  <p:stCondLst>
+                                    <p:cond delay="0"/>
+                                  </p:stCondLst>
+                                  <p:childTnLst>
+                                    <p:set>
+                                      <p:cBhvr>
+                                        <p:cTn id="36" dur="1" fill="hold">
+                                          <p:stCondLst>
+                                            <p:cond delay="0"/>
+                                          </p:stCondLst>
+                                        </p:cTn>
+                                        <p:tgtEl>
+                                          <p:spTgt spid="3">
+                                            <p:txEl>
+                                              <p:pRg st="5" end="5"/>
+                                            </p:txEl>
+                                          </p:spTgt>
+                                        </p:tgtEl>
+                                        <p:attrNameLst>
+                                          <p:attrName>style.visibility</p:attrName>
+                                        </p:attrNameLst>
+                                      </p:cBhvr>
+                                      <p:to>
+                                        <p:strVal val="visible"/>
+                                      </p:to>
+                                    </p:set>
+                                    <p:anim calcmode="lin" valueType="num">
+                                      <p:cBhvr additive="base">
+                                        <p:cTn id="37" dur="500" fill="hold"/>
+                                        <p:tgtEl>
+                                          <p:spTgt spid="3">
+                                            <p:txEl>
+                                              <p:pRg st="5" end="5"/>
+                                            </p:txEl>
+                                          </p:spTgt>
+                                        </p:tgtEl>
+                                        <p:attrNameLst>
+                                          <p:attrName>ppt_x</p:attrName>
+                                        </p:attrNameLst>
+                                      </p:cBhvr>
+                                      <p:tavLst>
+                                        <p:tav tm="0">
+                                          <p:val>
+                                            <p:strVal val="#ppt_x"/>
+                                          </p:val>
+                                        </p:tav>
+                                        <p:tav tm="100000">
+                                          <p:val>
+                                            <p:strVal val="#ppt_x"/>
+                                          </p:val>
+                                        </p:tav>
+                                      </p:tavLst>
+                                    </p:anim>
+                                    <p:anim calcmode="lin" valueType="num">
+                                      <p:cBhvr additive="base">
+                                        <p:cTn id="38" dur="500" fill="hold"/>
+                                        <p:tgtEl>
+                                          <p:spTgt spid="3">
+                                            <p:txEl>
+                                              <p:pRg st="5" end="5"/>
+                                            </p:txEl>
+                                          </p:spTgt>
+                                        </p:tgtEl>
+                                        <p:attrNameLst>
+                                          <p:attrName>ppt_y</p:attrName>
+                                        </p:attrNameLst>
+                                      </p:cBhvr>
+                                      <p:tavLst>
+                                        <p:tav tm="0">
+                                          <p:val>
+                                            <p:strVal val="1+#ppt_h/2"/>
+                                          </p:val>
+                                        </p:tav>
+                                        <p:tav tm="100000">
+                                          <p:val>
+                                            <p:strVal val="#ppt_y"/>
+                                          </p:val>
+                                        </p:tav>
+                                      </p:tavLst>
+                                    </p:anim>
+                                  </p:childTnLst>
+                                </p:cTn>
+                              </p:par>
+                            </p:childTnLst>
+                          </p:cTn>
+                        </p:par>
+                      </p:childTnLst>
+                    </p:cTn>
+                  </p:par>
+                  <p:par>
+                    <p:cTn id="39" fill="hold">
+                      <p:stCondLst>
+                        <p:cond delay="indefinite"/>
+                      </p:stCondLst>
+                      <p:childTnLst>
+                        <p:par>
+                          <p:cTn id="40" fill="hold">
+                            <p:stCondLst>
+                              <p:cond delay="0"/>
+                            </p:stCondLst>
+                            <p:childTnLst>
+                              <p:par>
+                                <p:cTn id="41" presetID="2" presetClass="entr" presetSubtype="4" fill="hold" nodeType="clickEffect">
+                                  <p:stCondLst>
+                                    <p:cond delay="0"/>
+                                  </p:stCondLst>
+                                  <p:childTnLst>
+                                    <p:set>
+                                      <p:cBhvr>
+                                        <p:cTn id="42" dur="1" fill="hold">
+                                          <p:stCondLst>
+                                            <p:cond delay="0"/>
+                                          </p:stCondLst>
+                                        </p:cTn>
+                                        <p:tgtEl>
+                                          <p:spTgt spid="3">
+                                            <p:txEl>
+                                              <p:pRg st="6" end="6"/>
+                                            </p:txEl>
+                                          </p:spTgt>
+                                        </p:tgtEl>
+                                        <p:attrNameLst>
+                                          <p:attrName>style.visibility</p:attrName>
+                                        </p:attrNameLst>
+                                      </p:cBhvr>
+                                      <p:to>
+                                        <p:strVal val="visible"/>
+                                      </p:to>
+                                    </p:set>
+                                    <p:anim calcmode="lin" valueType="num">
+                                      <p:cBhvr additive="base">
+                                        <p:cTn id="43" dur="500" fill="hold"/>
+                                        <p:tgtEl>
+                                          <p:spTgt spid="3">
+                                            <p:txEl>
+                                              <p:pRg st="6" end="6"/>
+                                            </p:txEl>
+                                          </p:spTgt>
+                                        </p:tgtEl>
+                                        <p:attrNameLst>
+                                          <p:attrName>ppt_x</p:attrName>
+                                        </p:attrNameLst>
+                                      </p:cBhvr>
+                                      <p:tavLst>
+                                        <p:tav tm="0">
+                                          <p:val>
+                                            <p:strVal val="#ppt_x"/>
+                                          </p:val>
+                                        </p:tav>
+                                        <p:tav tm="100000">
+                                          <p:val>
+                                            <p:strVal val="#ppt_x"/>
+                                          </p:val>
+                                        </p:tav>
+                                      </p:tavLst>
+                                    </p:anim>
+                                    <p:anim calcmode="lin" valueType="num">
+                                      <p:cBhvr additive="base">
+                                        <p:cTn id="44" dur="500" fill="hold"/>
+                                        <p:tgtEl>
+                                          <p:spTgt spid="3">
+                                            <p:txEl>
+                                              <p:pRg st="6" end="6"/>
+                                            </p:txEl>
+                                          </p:spTgt>
+                                        </p:tgtEl>
+                                        <p:attrNameLst>
+                                          <p:attrName>ppt_y</p:attrName>
+                                        </p:attrNameLst>
+                                      </p:cBhvr>
+                                      <p:tavLst>
+                                        <p:tav tm="0">
+                                          <p:val>
+                                            <p:strVal val="1+#ppt_h/2"/>
+                                          </p:val>
+                                        </p:tav>
+                                        <p:tav tm="100000">
+                                          <p:val>
+                                            <p:strVal val="#ppt_y"/>
+                                          </p:val>
+                                        </p:tav>
+                                      </p:tavLst>
+                                    </p:anim>
+                                  </p:childTnLst>
+                                </p:cTn>
+                              </p:par>
+                            </p:childTnLst>
+                          </p:cTn>
+                        </p:par>
+                      </p:childTnLst>
+                    </p:cTn>
+                  </p:par>
+                  <p:par>
+                    <p:cTn id="45" fill="hold">
+                      <p:stCondLst>
+                        <p:cond delay="indefinite"/>
+                      </p:stCondLst>
+                      <p:childTnLst>
+                        <p:par>
+                          <p:cTn id="46" fill="hold">
+                            <p:stCondLst>
+                              <p:cond delay="0"/>
+                            </p:stCondLst>
+                            <p:childTnLst>
+                              <p:par>
+                                <p:cTn id="47" presetID="2" presetClass="entr" presetSubtype="4" fill="hold" nodeType="clickEffect">
+                                  <p:stCondLst>
+                                    <p:cond delay="0"/>
+                                  </p:stCondLst>
+                                  <p:childTnLst>
+                                    <p:set>
+                                      <p:cBhvr>
+                                        <p:cTn id="48" dur="1" fill="hold">
+                                          <p:stCondLst>
+                                            <p:cond delay="0"/>
+                                          </p:stCondLst>
+                                        </p:cTn>
+                                        <p:tgtEl>
+                                          <p:spTgt spid="3">
+                                            <p:txEl>
+                                              <p:pRg st="7" end="7"/>
+                                            </p:txEl>
+                                          </p:spTgt>
+                                        </p:tgtEl>
+                                        <p:attrNameLst>
+                                          <p:attrName>style.visibility</p:attrName>
+                                        </p:attrNameLst>
+                                      </p:cBhvr>
+                                      <p:to>
+                                        <p:strVal val="visible"/>
+                                      </p:to>
+                                    </p:set>
+                                    <p:anim calcmode="lin" valueType="num">
+                                      <p:cBhvr additive="base">
+                                        <p:cTn id="49" dur="500" fill="hold"/>
+                                        <p:tgtEl>
+                                          <p:spTgt spid="3">
+                                            <p:txEl>
+                                              <p:pRg st="7" end="7"/>
+                                            </p:txEl>
+                                          </p:spTgt>
+                                        </p:tgtEl>
+                                        <p:attrNameLst>
+                                          <p:attrName>ppt_x</p:attrName>
+                                        </p:attrNameLst>
+                                      </p:cBhvr>
+                                      <p:tavLst>
+                                        <p:tav tm="0">
+                                          <p:val>
+                                            <p:strVal val="#ppt_x"/>
+                                          </p:val>
+                                        </p:tav>
+                                        <p:tav tm="100000">
+                                          <p:val>
+                                            <p:strVal val="#ppt_x"/>
+                                          </p:val>
+                                        </p:tav>
+                                      </p:tavLst>
+                                    </p:anim>
+                                    <p:anim calcmode="lin" valueType="num">
+                                      <p:cBhvr additive="base">
+                                        <p:cTn id="50" dur="500" fill="hold"/>
+                                        <p:tgtEl>
+                                          <p:spTgt spid="3">
+                                            <p:txEl>
+                                              <p:pRg st="7" end="7"/>
+                                            </p:txEl>
+                                          </p:spTgt>
+                                        </p:tgtEl>
+                                        <p:attrNameLst>
+                                          <p:attrName>ppt_y</p:attrName>
+                                        </p:attrNameLst>
+                                      </p:cBhvr>
+                                      <p:tavLst>
+                                        <p:tav tm="0">
+                                          <p:val>
+                                            <p:strVal val="1+#ppt_h/2"/>
+                                          </p:val>
+                                        </p:tav>
+                                        <p:tav tm="100000">
+                                          <p:val>
+                                            <p:strVal val="#ppt_y"/>
+                                          </p:val>
+                                        </p:tav>
+                                      </p:tavLst>
+                                    </p:anim>
+                                  </p:childTnLst>
+                                </p:cTn>
+                              </p:par>
+                            </p:childTnLst>
+                          </p:cTn>
+                        </p:par>
+                      </p:childTnLst>
+                    </p:cTn>
+                  </p:par>
+                </p:childTnLst>
+              </p:cTn>
+              <p:prevCondLst>
+                <p:cond evt="onPrev" delay="0">
+                  <p:tgtEl>
+                    <p:sldTgt/>
+                  </p:tgtEl>
+                </p:cond>
+              </p:prevCondLst>
+              <p:nextCondLst>
+                <p:cond evt="onNext" delay="0">
+                  <p:tgtEl>
+                    <p:sldTgt/>
+                  </p:tgtEl>
+                </p:cond>
+              </p:nextCondLst>
+            </p:seq>
+          </p:childTnLst>
+        </p:cTn>
       </p:par>
     </p:tnLst>
   </p:timing>
@@ -11055,65 +11915,6 @@
           </a:p>
         </p:txBody>
       </p:sp>
-      <p:sp>
-        <p:nvSpPr>
-          <p:cNvPr id="3" name="Content Placeholder 2"/>
-          <p:cNvSpPr>
-            <a:spLocks noGrp="1"/>
-          </p:cNvSpPr>
-          <p:nvPr>
-            <p:ph idx="1"/>
-          </p:nvPr>
-        </p:nvSpPr>
-        <p:spPr/>
-        <p:txBody>
-          <a:bodyPr/>
-          <a:lstStyle/>
-          <a:p>
-            <a:r>
-              <a:rPr lang="en-ZA" dirty="0" smtClean="0"/>
-              <a:t>Results: We managed to build a model that predicts </a:t>
-            </a:r>
-            <a:r>
-              <a:rPr lang="en-ZA" dirty="0" err="1" smtClean="0"/>
-              <a:t>appleprices</a:t>
-            </a:r>
-            <a:r>
-              <a:rPr lang="en-ZA" dirty="0" smtClean="0"/>
-              <a:t> very </a:t>
-            </a:r>
-            <a:r>
-              <a:rPr lang="en-ZA" dirty="0" err="1" smtClean="0"/>
-              <a:t>accuratele</a:t>
-            </a:r>
-            <a:r>
-              <a:rPr lang="en-ZA" dirty="0" smtClean="0"/>
-              <a:t> (RMSE: )</a:t>
-            </a:r>
-          </a:p>
-          <a:p>
-            <a:r>
-              <a:rPr lang="en-ZA" dirty="0" smtClean="0"/>
-              <a:t>Our model placed us at position …… on the </a:t>
-            </a:r>
-            <a:r>
-              <a:rPr lang="en-ZA" dirty="0" err="1" smtClean="0"/>
-              <a:t>Kaggle</a:t>
-            </a:r>
-            <a:r>
-              <a:rPr lang="en-ZA" dirty="0" smtClean="0"/>
-              <a:t> board.</a:t>
-            </a:r>
-          </a:p>
-          <a:p>
-            <a:r>
-              <a:rPr lang="en-ZA" dirty="0" smtClean="0"/>
-              <a:t>Suppliers can now more accurately predict their competitor’s apple prices so that they can adjust their own prices and thereby maximize their profit.</a:t>
-            </a:r>
-            <a:endParaRPr lang="en-ZA" dirty="0"/>
-          </a:p>
-        </p:txBody>
-      </p:sp>
       <p:pic>
         <p:nvPicPr>
           <p:cNvPr id="4" name="Picture 3"/>
@@ -11136,7 +11937,7 @@
         </p:blipFill>
         <p:spPr>
           <a:xfrm>
-            <a:off x="6516216" y="4695825"/>
+            <a:off x="6588224" y="4653136"/>
             <a:ext cx="2114550" cy="2162175"/>
           </a:xfrm>
           <a:prstGeom prst="rect">
@@ -11144,6 +11945,65 @@
           </a:prstGeom>
         </p:spPr>
       </p:pic>
+      <p:sp>
+        <p:nvSpPr>
+          <p:cNvPr id="3" name="Content Placeholder 2"/>
+          <p:cNvSpPr>
+            <a:spLocks noGrp="1"/>
+          </p:cNvSpPr>
+          <p:nvPr>
+            <p:ph idx="1"/>
+          </p:nvPr>
+        </p:nvSpPr>
+        <p:spPr/>
+        <p:txBody>
+          <a:bodyPr/>
+          <a:lstStyle/>
+          <a:p>
+            <a:r>
+              <a:rPr lang="en-ZA" dirty="0" smtClean="0"/>
+              <a:t>Results: We managed to build a model that predicts </a:t>
+            </a:r>
+            <a:r>
+              <a:rPr lang="en-ZA" dirty="0" smtClean="0"/>
+              <a:t>apple prices </a:t>
+            </a:r>
+            <a:r>
+              <a:rPr lang="en-ZA" dirty="0" smtClean="0"/>
+              <a:t>very </a:t>
+            </a:r>
+            <a:r>
+              <a:rPr lang="en-ZA" dirty="0" smtClean="0"/>
+              <a:t>accurately </a:t>
+            </a:r>
+            <a:r>
+              <a:rPr lang="en-ZA" dirty="0" smtClean="0"/>
+              <a:t>(RMSE: )</a:t>
+            </a:r>
+          </a:p>
+          <a:p>
+            <a:r>
+              <a:rPr lang="en-ZA" dirty="0" smtClean="0"/>
+              <a:t>Our model placed us at position …… on the </a:t>
+            </a:r>
+            <a:r>
+              <a:rPr lang="en-ZA" dirty="0" err="1" smtClean="0"/>
+              <a:t>Kaggle</a:t>
+            </a:r>
+            <a:r>
+              <a:rPr lang="en-ZA" dirty="0" smtClean="0"/>
+              <a:t> board.</a:t>
+            </a:r>
+          </a:p>
+          <a:p>
+            <a:r>
+              <a:rPr lang="en-ZA" dirty="0" smtClean="0"/>
+              <a:t>Suppliers can now more accurately predict their competitor’s apple prices so that they can adjust their own prices and thereby maximize their profit.</a:t>
+            </a:r>
+            <a:endParaRPr lang="en-ZA" dirty="0"/>
+          </a:p>
+        </p:txBody>
+      </p:sp>
     </p:spTree>
     <p:extLst>
       <p:ext uri="{BB962C8B-B14F-4D97-AF65-F5344CB8AC3E}">
@@ -11157,6 +12017,345 @@
   <p:transition spd="slow">
     <p:push dir="u"/>
   </p:transition>
+  <p:timing>
+    <p:tnLst>
+      <p:par>
+        <p:cTn id="1" dur="indefinite" restart="never" nodeType="tmRoot">
+          <p:childTnLst>
+            <p:seq concurrent="1" nextAc="seek">
+              <p:cTn id="2" dur="indefinite" nodeType="mainSeq">
+                <p:childTnLst>
+                  <p:par>
+                    <p:cTn id="3" fill="hold">
+                      <p:stCondLst>
+                        <p:cond delay="indefinite"/>
+                      </p:stCondLst>
+                      <p:childTnLst>
+                        <p:par>
+                          <p:cTn id="4" fill="hold">
+                            <p:stCondLst>
+                              <p:cond delay="0"/>
+                            </p:stCondLst>
+                            <p:childTnLst>
+                              <p:par>
+                                <p:cTn id="5" presetID="2" presetClass="entr" presetSubtype="4" fill="hold" nodeType="clickEffect">
+                                  <p:stCondLst>
+                                    <p:cond delay="0"/>
+                                  </p:stCondLst>
+                                  <p:childTnLst>
+                                    <p:set>
+                                      <p:cBhvr>
+                                        <p:cTn id="6" dur="1" fill="hold">
+                                          <p:stCondLst>
+                                            <p:cond delay="0"/>
+                                          </p:stCondLst>
+                                        </p:cTn>
+                                        <p:tgtEl>
+                                          <p:spTgt spid="3">
+                                            <p:txEl>
+                                              <p:pRg st="0" end="0"/>
+                                            </p:txEl>
+                                          </p:spTgt>
+                                        </p:tgtEl>
+                                        <p:attrNameLst>
+                                          <p:attrName>style.visibility</p:attrName>
+                                        </p:attrNameLst>
+                                      </p:cBhvr>
+                                      <p:to>
+                                        <p:strVal val="visible"/>
+                                      </p:to>
+                                    </p:set>
+                                    <p:anim calcmode="lin" valueType="num">
+                                      <p:cBhvr additive="base">
+                                        <p:cTn id="7" dur="500" fill="hold"/>
+                                        <p:tgtEl>
+                                          <p:spTgt spid="3">
+                                            <p:txEl>
+                                              <p:pRg st="0" end="0"/>
+                                            </p:txEl>
+                                          </p:spTgt>
+                                        </p:tgtEl>
+                                        <p:attrNameLst>
+                                          <p:attrName>ppt_x</p:attrName>
+                                        </p:attrNameLst>
+                                      </p:cBhvr>
+                                      <p:tavLst>
+                                        <p:tav tm="0">
+                                          <p:val>
+                                            <p:strVal val="#ppt_x"/>
+                                          </p:val>
+                                        </p:tav>
+                                        <p:tav tm="100000">
+                                          <p:val>
+                                            <p:strVal val="#ppt_x"/>
+                                          </p:val>
+                                        </p:tav>
+                                      </p:tavLst>
+                                    </p:anim>
+                                    <p:anim calcmode="lin" valueType="num">
+                                      <p:cBhvr additive="base">
+                                        <p:cTn id="8" dur="500" fill="hold"/>
+                                        <p:tgtEl>
+                                          <p:spTgt spid="3">
+                                            <p:txEl>
+                                              <p:pRg st="0" end="0"/>
+                                            </p:txEl>
+                                          </p:spTgt>
+                                        </p:tgtEl>
+                                        <p:attrNameLst>
+                                          <p:attrName>ppt_y</p:attrName>
+                                        </p:attrNameLst>
+                                      </p:cBhvr>
+                                      <p:tavLst>
+                                        <p:tav tm="0">
+                                          <p:val>
+                                            <p:strVal val="1+#ppt_h/2"/>
+                                          </p:val>
+                                        </p:tav>
+                                        <p:tav tm="100000">
+                                          <p:val>
+                                            <p:strVal val="#ppt_y"/>
+                                          </p:val>
+                                        </p:tav>
+                                      </p:tavLst>
+                                    </p:anim>
+                                  </p:childTnLst>
+                                </p:cTn>
+                              </p:par>
+                            </p:childTnLst>
+                          </p:cTn>
+                        </p:par>
+                      </p:childTnLst>
+                    </p:cTn>
+                  </p:par>
+                  <p:par>
+                    <p:cTn id="9" fill="hold">
+                      <p:stCondLst>
+                        <p:cond delay="indefinite"/>
+                      </p:stCondLst>
+                      <p:childTnLst>
+                        <p:par>
+                          <p:cTn id="10" fill="hold">
+                            <p:stCondLst>
+                              <p:cond delay="0"/>
+                            </p:stCondLst>
+                            <p:childTnLst>
+                              <p:par>
+                                <p:cTn id="11" presetID="2" presetClass="entr" presetSubtype="4" fill="hold" nodeType="clickEffect">
+                                  <p:stCondLst>
+                                    <p:cond delay="0"/>
+                                  </p:stCondLst>
+                                  <p:childTnLst>
+                                    <p:set>
+                                      <p:cBhvr>
+                                        <p:cTn id="12" dur="1" fill="hold">
+                                          <p:stCondLst>
+                                            <p:cond delay="0"/>
+                                          </p:stCondLst>
+                                        </p:cTn>
+                                        <p:tgtEl>
+                                          <p:spTgt spid="3">
+                                            <p:txEl>
+                                              <p:pRg st="1" end="1"/>
+                                            </p:txEl>
+                                          </p:spTgt>
+                                        </p:tgtEl>
+                                        <p:attrNameLst>
+                                          <p:attrName>style.visibility</p:attrName>
+                                        </p:attrNameLst>
+                                      </p:cBhvr>
+                                      <p:to>
+                                        <p:strVal val="visible"/>
+                                      </p:to>
+                                    </p:set>
+                                    <p:anim calcmode="lin" valueType="num">
+                                      <p:cBhvr additive="base">
+                                        <p:cTn id="13" dur="500" fill="hold"/>
+                                        <p:tgtEl>
+                                          <p:spTgt spid="3">
+                                            <p:txEl>
+                                              <p:pRg st="1" end="1"/>
+                                            </p:txEl>
+                                          </p:spTgt>
+                                        </p:tgtEl>
+                                        <p:attrNameLst>
+                                          <p:attrName>ppt_x</p:attrName>
+                                        </p:attrNameLst>
+                                      </p:cBhvr>
+                                      <p:tavLst>
+                                        <p:tav tm="0">
+                                          <p:val>
+                                            <p:strVal val="#ppt_x"/>
+                                          </p:val>
+                                        </p:tav>
+                                        <p:tav tm="100000">
+                                          <p:val>
+                                            <p:strVal val="#ppt_x"/>
+                                          </p:val>
+                                        </p:tav>
+                                      </p:tavLst>
+                                    </p:anim>
+                                    <p:anim calcmode="lin" valueType="num">
+                                      <p:cBhvr additive="base">
+                                        <p:cTn id="14" dur="500" fill="hold"/>
+                                        <p:tgtEl>
+                                          <p:spTgt spid="3">
+                                            <p:txEl>
+                                              <p:pRg st="1" end="1"/>
+                                            </p:txEl>
+                                          </p:spTgt>
+                                        </p:tgtEl>
+                                        <p:attrNameLst>
+                                          <p:attrName>ppt_y</p:attrName>
+                                        </p:attrNameLst>
+                                      </p:cBhvr>
+                                      <p:tavLst>
+                                        <p:tav tm="0">
+                                          <p:val>
+                                            <p:strVal val="1+#ppt_h/2"/>
+                                          </p:val>
+                                        </p:tav>
+                                        <p:tav tm="100000">
+                                          <p:val>
+                                            <p:strVal val="#ppt_y"/>
+                                          </p:val>
+                                        </p:tav>
+                                      </p:tavLst>
+                                    </p:anim>
+                                  </p:childTnLst>
+                                </p:cTn>
+                              </p:par>
+                            </p:childTnLst>
+                          </p:cTn>
+                        </p:par>
+                      </p:childTnLst>
+                    </p:cTn>
+                  </p:par>
+                  <p:par>
+                    <p:cTn id="15" fill="hold">
+                      <p:stCondLst>
+                        <p:cond delay="indefinite"/>
+                      </p:stCondLst>
+                      <p:childTnLst>
+                        <p:par>
+                          <p:cTn id="16" fill="hold">
+                            <p:stCondLst>
+                              <p:cond delay="0"/>
+                            </p:stCondLst>
+                            <p:childTnLst>
+                              <p:par>
+                                <p:cTn id="17" presetID="2" presetClass="entr" presetSubtype="4" fill="hold" nodeType="clickEffect">
+                                  <p:stCondLst>
+                                    <p:cond delay="0"/>
+                                  </p:stCondLst>
+                                  <p:childTnLst>
+                                    <p:set>
+                                      <p:cBhvr>
+                                        <p:cTn id="18" dur="1" fill="hold">
+                                          <p:stCondLst>
+                                            <p:cond delay="0"/>
+                                          </p:stCondLst>
+                                        </p:cTn>
+                                        <p:tgtEl>
+                                          <p:spTgt spid="3">
+                                            <p:txEl>
+                                              <p:pRg st="2" end="2"/>
+                                            </p:txEl>
+                                          </p:spTgt>
+                                        </p:tgtEl>
+                                        <p:attrNameLst>
+                                          <p:attrName>style.visibility</p:attrName>
+                                        </p:attrNameLst>
+                                      </p:cBhvr>
+                                      <p:to>
+                                        <p:strVal val="visible"/>
+                                      </p:to>
+                                    </p:set>
+                                    <p:anim calcmode="lin" valueType="num">
+                                      <p:cBhvr additive="base">
+                                        <p:cTn id="19" dur="500" fill="hold"/>
+                                        <p:tgtEl>
+                                          <p:spTgt spid="3">
+                                            <p:txEl>
+                                              <p:pRg st="2" end="2"/>
+                                            </p:txEl>
+                                          </p:spTgt>
+                                        </p:tgtEl>
+                                        <p:attrNameLst>
+                                          <p:attrName>ppt_x</p:attrName>
+                                        </p:attrNameLst>
+                                      </p:cBhvr>
+                                      <p:tavLst>
+                                        <p:tav tm="0">
+                                          <p:val>
+                                            <p:strVal val="#ppt_x"/>
+                                          </p:val>
+                                        </p:tav>
+                                        <p:tav tm="100000">
+                                          <p:val>
+                                            <p:strVal val="#ppt_x"/>
+                                          </p:val>
+                                        </p:tav>
+                                      </p:tavLst>
+                                    </p:anim>
+                                    <p:anim calcmode="lin" valueType="num">
+                                      <p:cBhvr additive="base">
+                                        <p:cTn id="20" dur="500" fill="hold"/>
+                                        <p:tgtEl>
+                                          <p:spTgt spid="3">
+                                            <p:txEl>
+                                              <p:pRg st="2" end="2"/>
+                                            </p:txEl>
+                                          </p:spTgt>
+                                        </p:tgtEl>
+                                        <p:attrNameLst>
+                                          <p:attrName>ppt_y</p:attrName>
+                                        </p:attrNameLst>
+                                      </p:cBhvr>
+                                      <p:tavLst>
+                                        <p:tav tm="0">
+                                          <p:val>
+                                            <p:strVal val="1+#ppt_h/2"/>
+                                          </p:val>
+                                        </p:tav>
+                                        <p:tav tm="100000">
+                                          <p:val>
+                                            <p:strVal val="#ppt_y"/>
+                                          </p:val>
+                                        </p:tav>
+                                      </p:tavLst>
+                                    </p:anim>
+                                  </p:childTnLst>
+                                </p:cTn>
+                              </p:par>
+                            </p:childTnLst>
+                          </p:cTn>
+                        </p:par>
+                      </p:childTnLst>
+                    </p:cTn>
+                  </p:par>
+                </p:childTnLst>
+              </p:cTn>
+              <p:prevCondLst>
+                <p:cond evt="onPrev" delay="0">
+                  <p:tgtEl>
+                    <p:sldTgt/>
+                  </p:tgtEl>
+                </p:cond>
+              </p:prevCondLst>
+              <p:nextCondLst>
+                <p:cond evt="onNext" delay="0">
+                  <p:tgtEl>
+                    <p:sldTgt/>
+                  </p:tgtEl>
+                </p:cond>
+              </p:nextCondLst>
+            </p:seq>
+          </p:childTnLst>
+        </p:cTn>
+      </p:par>
+    </p:tnLst>
+  </p:timing>
 </p:sld>
 </file>
 
@@ -11559,7 +12758,12 @@
             <p:ph type="title"/>
           </p:nvPr>
         </p:nvSpPr>
-        <p:spPr/>
+        <p:spPr>
+          <a:xfrm>
+            <a:off x="421196" y="620688"/>
+            <a:ext cx="8229600" cy="1143000"/>
+          </a:xfrm>
+        </p:spPr>
         <p:txBody>
           <a:bodyPr>
             <a:normAutofit/>
@@ -11584,14 +12788,14 @@
             <p:ph idx="1"/>
             <p:extLst>
               <p:ext uri="{D42A27DB-BD31-4B8C-83A1-F6EECF244321}">
-                <p14:modId xmlns:p14="http://schemas.microsoft.com/office/powerpoint/2010/main" val="2479582005"/>
+                <p14:modId xmlns:p14="http://schemas.microsoft.com/office/powerpoint/2010/main" val="3408312896"/>
               </p:ext>
             </p:extLst>
           </p:nvPr>
         </p:nvGraphicFramePr>
         <p:xfrm>
-          <a:off x="251520" y="1340768"/>
-          <a:ext cx="8578850" cy="4846320"/>
+          <a:off x="179512" y="1767780"/>
+          <a:ext cx="8856984" cy="4769485"/>
         </p:xfrm>
         <a:graphic>
           <a:graphicData uri="http://schemas.openxmlformats.org/drawingml/2006/table">
@@ -11600,10 +12804,10 @@
                 <a:tableStyleId>{69CF1AB2-1976-4502-BF36-3FF5EA218861}</a:tableStyleId>
               </a:tblPr>
               <a:tblGrid>
-                <a:gridCol w="4289425"/>
-                <a:gridCol w="4289425"/>
+                <a:gridCol w="4428492"/>
+                <a:gridCol w="4428492"/>
               </a:tblGrid>
-              <a:tr h="370840">
+              <a:tr h="551608">
                 <a:tc>
                   <a:txBody>
                     <a:bodyPr/>
@@ -11661,7 +12865,7 @@
                   <a:tcPr/>
                 </a:tc>
               </a:tr>
-              <a:tr h="370840">
+              <a:tr h="814279">
                 <a:tc>
                   <a:txBody>
                     <a:bodyPr/>
@@ -11735,7 +12939,7 @@
                   <a:tcPr/>
                 </a:tc>
               </a:tr>
-              <a:tr h="370840">
+              <a:tr h="814279">
                 <a:tc>
                   <a:txBody>
                     <a:bodyPr/>
@@ -11817,7 +13021,7 @@
                   <a:tcPr/>
                 </a:tc>
               </a:tr>
-              <a:tr h="324088">
+              <a:tr h="1182018">
                 <a:tc>
                   <a:txBody>
                     <a:bodyPr/>
@@ -11926,7 +13130,7 @@
                   <a:tcPr/>
                 </a:tc>
               </a:tr>
-              <a:tr h="370840">
+              <a:tr h="814279">
                 <a:tc>
                   <a:txBody>
                     <a:bodyPr/>
@@ -12020,7 +13224,7 @@
         </p:nvSpPr>
         <p:spPr>
           <a:xfrm>
-            <a:off x="611560" y="6237312"/>
+            <a:off x="323528" y="6537265"/>
             <a:ext cx="8424936" cy="369332"/>
           </a:xfrm>
           <a:prstGeom prst="rect">
@@ -12055,6 +13259,13 @@
   <p:transition spd="slow">
     <p:push dir="u"/>
   </p:transition>
+  <p:timing>
+    <p:tnLst>
+      <p:par>
+        <p:cTn id="1" dur="indefinite" restart="never" nodeType="tmRoot"/>
+      </p:par>
+    </p:tnLst>
+  </p:timing>
 </p:sld>
 </file>
 
@@ -14056,15 +15267,33 @@
                                   </p:childTnLst>
                                 </p:cTn>
                               </p:par>
+                            </p:childTnLst>
+                          </p:cTn>
+                        </p:par>
+                      </p:childTnLst>
+                    </p:cTn>
+                  </p:par>
+                  <p:par>
+                    <p:cTn id="9" fill="hold">
+                      <p:stCondLst>
+                        <p:cond delay="indefinite"/>
+                      </p:stCondLst>
+                      <p:childTnLst>
+                        <p:par>
+                          <p:cTn id="10" fill="hold">
+                            <p:stCondLst>
+                              <p:cond delay="0"/>
+                            </p:stCondLst>
+                            <p:childTnLst>
                               <p:par>
-                                <p:cTn id="9" presetID="2" presetClass="entr" presetSubtype="4" fill="hold" grpId="0" nodeType="withEffect">
+                                <p:cTn id="11" presetID="2" presetClass="entr" presetSubtype="4" fill="hold" grpId="0" nodeType="clickEffect">
                                   <p:stCondLst>
                                     <p:cond delay="0"/>
                                   </p:stCondLst>
                                   <p:childTnLst>
                                     <p:set>
                                       <p:cBhvr>
-                                        <p:cTn id="10" dur="1" fill="hold">
+                                        <p:cTn id="12" dur="1" fill="hold">
                                           <p:stCondLst>
                                             <p:cond delay="0"/>
                                           </p:stCondLst>
@@ -14086,7 +15315,7 @@
                                     </p:set>
                                     <p:anim calcmode="lin" valueType="num">
                                       <p:cBhvr additive="base">
-                                        <p:cTn id="11" dur="500" fill="hold"/>
+                                        <p:cTn id="13" dur="500" fill="hold"/>
                                         <p:tgtEl>
                                           <p:spTgt spid="3">
                                             <p:txEl>
@@ -14113,7 +15342,7 @@
                                     </p:anim>
                                     <p:anim calcmode="lin" valueType="num">
                                       <p:cBhvr additive="base">
-                                        <p:cTn id="12" dur="500" fill="hold"/>
+                                        <p:cTn id="14" dur="500" fill="hold"/>
                                         <p:tgtEl>
                                           <p:spTgt spid="3">
                                             <p:txEl>
@@ -14141,93 +15370,26 @@
                                   </p:childTnLst>
                                 </p:cTn>
                               </p:par>
+                            </p:childTnLst>
+                          </p:cTn>
+                        </p:par>
+                      </p:childTnLst>
+                    </p:cTn>
+                  </p:par>
+                  <p:par>
+                    <p:cTn id="15" fill="hold">
+                      <p:stCondLst>
+                        <p:cond delay="indefinite"/>
+                      </p:stCondLst>
+                      <p:childTnLst>
+                        <p:par>
+                          <p:cTn id="16" fill="hold">
+                            <p:stCondLst>
+                              <p:cond delay="0"/>
+                            </p:stCondLst>
+                            <p:childTnLst>
                               <p:par>
-                                <p:cTn id="13" presetID="2" presetClass="entr" presetSubtype="4" fill="hold" grpId="0" nodeType="withEffect">
-                                  <p:stCondLst>
-                                    <p:cond delay="0"/>
-                                  </p:stCondLst>
-                                  <p:childTnLst>
-                                    <p:set>
-                                      <p:cBhvr>
-                                        <p:cTn id="14" dur="1" fill="hold">
-                                          <p:stCondLst>
-                                            <p:cond delay="0"/>
-                                          </p:stCondLst>
-                                        </p:cTn>
-                                        <p:tgtEl>
-                                          <p:spTgt spid="3">
-                                            <p:txEl>
-                                              <p:pRg st="2" end="2"/>
-                                            </p:txEl>
-                                          </p:spTgt>
-                                        </p:tgtEl>
-                                        <p:attrNameLst>
-                                          <p:attrName>style.visibility</p:attrName>
-                                        </p:attrNameLst>
-                                      </p:cBhvr>
-                                      <p:to>
-                                        <p:strVal val="visible"/>
-                                      </p:to>
-                                    </p:set>
-                                    <p:anim calcmode="lin" valueType="num">
-                                      <p:cBhvr additive="base">
-                                        <p:cTn id="15" dur="500" fill="hold"/>
-                                        <p:tgtEl>
-                                          <p:spTgt spid="3">
-                                            <p:txEl>
-                                              <p:pRg st="2" end="2"/>
-                                            </p:txEl>
-                                          </p:spTgt>
-                                        </p:tgtEl>
-                                        <p:attrNameLst>
-                                          <p:attrName>ppt_x</p:attrName>
-                                        </p:attrNameLst>
-                                      </p:cBhvr>
-                                      <p:tavLst>
-                                        <p:tav tm="0">
-                                          <p:val>
-                                            <p:strVal val="#ppt_x"/>
-                                          </p:val>
-                                        </p:tav>
-                                        <p:tav tm="100000">
-                                          <p:val>
-                                            <p:strVal val="#ppt_x"/>
-                                          </p:val>
-                                        </p:tav>
-                                      </p:tavLst>
-                                    </p:anim>
-                                    <p:anim calcmode="lin" valueType="num">
-                                      <p:cBhvr additive="base">
-                                        <p:cTn id="16" dur="500" fill="hold"/>
-                                        <p:tgtEl>
-                                          <p:spTgt spid="3">
-                                            <p:txEl>
-                                              <p:pRg st="2" end="2"/>
-                                            </p:txEl>
-                                          </p:spTgt>
-                                        </p:tgtEl>
-                                        <p:attrNameLst>
-                                          <p:attrName>ppt_y</p:attrName>
-                                        </p:attrNameLst>
-                                      </p:cBhvr>
-                                      <p:tavLst>
-                                        <p:tav tm="0">
-                                          <p:val>
-                                            <p:strVal val="1+#ppt_h/2"/>
-                                          </p:val>
-                                        </p:tav>
-                                        <p:tav tm="100000">
-                                          <p:val>
-                                            <p:strVal val="#ppt_y"/>
-                                          </p:val>
-                                        </p:tav>
-                                      </p:tavLst>
-                                    </p:anim>
-                                  </p:childTnLst>
-                                </p:cTn>
-                              </p:par>
-                              <p:par>
-                                <p:cTn id="17" presetID="2" presetClass="entr" presetSubtype="4" fill="hold" grpId="0" nodeType="withEffect">
+                                <p:cTn id="17" presetID="2" presetClass="entr" presetSubtype="4" fill="hold" grpId="0" nodeType="clickEffect">
                                   <p:stCondLst>
                                     <p:cond delay="0"/>
                                   </p:stCondLst>
@@ -14242,7 +15404,7 @@
                                         <p:tgtEl>
                                           <p:spTgt spid="3">
                                             <p:txEl>
-                                              <p:pRg st="3" end="3"/>
+                                              <p:pRg st="2" end="2"/>
                                             </p:txEl>
                                           </p:spTgt>
                                         </p:tgtEl>
@@ -14260,7 +15422,7 @@
                                         <p:tgtEl>
                                           <p:spTgt spid="3">
                                             <p:txEl>
-                                              <p:pRg st="3" end="3"/>
+                                              <p:pRg st="2" end="2"/>
                                             </p:txEl>
                                           </p:spTgt>
                                         </p:tgtEl>
@@ -14287,7 +15449,7 @@
                                         <p:tgtEl>
                                           <p:spTgt spid="3">
                                             <p:txEl>
-                                              <p:pRg st="3" end="3"/>
+                                              <p:pRg st="2" end="2"/>
                                             </p:txEl>
                                           </p:spTgt>
                                         </p:tgtEl>
@@ -14345,7 +15507,7 @@
                                         <p:tgtEl>
                                           <p:spTgt spid="3">
                                             <p:txEl>
-                                              <p:pRg st="4" end="4"/>
+                                              <p:pRg st="3" end="3"/>
                                             </p:txEl>
                                           </p:spTgt>
                                         </p:tgtEl>
@@ -14363,7 +15525,7 @@
                                         <p:tgtEl>
                                           <p:spTgt spid="3">
                                             <p:txEl>
-                                              <p:pRg st="4" end="4"/>
+                                              <p:pRg st="3" end="3"/>
                                             </p:txEl>
                                           </p:spTgt>
                                         </p:tgtEl>
@@ -14390,7 +15552,7 @@
                                         <p:tgtEl>
                                           <p:spTgt spid="3">
                                             <p:txEl>
-                                              <p:pRg st="4" end="4"/>
+                                              <p:pRg st="3" end="3"/>
                                             </p:txEl>
                                           </p:spTgt>
                                         </p:tgtEl>
@@ -14448,7 +15610,7 @@
                                         <p:tgtEl>
                                           <p:spTgt spid="3">
                                             <p:txEl>
-                                              <p:pRg st="5" end="5"/>
+                                              <p:pRg st="4" end="4"/>
                                             </p:txEl>
                                           </p:spTgt>
                                         </p:tgtEl>
@@ -14466,7 +15628,7 @@
                                         <p:tgtEl>
                                           <p:spTgt spid="3">
                                             <p:txEl>
-                                              <p:pRg st="5" end="5"/>
+                                              <p:pRg st="4" end="4"/>
                                             </p:txEl>
                                           </p:spTgt>
                                         </p:tgtEl>
@@ -14490,6 +15652,109 @@
                                     <p:anim calcmode="lin" valueType="num">
                                       <p:cBhvr additive="base">
                                         <p:cTn id="32" dur="500" fill="hold"/>
+                                        <p:tgtEl>
+                                          <p:spTgt spid="3">
+                                            <p:txEl>
+                                              <p:pRg st="4" end="4"/>
+                                            </p:txEl>
+                                          </p:spTgt>
+                                        </p:tgtEl>
+                                        <p:attrNameLst>
+                                          <p:attrName>ppt_y</p:attrName>
+                                        </p:attrNameLst>
+                                      </p:cBhvr>
+                                      <p:tavLst>
+                                        <p:tav tm="0">
+                                          <p:val>
+                                            <p:strVal val="1+#ppt_h/2"/>
+                                          </p:val>
+                                        </p:tav>
+                                        <p:tav tm="100000">
+                                          <p:val>
+                                            <p:strVal val="#ppt_y"/>
+                                          </p:val>
+                                        </p:tav>
+                                      </p:tavLst>
+                                    </p:anim>
+                                  </p:childTnLst>
+                                </p:cTn>
+                              </p:par>
+                            </p:childTnLst>
+                          </p:cTn>
+                        </p:par>
+                      </p:childTnLst>
+                    </p:cTn>
+                  </p:par>
+                  <p:par>
+                    <p:cTn id="33" fill="hold">
+                      <p:stCondLst>
+                        <p:cond delay="indefinite"/>
+                      </p:stCondLst>
+                      <p:childTnLst>
+                        <p:par>
+                          <p:cTn id="34" fill="hold">
+                            <p:stCondLst>
+                              <p:cond delay="0"/>
+                            </p:stCondLst>
+                            <p:childTnLst>
+                              <p:par>
+                                <p:cTn id="35" presetID="2" presetClass="entr" presetSubtype="4" fill="hold" grpId="0" nodeType="clickEffect">
+                                  <p:stCondLst>
+                                    <p:cond delay="0"/>
+                                  </p:stCondLst>
+                                  <p:childTnLst>
+                                    <p:set>
+                                      <p:cBhvr>
+                                        <p:cTn id="36" dur="1" fill="hold">
+                                          <p:stCondLst>
+                                            <p:cond delay="0"/>
+                                          </p:stCondLst>
+                                        </p:cTn>
+                                        <p:tgtEl>
+                                          <p:spTgt spid="3">
+                                            <p:txEl>
+                                              <p:pRg st="5" end="5"/>
+                                            </p:txEl>
+                                          </p:spTgt>
+                                        </p:tgtEl>
+                                        <p:attrNameLst>
+                                          <p:attrName>style.visibility</p:attrName>
+                                        </p:attrNameLst>
+                                      </p:cBhvr>
+                                      <p:to>
+                                        <p:strVal val="visible"/>
+                                      </p:to>
+                                    </p:set>
+                                    <p:anim calcmode="lin" valueType="num">
+                                      <p:cBhvr additive="base">
+                                        <p:cTn id="37" dur="500" fill="hold"/>
+                                        <p:tgtEl>
+                                          <p:spTgt spid="3">
+                                            <p:txEl>
+                                              <p:pRg st="5" end="5"/>
+                                            </p:txEl>
+                                          </p:spTgt>
+                                        </p:tgtEl>
+                                        <p:attrNameLst>
+                                          <p:attrName>ppt_x</p:attrName>
+                                        </p:attrNameLst>
+                                      </p:cBhvr>
+                                      <p:tavLst>
+                                        <p:tav tm="0">
+                                          <p:val>
+                                            <p:strVal val="#ppt_x"/>
+                                          </p:val>
+                                        </p:tav>
+                                        <p:tav tm="100000">
+                                          <p:val>
+                                            <p:strVal val="#ppt_x"/>
+                                          </p:val>
+                                        </p:tav>
+                                      </p:tavLst>
+                                    </p:anim>
+                                    <p:anim calcmode="lin" valueType="num">
+                                      <p:cBhvr additive="base">
+                                        <p:cTn id="38" dur="500" fill="hold"/>
                                         <p:tgtEl>
                                           <p:spTgt spid="3">
                                             <p:txEl>

--- a/What will the apples cost.pptx
+++ b/What will the apples cost.pptx
@@ -221,7 +221,7 @@
           <a:p>
             <a:fld id="{629A96A4-1186-4882-8DDD-E80CC8338E5A}" type="datetimeFigureOut">
               <a:rPr lang="en-ZA" smtClean="0"/>
-              <a:t>2021/05/25</a:t>
+              <a:t>2021/05/27</a:t>
             </a:fld>
             <a:endParaRPr lang="en-ZA"/>
           </a:p>
@@ -746,7 +746,7 @@
           <a:p>
             <a:fld id="{A7B94748-A6E0-434A-9232-487C2E69F84F}" type="datetimeFigureOut">
               <a:rPr lang="en-ZA" smtClean="0"/>
-              <a:t>2021/05/25</a:t>
+              <a:t>2021/05/27</a:t>
             </a:fld>
             <a:endParaRPr lang="en-ZA"/>
           </a:p>
@@ -911,7 +911,7 @@
           <a:p>
             <a:fld id="{A7B94748-A6E0-434A-9232-487C2E69F84F}" type="datetimeFigureOut">
               <a:rPr lang="en-ZA" smtClean="0"/>
-              <a:t>2021/05/25</a:t>
+              <a:t>2021/05/27</a:t>
             </a:fld>
             <a:endParaRPr lang="en-ZA"/>
           </a:p>
@@ -1086,7 +1086,7 @@
           <a:p>
             <a:fld id="{A7B94748-A6E0-434A-9232-487C2E69F84F}" type="datetimeFigureOut">
               <a:rPr lang="en-ZA" smtClean="0"/>
-              <a:t>2021/05/25</a:t>
+              <a:t>2021/05/27</a:t>
             </a:fld>
             <a:endParaRPr lang="en-ZA"/>
           </a:p>
@@ -1251,7 +1251,7 @@
           <a:p>
             <a:fld id="{A7B94748-A6E0-434A-9232-487C2E69F84F}" type="datetimeFigureOut">
               <a:rPr lang="en-ZA" smtClean="0"/>
-              <a:t>2021/05/25</a:t>
+              <a:t>2021/05/27</a:t>
             </a:fld>
             <a:endParaRPr lang="en-ZA"/>
           </a:p>
@@ -1493,7 +1493,7 @@
           <a:p>
             <a:fld id="{A7B94748-A6E0-434A-9232-487C2E69F84F}" type="datetimeFigureOut">
               <a:rPr lang="en-ZA" smtClean="0"/>
-              <a:t>2021/05/25</a:t>
+              <a:t>2021/05/27</a:t>
             </a:fld>
             <a:endParaRPr lang="en-ZA"/>
           </a:p>
@@ -1757,7 +1757,7 @@
           <a:p>
             <a:fld id="{A7B94748-A6E0-434A-9232-487C2E69F84F}" type="datetimeFigureOut">
               <a:rPr lang="en-ZA" smtClean="0"/>
-              <a:t>2021/05/25</a:t>
+              <a:t>2021/05/27</a:t>
             </a:fld>
             <a:endParaRPr lang="en-ZA"/>
           </a:p>
@@ -2135,7 +2135,7 @@
           <a:p>
             <a:fld id="{A7B94748-A6E0-434A-9232-487C2E69F84F}" type="datetimeFigureOut">
               <a:rPr lang="en-ZA" smtClean="0"/>
-              <a:t>2021/05/25</a:t>
+              <a:t>2021/05/27</a:t>
             </a:fld>
             <a:endParaRPr lang="en-ZA"/>
           </a:p>
@@ -2285,7 +2285,7 @@
           <a:p>
             <a:fld id="{A7B94748-A6E0-434A-9232-487C2E69F84F}" type="datetimeFigureOut">
               <a:rPr lang="en-ZA" smtClean="0"/>
-              <a:t>2021/05/25</a:t>
+              <a:t>2021/05/27</a:t>
             </a:fld>
             <a:endParaRPr lang="en-ZA"/>
           </a:p>
@@ -2375,7 +2375,7 @@
           <a:p>
             <a:fld id="{A7B94748-A6E0-434A-9232-487C2E69F84F}" type="datetimeFigureOut">
               <a:rPr lang="en-ZA" smtClean="0"/>
-              <a:t>2021/05/25</a:t>
+              <a:t>2021/05/27</a:t>
             </a:fld>
             <a:endParaRPr lang="en-ZA"/>
           </a:p>
@@ -2636,7 +2636,7 @@
           <a:p>
             <a:fld id="{A7B94748-A6E0-434A-9232-487C2E69F84F}" type="datetimeFigureOut">
               <a:rPr lang="en-ZA" smtClean="0"/>
-              <a:t>2021/05/25</a:t>
+              <a:t>2021/05/27</a:t>
             </a:fld>
             <a:endParaRPr lang="en-ZA"/>
           </a:p>
@@ -2924,7 +2924,7 @@
           <a:p>
             <a:fld id="{A7B94748-A6E0-434A-9232-487C2E69F84F}" type="datetimeFigureOut">
               <a:rPr lang="en-ZA" smtClean="0"/>
-              <a:t>2021/05/25</a:t>
+              <a:t>2021/05/27</a:t>
             </a:fld>
             <a:endParaRPr lang="en-ZA"/>
           </a:p>
@@ -3695,7 +3695,7 @@
           <a:p>
             <a:fld id="{A7B94748-A6E0-434A-9232-487C2E69F84F}" type="datetimeFigureOut">
               <a:rPr lang="en-ZA" smtClean="0"/>
-              <a:t>2021/05/25</a:t>
+              <a:t>2021/05/27</a:t>
             </a:fld>
             <a:endParaRPr lang="en-ZA"/>
           </a:p>
@@ -10952,11 +10952,7 @@
             </a:pPr>
             <a:r>
               <a:rPr lang="en-ZA" dirty="0" smtClean="0"/>
-              <a:t>We built &amp; fitted our models on the </a:t>
-            </a:r>
-            <a:r>
-              <a:rPr lang="en-ZA" dirty="0" smtClean="0"/>
-              <a:t>data</a:t>
+              <a:t>We built &amp; fitted our models on the data</a:t>
             </a:r>
           </a:p>
           <a:p>
@@ -11962,23 +11958,7 @@
           <a:p>
             <a:r>
               <a:rPr lang="en-ZA" dirty="0" smtClean="0"/>
-              <a:t>Results: We managed to build a model that predicts </a:t>
-            </a:r>
-            <a:r>
-              <a:rPr lang="en-ZA" dirty="0" smtClean="0"/>
-              <a:t>apple prices </a:t>
-            </a:r>
-            <a:r>
-              <a:rPr lang="en-ZA" dirty="0" smtClean="0"/>
-              <a:t>very </a:t>
-            </a:r>
-            <a:r>
-              <a:rPr lang="en-ZA" dirty="0" smtClean="0"/>
-              <a:t>accurately </a:t>
-            </a:r>
-            <a:r>
-              <a:rPr lang="en-ZA" dirty="0" smtClean="0"/>
-              <a:t>(RMSE: )</a:t>
+              <a:t>Results: We managed to build a model that predicts apple prices very accurately (RMSE: )</a:t>
             </a:r>
           </a:p>
           <a:p>
@@ -12788,14 +12768,14 @@
             <p:ph idx="1"/>
             <p:extLst>
               <p:ext uri="{D42A27DB-BD31-4B8C-83A1-F6EECF244321}">
-                <p14:modId xmlns:p14="http://schemas.microsoft.com/office/powerpoint/2010/main" val="3408312896"/>
+                <p14:modId xmlns:p14="http://schemas.microsoft.com/office/powerpoint/2010/main" val="3650518897"/>
               </p:ext>
             </p:extLst>
           </p:nvPr>
         </p:nvGraphicFramePr>
         <p:xfrm>
           <a:off x="179512" y="1767780"/>
-          <a:ext cx="8856984" cy="4769485"/>
+          <a:ext cx="8856984" cy="4846320"/>
         </p:xfrm>
         <a:graphic>
           <a:graphicData uri="http://schemas.openxmlformats.org/drawingml/2006/table">
@@ -13138,8 +13118,12 @@
                     <a:p>
                       <a:pPr algn="l"/>
                       <a:r>
+                        <a:rPr lang="en-ZA" sz="2800" dirty="0" err="1" smtClean="0"/>
+                        <a:t>Khomotso</a:t>
+                      </a:r>
+                      <a:r>
                         <a:rPr lang="en-ZA" sz="2800" dirty="0" smtClean="0"/>
-                        <a:t>Olive: </a:t>
+                        <a:t>: </a:t>
                       </a:r>
                       <a:endParaRPr lang="en-ZA" sz="2800" dirty="0"/>
                     </a:p>

--- a/What will the apples cost.pptx
+++ b/What will the apples cost.pptx
@@ -5,7 +5,7 @@
     <p:sldMasterId id="2147483732" r:id="rId1"/>
   </p:sldMasterIdLst>
   <p:notesMasterIdLst>
-    <p:notesMasterId r:id="rId32"/>
+    <p:notesMasterId r:id="rId34"/>
   </p:notesMasterIdLst>
   <p:sldIdLst>
     <p:sldId id="256" r:id="rId2"/>
@@ -34,10 +34,12 @@
     <p:sldId id="282" r:id="rId25"/>
     <p:sldId id="283" r:id="rId26"/>
     <p:sldId id="284" r:id="rId27"/>
-    <p:sldId id="285" r:id="rId28"/>
-    <p:sldId id="277" r:id="rId29"/>
-    <p:sldId id="278" r:id="rId30"/>
-    <p:sldId id="279" r:id="rId31"/>
+    <p:sldId id="286" r:id="rId28"/>
+    <p:sldId id="287" r:id="rId29"/>
+    <p:sldId id="285" r:id="rId30"/>
+    <p:sldId id="277" r:id="rId31"/>
+    <p:sldId id="278" r:id="rId32"/>
+    <p:sldId id="279" r:id="rId33"/>
   </p:sldIdLst>
   <p:sldSz cx="9144000" cy="6858000" type="letter"/>
   <p:notesSz cx="6858000" cy="9144000"/>
@@ -9341,18 +9343,26 @@
           <a:lstStyle/>
           <a:p>
             <a:r>
-              <a:rPr lang="en-ZA" dirty="0" smtClean="0"/>
-              <a:t>Step 4: Building the models [</a:t>
-            </a:r>
-            <a:r>
-              <a:rPr lang="en-ZA" dirty="0" err="1" smtClean="0"/>
+              <a:rPr lang="en-ZA" sz="3600" dirty="0" smtClean="0"/>
+              <a:t>Step 4: Building </a:t>
+            </a:r>
+            <a:r>
+              <a:rPr lang="en-ZA" sz="3600" dirty="0" smtClean="0"/>
+              <a:t>&amp; training the </a:t>
+            </a:r>
+            <a:r>
+              <a:rPr lang="en-ZA" sz="3600" dirty="0" smtClean="0"/>
+              <a:t>models [</a:t>
+            </a:r>
+            <a:r>
+              <a:rPr lang="en-ZA" sz="3600" dirty="0" err="1" smtClean="0"/>
               <a:t>i</a:t>
             </a:r>
             <a:r>
-              <a:rPr lang="en-ZA" dirty="0" smtClean="0"/>
+              <a:rPr lang="en-ZA" sz="3600" dirty="0" smtClean="0"/>
               <a:t>]</a:t>
             </a:r>
-            <a:endParaRPr lang="en-ZA" dirty="0"/>
+            <a:endParaRPr lang="en-ZA" sz="3600" dirty="0"/>
           </a:p>
         </p:txBody>
       </p:sp>
@@ -9366,14 +9376,14 @@
             <p:ph idx="1"/>
             <p:extLst>
               <p:ext uri="{D42A27DB-BD31-4B8C-83A1-F6EECF244321}">
-                <p14:modId xmlns:p14="http://schemas.microsoft.com/office/powerpoint/2010/main" val="3946720835"/>
+                <p14:modId xmlns:p14="http://schemas.microsoft.com/office/powerpoint/2010/main" val="3618340489"/>
               </p:ext>
             </p:extLst>
           </p:nvPr>
         </p:nvGraphicFramePr>
         <p:xfrm>
-          <a:off x="179512" y="2204864"/>
-          <a:ext cx="8280921" cy="3440400"/>
+          <a:off x="251520" y="1988840"/>
+          <a:ext cx="8280921" cy="4720560"/>
         </p:xfrm>
         <a:graphic>
           <a:graphicData uri="http://schemas.openxmlformats.org/drawingml/2006/table">
@@ -9613,6 +9623,100 @@
                   <a:tcPr/>
                 </a:tc>
               </a:tr>
+              <a:tr h="493343">
+                <a:tc>
+                  <a:txBody>
+                    <a:bodyPr/>
+                    <a:lstStyle/>
+                    <a:p>
+                      <a:r>
+                        <a:rPr lang="en-ZA" dirty="0" smtClean="0"/>
+                        <a:t>6. Random Forest Model</a:t>
+                      </a:r>
+                      <a:endParaRPr lang="en-ZA" dirty="0"/>
+                    </a:p>
+                  </a:txBody>
+                  <a:tcPr/>
+                </a:tc>
+                <a:tc>
+                  <a:txBody>
+                    <a:bodyPr/>
+                    <a:lstStyle/>
+                    <a:p>
+                      <a:r>
+                        <a:rPr lang="en-ZA" dirty="0" err="1" smtClean="0"/>
+                        <a:t>Sklearn’s</a:t>
+                      </a:r>
+                      <a:r>
+                        <a:rPr lang="en-ZA" dirty="0" smtClean="0"/>
+                        <a:t> </a:t>
+                      </a:r>
+                    </a:p>
+                    <a:p>
+                      <a:r>
+                        <a:rPr lang="en-ZA" dirty="0" err="1" smtClean="0"/>
+                        <a:t>RandomForestRegressor</a:t>
+                      </a:r>
+                      <a:endParaRPr lang="en-ZA" dirty="0"/>
+                    </a:p>
+                  </a:txBody>
+                  <a:tcPr/>
+                </a:tc>
+              </a:tr>
+              <a:tr h="493343">
+                <a:tc>
+                  <a:txBody>
+                    <a:bodyPr/>
+                    <a:lstStyle/>
+                    <a:p>
+                      <a:r>
+                        <a:rPr lang="en-ZA" dirty="0" smtClean="0"/>
+                        <a:t>7. </a:t>
+                      </a:r>
+                      <a:r>
+                        <a:rPr lang="en-ZA" dirty="0" err="1" smtClean="0"/>
+                        <a:t>Adaboost</a:t>
+                      </a:r>
+                      <a:r>
+                        <a:rPr lang="en-ZA" dirty="0" smtClean="0"/>
+                        <a:t> Classifier</a:t>
+                      </a:r>
+                      <a:endParaRPr lang="en-ZA" dirty="0"/>
+                    </a:p>
+                  </a:txBody>
+                  <a:tcPr/>
+                </a:tc>
+                <a:tc>
+                  <a:txBody>
+                    <a:bodyPr/>
+                    <a:lstStyle/>
+                    <a:p>
+                      <a:r>
+                        <a:rPr lang="en-ZA" dirty="0" err="1" smtClean="0"/>
+                        <a:t>Sklearn’s</a:t>
+                      </a:r>
+                      <a:r>
+                        <a:rPr lang="en-ZA" dirty="0" smtClean="0"/>
+                        <a:t> Standard </a:t>
+                      </a:r>
+                      <a:r>
+                        <a:rPr lang="en-ZA" dirty="0" err="1" smtClean="0"/>
+                        <a:t>Sclaer</a:t>
+                      </a:r>
+                      <a:r>
+                        <a:rPr lang="en-ZA" dirty="0" smtClean="0"/>
+                        <a:t>, &amp; </a:t>
+                      </a:r>
+                      <a:r>
+                        <a:rPr lang="en-ZA" dirty="0" err="1" smtClean="0"/>
+                        <a:t>BaggingRegressor</a:t>
+                      </a:r>
+                      <a:endParaRPr lang="en-ZA" dirty="0"/>
+                    </a:p>
+                  </a:txBody>
+                  <a:tcPr/>
+                </a:tc>
+              </a:tr>
             </a:tbl>
           </a:graphicData>
         </a:graphic>
@@ -9784,19 +9888,23 @@
         <p:spPr/>
         <p:txBody>
           <a:bodyPr>
-            <a:normAutofit/>
+            <a:noAutofit/>
           </a:bodyPr>
           <a:lstStyle/>
           <a:p>
             <a:r>
-              <a:rPr lang="en-ZA" dirty="0"/>
-              <a:t>Step 4: Building </a:t>
-            </a:r>
-            <a:r>
-              <a:rPr lang="en-ZA" dirty="0" smtClean="0"/>
+              <a:rPr lang="en-ZA" sz="3600" dirty="0"/>
+              <a:t>Step 4: </a:t>
+            </a:r>
+            <a:r>
+              <a:rPr lang="en-ZA" sz="3600" dirty="0" smtClean="0"/>
+              <a:t>Building &amp; training </a:t>
+            </a:r>
+            <a:r>
+              <a:rPr lang="en-ZA" sz="3600" dirty="0" smtClean="0"/>
               <a:t>the models [ii]</a:t>
             </a:r>
-            <a:endParaRPr lang="en-ZA" dirty="0"/>
+            <a:endParaRPr lang="en-ZA" sz="3600" dirty="0"/>
           </a:p>
         </p:txBody>
       </p:sp>
@@ -9977,22 +10085,31 @@
             <p:ph type="title"/>
           </p:nvPr>
         </p:nvSpPr>
-        <p:spPr/>
+        <p:spPr>
+          <a:xfrm>
+            <a:off x="395536" y="692696"/>
+            <a:ext cx="8229600" cy="1143000"/>
+          </a:xfrm>
+        </p:spPr>
         <p:txBody>
           <a:bodyPr>
-            <a:normAutofit/>
+            <a:noAutofit/>
           </a:bodyPr>
           <a:lstStyle/>
           <a:p>
             <a:r>
-              <a:rPr lang="en-ZA" dirty="0"/>
-              <a:t>Step 4: Building the </a:t>
-            </a:r>
-            <a:r>
-              <a:rPr lang="en-ZA" dirty="0" smtClean="0"/>
+              <a:rPr lang="en-ZA" sz="3600" dirty="0"/>
+              <a:t>Step 4: Building </a:t>
+            </a:r>
+            <a:r>
+              <a:rPr lang="en-ZA" sz="3600" dirty="0" smtClean="0"/>
+              <a:t>&amp; training the </a:t>
+            </a:r>
+            <a:r>
+              <a:rPr lang="en-ZA" sz="3600" dirty="0" smtClean="0"/>
               <a:t>models [iii]</a:t>
             </a:r>
-            <a:endParaRPr lang="en-ZA" dirty="0"/>
+            <a:endParaRPr lang="en-ZA" sz="3600" dirty="0"/>
           </a:p>
         </p:txBody>
       </p:sp>
@@ -10137,14 +10254,18 @@
           <a:lstStyle/>
           <a:p>
             <a:r>
-              <a:rPr lang="en-ZA" dirty="0"/>
-              <a:t>Step 4: Building the </a:t>
-            </a:r>
-            <a:r>
-              <a:rPr lang="en-ZA" dirty="0" smtClean="0"/>
+              <a:rPr lang="en-ZA" sz="3600" dirty="0"/>
+              <a:t>Step 4: Building </a:t>
+            </a:r>
+            <a:r>
+              <a:rPr lang="en-ZA" sz="3600" dirty="0" smtClean="0"/>
+              <a:t>&amp; training the </a:t>
+            </a:r>
+            <a:r>
+              <a:rPr lang="en-ZA" sz="3600" dirty="0" smtClean="0"/>
               <a:t>models [iii]</a:t>
             </a:r>
-            <a:endParaRPr lang="en-ZA" dirty="0"/>
+            <a:endParaRPr lang="en-ZA" sz="3600" dirty="0"/>
           </a:p>
         </p:txBody>
       </p:sp>
@@ -10262,19 +10383,23 @@
         <p:spPr/>
         <p:txBody>
           <a:bodyPr>
-            <a:normAutofit/>
+            <a:noAutofit/>
           </a:bodyPr>
           <a:lstStyle/>
           <a:p>
             <a:r>
-              <a:rPr lang="en-ZA" dirty="0"/>
-              <a:t>Step 4: Building the </a:t>
-            </a:r>
-            <a:r>
-              <a:rPr lang="en-ZA" dirty="0" smtClean="0"/>
+              <a:rPr lang="en-ZA" sz="3600" dirty="0"/>
+              <a:t>Step 4: Building </a:t>
+            </a:r>
+            <a:r>
+              <a:rPr lang="en-ZA" sz="3600" dirty="0" smtClean="0"/>
+              <a:t>&amp; training the </a:t>
+            </a:r>
+            <a:r>
+              <a:rPr lang="en-ZA" sz="3600" dirty="0" smtClean="0"/>
               <a:t>models [iv]</a:t>
             </a:r>
-            <a:endParaRPr lang="en-ZA" dirty="0"/>
+            <a:endParaRPr lang="en-ZA" sz="3600" dirty="0"/>
           </a:p>
         </p:txBody>
       </p:sp>
@@ -10384,19 +10509,19 @@
         <p:spPr/>
         <p:txBody>
           <a:bodyPr>
-            <a:normAutofit/>
+            <a:noAutofit/>
           </a:bodyPr>
           <a:lstStyle/>
           <a:p>
             <a:r>
-              <a:rPr lang="en-ZA" dirty="0"/>
-              <a:t>Step 4: Building the </a:t>
-            </a:r>
-            <a:r>
-              <a:rPr lang="en-ZA" dirty="0" smtClean="0"/>
-              <a:t>models [v]</a:t>
-            </a:r>
-            <a:endParaRPr lang="en-ZA" dirty="0"/>
+              <a:rPr lang="en-ZA" sz="3600" dirty="0"/>
+              <a:t>Step 4: Building &amp; training the models [</a:t>
+            </a:r>
+            <a:r>
+              <a:rPr lang="en-ZA" sz="3600" dirty="0" smtClean="0"/>
+              <a:t>v]</a:t>
+            </a:r>
+            <a:endParaRPr lang="en-ZA" sz="3200" dirty="0"/>
           </a:p>
         </p:txBody>
       </p:sp>
@@ -10505,14 +10630,16 @@
         </p:nvSpPr>
         <p:spPr/>
         <p:txBody>
-          <a:bodyPr/>
+          <a:bodyPr>
+            <a:noAutofit/>
+          </a:bodyPr>
           <a:lstStyle/>
           <a:p>
             <a:r>
-              <a:rPr lang="en-US" dirty="0" smtClean="0"/>
-              <a:t>Step 5: Assessing the models</a:t>
-            </a:r>
-            <a:endParaRPr lang="en-ZA" dirty="0"/>
+              <a:rPr lang="en-ZA" sz="3600" dirty="0" smtClean="0"/>
+              <a:t>Step 4: Building &amp; training the models [vi]</a:t>
+            </a:r>
+            <a:endParaRPr lang="en-ZA" sz="3600" dirty="0"/>
           </a:p>
         </p:txBody>
       </p:sp>
@@ -10532,6 +10659,232 @@
           <a:lstStyle/>
           <a:p>
             <a:r>
+              <a:rPr lang="en-ZA" dirty="0" smtClean="0"/>
+              <a:t>How the Random Forest model works</a:t>
+            </a:r>
+            <a:endParaRPr lang="en-ZA" dirty="0"/>
+          </a:p>
+        </p:txBody>
+      </p:sp>
+      <p:pic>
+        <p:nvPicPr>
+          <p:cNvPr id="4" name="Picture 3"/>
+          <p:cNvPicPr>
+            <a:picLocks noChangeAspect="1"/>
+          </p:cNvPicPr>
+          <p:nvPr/>
+        </p:nvPicPr>
+        <p:blipFill>
+          <a:blip r:embed="rId2">
+            <a:extLst>
+              <a:ext uri="{28A0092B-C50C-407E-A947-70E740481C1C}">
+                <a14:useLocalDpi xmlns:a14="http://schemas.microsoft.com/office/drawing/2010/main" val="0"/>
+              </a:ext>
+            </a:extLst>
+          </a:blip>
+          <a:stretch>
+            <a:fillRect/>
+          </a:stretch>
+        </p:blipFill>
+        <p:spPr>
+          <a:xfrm>
+            <a:off x="481585" y="2564904"/>
+            <a:ext cx="7600950" cy="4171950"/>
+          </a:xfrm>
+          <a:prstGeom prst="rect">
+            <a:avLst/>
+          </a:prstGeom>
+        </p:spPr>
+      </p:pic>
+    </p:spTree>
+    <p:extLst>
+      <p:ext uri="{BB962C8B-B14F-4D97-AF65-F5344CB8AC3E}">
+        <p14:creationId xmlns:p14="http://schemas.microsoft.com/office/powerpoint/2010/main" val="1265241437"/>
+      </p:ext>
+    </p:extLst>
+  </p:cSld>
+  <p:clrMapOvr>
+    <a:masterClrMapping/>
+  </p:clrMapOvr>
+</p:sld>
+</file>
+
+<file path=ppt/slides/slide28.xml><?xml version="1.0" encoding="utf-8"?>
+<p:sld xmlns:a="http://schemas.openxmlformats.org/drawingml/2006/main" xmlns:r="http://schemas.openxmlformats.org/officeDocument/2006/relationships" xmlns:p="http://schemas.openxmlformats.org/presentationml/2006/main">
+  <p:cSld>
+    <p:spTree>
+      <p:nvGrpSpPr>
+        <p:cNvPr id="1" name=""/>
+        <p:cNvGrpSpPr/>
+        <p:nvPr/>
+      </p:nvGrpSpPr>
+      <p:grpSpPr>
+        <a:xfrm>
+          <a:off x="0" y="0"/>
+          <a:ext cx="0" cy="0"/>
+          <a:chOff x="0" y="0"/>
+          <a:chExt cx="0" cy="0"/>
+        </a:xfrm>
+      </p:grpSpPr>
+      <p:sp>
+        <p:nvSpPr>
+          <p:cNvPr id="2" name="Title 1"/>
+          <p:cNvSpPr>
+            <a:spLocks noGrp="1"/>
+          </p:cNvSpPr>
+          <p:nvPr>
+            <p:ph type="title"/>
+          </p:nvPr>
+        </p:nvSpPr>
+        <p:spPr/>
+        <p:txBody>
+          <a:bodyPr>
+            <a:noAutofit/>
+          </a:bodyPr>
+          <a:lstStyle/>
+          <a:p>
+            <a:r>
+              <a:rPr lang="en-ZA" sz="3600" dirty="0"/>
+              <a:t>Step 4: Building &amp; training the models [</a:t>
+            </a:r>
+            <a:r>
+              <a:rPr lang="en-ZA" sz="3600" dirty="0" smtClean="0"/>
+              <a:t>vii]</a:t>
+            </a:r>
+            <a:endParaRPr lang="en-ZA" sz="3200" dirty="0"/>
+          </a:p>
+        </p:txBody>
+      </p:sp>
+      <p:sp>
+        <p:nvSpPr>
+          <p:cNvPr id="3" name="Content Placeholder 2"/>
+          <p:cNvSpPr>
+            <a:spLocks noGrp="1"/>
+          </p:cNvSpPr>
+          <p:nvPr>
+            <p:ph idx="1"/>
+          </p:nvPr>
+        </p:nvSpPr>
+        <p:spPr/>
+        <p:txBody>
+          <a:bodyPr/>
+          <a:lstStyle/>
+          <a:p>
+            <a:r>
+              <a:rPr lang="en-ZA" dirty="0" smtClean="0"/>
+              <a:t>How the </a:t>
+            </a:r>
+            <a:r>
+              <a:rPr lang="en-ZA" dirty="0" err="1" smtClean="0"/>
+              <a:t>adaboost</a:t>
+            </a:r>
+            <a:r>
+              <a:rPr lang="en-ZA" dirty="0" smtClean="0"/>
+              <a:t> classifier works</a:t>
+            </a:r>
+            <a:endParaRPr lang="en-ZA" dirty="0"/>
+          </a:p>
+        </p:txBody>
+      </p:sp>
+      <p:pic>
+        <p:nvPicPr>
+          <p:cNvPr id="4" name="Picture 3"/>
+          <p:cNvPicPr>
+            <a:picLocks noChangeAspect="1"/>
+          </p:cNvPicPr>
+          <p:nvPr/>
+        </p:nvPicPr>
+        <p:blipFill>
+          <a:blip r:embed="rId2">
+            <a:extLst>
+              <a:ext uri="{28A0092B-C50C-407E-A947-70E740481C1C}">
+                <a14:useLocalDpi xmlns:a14="http://schemas.microsoft.com/office/drawing/2010/main" val="0"/>
+              </a:ext>
+            </a:extLst>
+          </a:blip>
+          <a:stretch>
+            <a:fillRect/>
+          </a:stretch>
+        </p:blipFill>
+        <p:spPr>
+          <a:xfrm>
+            <a:off x="539552" y="2492896"/>
+            <a:ext cx="7458075" cy="3914775"/>
+          </a:xfrm>
+          <a:prstGeom prst="rect">
+            <a:avLst/>
+          </a:prstGeom>
+        </p:spPr>
+      </p:pic>
+    </p:spTree>
+    <p:extLst>
+      <p:ext uri="{BB962C8B-B14F-4D97-AF65-F5344CB8AC3E}">
+        <p14:creationId xmlns:p14="http://schemas.microsoft.com/office/powerpoint/2010/main" val="4225183318"/>
+      </p:ext>
+    </p:extLst>
+  </p:cSld>
+  <p:clrMapOvr>
+    <a:masterClrMapping/>
+  </p:clrMapOvr>
+</p:sld>
+</file>
+
+<file path=ppt/slides/slide29.xml><?xml version="1.0" encoding="utf-8"?>
+<p:sld xmlns:a="http://schemas.openxmlformats.org/drawingml/2006/main" xmlns:r="http://schemas.openxmlformats.org/officeDocument/2006/relationships" xmlns:p="http://schemas.openxmlformats.org/presentationml/2006/main">
+  <p:cSld>
+    <p:spTree>
+      <p:nvGrpSpPr>
+        <p:cNvPr id="1" name=""/>
+        <p:cNvGrpSpPr/>
+        <p:nvPr/>
+      </p:nvGrpSpPr>
+      <p:grpSpPr>
+        <a:xfrm>
+          <a:off x="0" y="0"/>
+          <a:ext cx="0" cy="0"/>
+          <a:chOff x="0" y="0"/>
+          <a:chExt cx="0" cy="0"/>
+        </a:xfrm>
+      </p:grpSpPr>
+      <p:sp>
+        <p:nvSpPr>
+          <p:cNvPr id="2" name="Title 1"/>
+          <p:cNvSpPr>
+            <a:spLocks noGrp="1"/>
+          </p:cNvSpPr>
+          <p:nvPr>
+            <p:ph type="title"/>
+          </p:nvPr>
+        </p:nvSpPr>
+        <p:spPr/>
+        <p:txBody>
+          <a:bodyPr/>
+          <a:lstStyle/>
+          <a:p>
+            <a:r>
+              <a:rPr lang="en-US" dirty="0" smtClean="0"/>
+              <a:t>Step 5: Assessing the models</a:t>
+            </a:r>
+            <a:endParaRPr lang="en-ZA" dirty="0"/>
+          </a:p>
+        </p:txBody>
+      </p:sp>
+      <p:sp>
+        <p:nvSpPr>
+          <p:cNvPr id="3" name="Content Placeholder 2"/>
+          <p:cNvSpPr>
+            <a:spLocks noGrp="1"/>
+          </p:cNvSpPr>
+          <p:nvPr>
+            <p:ph idx="1"/>
+          </p:nvPr>
+        </p:nvSpPr>
+        <p:spPr/>
+        <p:txBody>
+          <a:bodyPr/>
+          <a:lstStyle/>
+          <a:p>
+            <a:r>
               <a:rPr lang="en-US" dirty="0" smtClean="0"/>
               <a:t>How the models performed</a:t>
             </a:r>
@@ -10553,14 +10906,14 @@
           <p:nvPr>
             <p:extLst>
               <p:ext uri="{D42A27DB-BD31-4B8C-83A1-F6EECF244321}">
-                <p14:modId xmlns:p14="http://schemas.microsoft.com/office/powerpoint/2010/main" val="1561649813"/>
+                <p14:modId xmlns:p14="http://schemas.microsoft.com/office/powerpoint/2010/main" val="1097657805"/>
               </p:ext>
             </p:extLst>
           </p:nvPr>
         </p:nvGraphicFramePr>
         <p:xfrm>
           <a:off x="179511" y="2564904"/>
-          <a:ext cx="8784978" cy="3955152"/>
+          <a:ext cx="8784978" cy="3683872"/>
         </p:xfrm>
         <a:graphic>
           <a:graphicData uri="http://schemas.openxmlformats.org/drawingml/2006/table">
@@ -10621,7 +10974,7 @@
                   <a:tcPr/>
                 </a:tc>
               </a:tr>
-              <a:tr h="1093590">
+              <a:tr h="636608">
                 <a:tc>
                   <a:txBody>
                     <a:bodyPr/>
@@ -10641,6 +10994,10 @@
                     <a:bodyPr/>
                     <a:lstStyle/>
                     <a:p>
+                      <a:r>
+                        <a:rPr lang="en-ZA" dirty="0" smtClean="0"/>
+                        <a:t>1.36</a:t>
+                      </a:r>
                       <a:endParaRPr lang="en-ZA" dirty="0"/>
                     </a:p>
                   </a:txBody>
@@ -10651,13 +11008,17 @@
                     <a:bodyPr/>
                     <a:lstStyle/>
                     <a:p>
-                      <a:endParaRPr lang="en-ZA"/>
+                      <a:r>
+                        <a:rPr lang="en-ZA" dirty="0" smtClean="0"/>
+                        <a:t>1.32</a:t>
+                      </a:r>
+                      <a:endParaRPr lang="en-ZA" dirty="0"/>
                     </a:p>
                   </a:txBody>
                   <a:tcPr/>
                 </a:tc>
               </a:tr>
-              <a:tr h="765513">
+              <a:tr h="356568">
                 <a:tc>
                   <a:txBody>
                     <a:bodyPr/>
@@ -10685,7 +11046,11 @@
                     <a:bodyPr/>
                     <a:lstStyle/>
                     <a:p>
-                      <a:endParaRPr lang="en-ZA"/>
+                      <a:r>
+                        <a:rPr lang="en-ZA" dirty="0" smtClean="0"/>
+                        <a:t>8.62</a:t>
+                      </a:r>
+                      <a:endParaRPr lang="en-ZA" dirty="0"/>
                     </a:p>
                   </a:txBody>
                   <a:tcPr/>
@@ -10695,13 +11060,17 @@
                     <a:bodyPr/>
                     <a:lstStyle/>
                     <a:p>
-                      <a:endParaRPr lang="en-ZA"/>
+                      <a:r>
+                        <a:rPr lang="en-ZA" dirty="0" smtClean="0"/>
+                        <a:t>Did not submit</a:t>
+                      </a:r>
+                      <a:endParaRPr lang="en-ZA" dirty="0"/>
                     </a:p>
                   </a:txBody>
                   <a:tcPr/>
                 </a:tc>
               </a:tr>
-              <a:tr h="443512">
+              <a:tr h="422856">
                 <a:tc>
                   <a:txBody>
                     <a:bodyPr/>
@@ -10725,7 +11094,11 @@
                     <a:bodyPr/>
                     <a:lstStyle/>
                     <a:p>
-                      <a:endParaRPr lang="en-ZA"/>
+                      <a:r>
+                        <a:rPr lang="en-ZA" dirty="0" smtClean="0"/>
+                        <a:t>1.75</a:t>
+                      </a:r>
+                      <a:endParaRPr lang="en-ZA" dirty="0"/>
                     </a:p>
                   </a:txBody>
                   <a:tcPr/>
@@ -10735,13 +11108,17 @@
                     <a:bodyPr/>
                     <a:lstStyle/>
                     <a:p>
-                      <a:endParaRPr lang="en-ZA"/>
+                      <a:r>
+                        <a:rPr lang="en-ZA" dirty="0" smtClean="0"/>
+                        <a:t>1.18</a:t>
+                      </a:r>
+                      <a:endParaRPr lang="en-ZA" dirty="0"/>
                     </a:p>
                   </a:txBody>
                   <a:tcPr/>
                 </a:tc>
               </a:tr>
-              <a:tr h="765513">
+              <a:tr h="432048">
                 <a:tc>
                   <a:txBody>
                     <a:bodyPr/>
@@ -10761,7 +11138,11 @@
                     <a:bodyPr/>
                     <a:lstStyle/>
                     <a:p>
-                      <a:endParaRPr lang="en-ZA"/>
+                      <a:r>
+                        <a:rPr lang="en-ZA" dirty="0" smtClean="0"/>
+                        <a:t>1.52</a:t>
+                      </a:r>
+                      <a:endParaRPr lang="en-ZA" dirty="0"/>
                     </a:p>
                   </a:txBody>
                   <a:tcPr/>
@@ -10771,7 +11152,11 @@
                     <a:bodyPr/>
                     <a:lstStyle/>
                     <a:p>
-                      <a:endParaRPr lang="en-ZA"/>
+                      <a:r>
+                        <a:rPr lang="en-ZA" dirty="0" smtClean="0"/>
+                        <a:t>1.18</a:t>
+                      </a:r>
+                      <a:endParaRPr lang="en-ZA" dirty="0"/>
                     </a:p>
                   </a:txBody>
                   <a:tcPr/>
@@ -10797,7 +11182,11 @@
                     <a:bodyPr/>
                     <a:lstStyle/>
                     <a:p>
-                      <a:endParaRPr lang="en-ZA"/>
+                      <a:r>
+                        <a:rPr lang="en-ZA" dirty="0" smtClean="0"/>
+                        <a:t>1.28</a:t>
+                      </a:r>
+                      <a:endParaRPr lang="en-ZA" dirty="0"/>
                     </a:p>
                   </a:txBody>
                   <a:tcPr/>
@@ -10807,6 +11196,106 @@
                     <a:bodyPr/>
                     <a:lstStyle/>
                     <a:p>
+                      <a:r>
+                        <a:rPr lang="en-ZA" dirty="0" smtClean="0"/>
+                        <a:t>1.29</a:t>
+                      </a:r>
+                      <a:endParaRPr lang="en-ZA" dirty="0"/>
+                    </a:p>
+                  </a:txBody>
+                  <a:tcPr/>
+                </a:tc>
+              </a:tr>
+              <a:tr h="492592">
+                <a:tc>
+                  <a:txBody>
+                    <a:bodyPr/>
+                    <a:lstStyle/>
+                    <a:p>
+                      <a:r>
+                        <a:rPr lang="en-ZA" dirty="0" smtClean="0"/>
+                        <a:t>6. Random Forests Model</a:t>
+                      </a:r>
+                      <a:endParaRPr lang="en-ZA" dirty="0"/>
+                    </a:p>
+                  </a:txBody>
+                  <a:tcPr/>
+                </a:tc>
+                <a:tc>
+                  <a:txBody>
+                    <a:bodyPr/>
+                    <a:lstStyle/>
+                    <a:p>
+                      <a:r>
+                        <a:rPr lang="en-ZA" dirty="0" smtClean="0"/>
+                        <a:t>0.40</a:t>
+                      </a:r>
+                      <a:endParaRPr lang="en-ZA" dirty="0"/>
+                    </a:p>
+                  </a:txBody>
+                  <a:tcPr/>
+                </a:tc>
+                <a:tc>
+                  <a:txBody>
+                    <a:bodyPr/>
+                    <a:lstStyle/>
+                    <a:p>
+                      <a:r>
+                        <a:rPr lang="en-ZA" dirty="0" smtClean="0"/>
+                        <a:t>1.05</a:t>
+                      </a:r>
+                      <a:endParaRPr lang="en-ZA" dirty="0"/>
+                    </a:p>
+                  </a:txBody>
+                  <a:tcPr/>
+                </a:tc>
+              </a:tr>
+              <a:tr h="443512">
+                <a:tc>
+                  <a:txBody>
+                    <a:bodyPr/>
+                    <a:lstStyle/>
+                    <a:p>
+                      <a:r>
+                        <a:rPr lang="en-ZA" dirty="0" smtClean="0"/>
+                        <a:t>7. </a:t>
+                      </a:r>
+                      <a:r>
+                        <a:rPr lang="en-ZA" dirty="0" err="1" smtClean="0"/>
+                        <a:t>Adaboost</a:t>
+                      </a:r>
+                      <a:r>
+                        <a:rPr lang="en-ZA" dirty="0" smtClean="0"/>
+                        <a:t> Classifier</a:t>
+                      </a:r>
+                      <a:endParaRPr lang="en-ZA" dirty="0"/>
+                    </a:p>
+                  </a:txBody>
+                  <a:tcPr/>
+                </a:tc>
+                <a:tc>
+                  <a:txBody>
+                    <a:bodyPr/>
+                    <a:lstStyle/>
+                    <a:p>
+                      <a:r>
+                        <a:rPr lang="en-ZA" dirty="0" smtClean="0"/>
+                        <a:t>1.50</a:t>
+                      </a:r>
+                      <a:endParaRPr lang="en-ZA" dirty="0"/>
+                    </a:p>
+                  </a:txBody>
+                  <a:tcPr/>
+                </a:tc>
+                <a:tc>
+                  <a:txBody>
+                    <a:bodyPr/>
+                    <a:lstStyle/>
+                    <a:p>
+                      <a:r>
+                        <a:rPr lang="en-ZA" dirty="0" smtClean="0"/>
+                        <a:t>1.36</a:t>
+                      </a:r>
                       <a:endParaRPr lang="en-ZA" dirty="0"/>
                     </a:p>
                   </a:txBody>
@@ -10837,7 +11326,379 @@
 </p:sld>
 </file>
 
-<file path=ppt/slides/slide28.xml><?xml version="1.0" encoding="utf-8"?>
+<file path=ppt/slides/slide3.xml><?xml version="1.0" encoding="utf-8"?>
+<p:sld xmlns:a="http://schemas.openxmlformats.org/drawingml/2006/main" xmlns:r="http://schemas.openxmlformats.org/officeDocument/2006/relationships" xmlns:p="http://schemas.openxmlformats.org/presentationml/2006/main">
+  <p:cSld>
+    <p:spTree>
+      <p:nvGrpSpPr>
+        <p:cNvPr id="1" name=""/>
+        <p:cNvGrpSpPr/>
+        <p:nvPr/>
+      </p:nvGrpSpPr>
+      <p:grpSpPr>
+        <a:xfrm>
+          <a:off x="0" y="0"/>
+          <a:ext cx="0" cy="0"/>
+          <a:chOff x="0" y="0"/>
+          <a:chExt cx="0" cy="0"/>
+        </a:xfrm>
+      </p:grpSpPr>
+      <p:sp>
+        <p:nvSpPr>
+          <p:cNvPr id="2" name="Title 1"/>
+          <p:cNvSpPr>
+            <a:spLocks noGrp="1"/>
+          </p:cNvSpPr>
+          <p:nvPr>
+            <p:ph type="title"/>
+          </p:nvPr>
+        </p:nvSpPr>
+        <p:spPr>
+          <a:xfrm>
+            <a:off x="457200" y="332656"/>
+            <a:ext cx="8229600" cy="1143000"/>
+          </a:xfrm>
+        </p:spPr>
+        <p:txBody>
+          <a:bodyPr>
+            <a:normAutofit/>
+          </a:bodyPr>
+          <a:lstStyle/>
+          <a:p>
+            <a:r>
+              <a:rPr lang="en-ZA" dirty="0" smtClean="0"/>
+              <a:t>But wait … there’s data!</a:t>
+            </a:r>
+            <a:endParaRPr lang="en-ZA" dirty="0"/>
+          </a:p>
+        </p:txBody>
+      </p:sp>
+      <p:sp>
+        <p:nvSpPr>
+          <p:cNvPr id="3" name="Content Placeholder 2"/>
+          <p:cNvSpPr>
+            <a:spLocks noGrp="1"/>
+          </p:cNvSpPr>
+          <p:nvPr>
+            <p:ph idx="1"/>
+          </p:nvPr>
+        </p:nvSpPr>
+        <p:spPr>
+          <a:xfrm>
+            <a:off x="457200" y="1600200"/>
+            <a:ext cx="8435280" cy="1310342"/>
+          </a:xfrm>
+        </p:spPr>
+        <p:txBody>
+          <a:bodyPr>
+            <a:normAutofit fontScale="85000" lnSpcReduction="20000"/>
+          </a:bodyPr>
+          <a:lstStyle/>
+          <a:p>
+            <a:r>
+              <a:rPr lang="en-US" dirty="0" smtClean="0"/>
+              <a:t>Durban Fresh Produce Market provided us with more than 60 000 transactions on the sales of commodities – including apples! </a:t>
+            </a:r>
+          </a:p>
+          <a:p>
+            <a:r>
+              <a:rPr lang="en-US" dirty="0" smtClean="0"/>
+              <a:t>This data was made available for us on </a:t>
+            </a:r>
+            <a:r>
+              <a:rPr lang="en-US" dirty="0" err="1" smtClean="0"/>
+              <a:t>Kaggle</a:t>
+            </a:r>
+            <a:r>
+              <a:rPr lang="en-US" dirty="0" smtClean="0"/>
+              <a:t> in the form of a CSV file. </a:t>
+            </a:r>
+          </a:p>
+        </p:txBody>
+      </p:sp>
+      <p:pic>
+        <p:nvPicPr>
+          <p:cNvPr id="4" name="Picture 3"/>
+          <p:cNvPicPr>
+            <a:picLocks noChangeAspect="1"/>
+          </p:cNvPicPr>
+          <p:nvPr/>
+        </p:nvPicPr>
+        <p:blipFill>
+          <a:blip r:embed="rId2">
+            <a:extLst>
+              <a:ext uri="{28A0092B-C50C-407E-A947-70E740481C1C}">
+                <a14:useLocalDpi xmlns:a14="http://schemas.microsoft.com/office/drawing/2010/main" val="0"/>
+              </a:ext>
+            </a:extLst>
+          </a:blip>
+          <a:stretch>
+            <a:fillRect/>
+          </a:stretch>
+        </p:blipFill>
+        <p:spPr>
+          <a:xfrm>
+            <a:off x="0" y="2780928"/>
+            <a:ext cx="9144000" cy="8941312"/>
+          </a:xfrm>
+          <a:prstGeom prst="rect">
+            <a:avLst/>
+          </a:prstGeom>
+        </p:spPr>
+      </p:pic>
+    </p:spTree>
+    <p:extLst>
+      <p:ext uri="{BB962C8B-B14F-4D97-AF65-F5344CB8AC3E}">
+        <p14:creationId xmlns:p14="http://schemas.microsoft.com/office/powerpoint/2010/main" val="330776632"/>
+      </p:ext>
+    </p:extLst>
+  </p:cSld>
+  <p:clrMapOvr>
+    <a:masterClrMapping/>
+  </p:clrMapOvr>
+  <p:transition spd="slow">
+    <p:push dir="u"/>
+  </p:transition>
+  <p:timing>
+    <p:tnLst>
+      <p:par>
+        <p:cTn id="1" dur="indefinite" restart="never" nodeType="tmRoot">
+          <p:childTnLst>
+            <p:seq concurrent="1" nextAc="seek">
+              <p:cTn id="2" dur="indefinite" nodeType="mainSeq">
+                <p:childTnLst>
+                  <p:par>
+                    <p:cTn id="3" fill="hold">
+                      <p:stCondLst>
+                        <p:cond delay="indefinite"/>
+                      </p:stCondLst>
+                      <p:childTnLst>
+                        <p:par>
+                          <p:cTn id="4" fill="hold">
+                            <p:stCondLst>
+                              <p:cond delay="0"/>
+                            </p:stCondLst>
+                            <p:childTnLst>
+                              <p:par>
+                                <p:cTn id="5" presetID="2" presetClass="entr" presetSubtype="4" fill="hold" nodeType="clickEffect">
+                                  <p:stCondLst>
+                                    <p:cond delay="0"/>
+                                  </p:stCondLst>
+                                  <p:childTnLst>
+                                    <p:set>
+                                      <p:cBhvr>
+                                        <p:cTn id="6" dur="1" fill="hold">
+                                          <p:stCondLst>
+                                            <p:cond delay="0"/>
+                                          </p:stCondLst>
+                                        </p:cTn>
+                                        <p:tgtEl>
+                                          <p:spTgt spid="3">
+                                            <p:txEl>
+                                              <p:pRg st="0" end="0"/>
+                                            </p:txEl>
+                                          </p:spTgt>
+                                        </p:tgtEl>
+                                        <p:attrNameLst>
+                                          <p:attrName>style.visibility</p:attrName>
+                                        </p:attrNameLst>
+                                      </p:cBhvr>
+                                      <p:to>
+                                        <p:strVal val="visible"/>
+                                      </p:to>
+                                    </p:set>
+                                    <p:anim calcmode="lin" valueType="num">
+                                      <p:cBhvr additive="base">
+                                        <p:cTn id="7" dur="500" fill="hold"/>
+                                        <p:tgtEl>
+                                          <p:spTgt spid="3">
+                                            <p:txEl>
+                                              <p:pRg st="0" end="0"/>
+                                            </p:txEl>
+                                          </p:spTgt>
+                                        </p:tgtEl>
+                                        <p:attrNameLst>
+                                          <p:attrName>ppt_x</p:attrName>
+                                        </p:attrNameLst>
+                                      </p:cBhvr>
+                                      <p:tavLst>
+                                        <p:tav tm="0">
+                                          <p:val>
+                                            <p:strVal val="#ppt_x"/>
+                                          </p:val>
+                                        </p:tav>
+                                        <p:tav tm="100000">
+                                          <p:val>
+                                            <p:strVal val="#ppt_x"/>
+                                          </p:val>
+                                        </p:tav>
+                                      </p:tavLst>
+                                    </p:anim>
+                                    <p:anim calcmode="lin" valueType="num">
+                                      <p:cBhvr additive="base">
+                                        <p:cTn id="8" dur="500" fill="hold"/>
+                                        <p:tgtEl>
+                                          <p:spTgt spid="3">
+                                            <p:txEl>
+                                              <p:pRg st="0" end="0"/>
+                                            </p:txEl>
+                                          </p:spTgt>
+                                        </p:tgtEl>
+                                        <p:attrNameLst>
+                                          <p:attrName>ppt_y</p:attrName>
+                                        </p:attrNameLst>
+                                      </p:cBhvr>
+                                      <p:tavLst>
+                                        <p:tav tm="0">
+                                          <p:val>
+                                            <p:strVal val="1+#ppt_h/2"/>
+                                          </p:val>
+                                        </p:tav>
+                                        <p:tav tm="100000">
+                                          <p:val>
+                                            <p:strVal val="#ppt_y"/>
+                                          </p:val>
+                                        </p:tav>
+                                      </p:tavLst>
+                                    </p:anim>
+                                  </p:childTnLst>
+                                </p:cTn>
+                              </p:par>
+                            </p:childTnLst>
+                          </p:cTn>
+                        </p:par>
+                      </p:childTnLst>
+                    </p:cTn>
+                  </p:par>
+                  <p:par>
+                    <p:cTn id="9" fill="hold">
+                      <p:stCondLst>
+                        <p:cond delay="indefinite"/>
+                      </p:stCondLst>
+                      <p:childTnLst>
+                        <p:par>
+                          <p:cTn id="10" fill="hold">
+                            <p:stCondLst>
+                              <p:cond delay="0"/>
+                            </p:stCondLst>
+                            <p:childTnLst>
+                              <p:par>
+                                <p:cTn id="11" presetID="2" presetClass="entr" presetSubtype="4" fill="hold" nodeType="clickEffect">
+                                  <p:stCondLst>
+                                    <p:cond delay="0"/>
+                                  </p:stCondLst>
+                                  <p:childTnLst>
+                                    <p:set>
+                                      <p:cBhvr>
+                                        <p:cTn id="12" dur="1" fill="hold">
+                                          <p:stCondLst>
+                                            <p:cond delay="0"/>
+                                          </p:stCondLst>
+                                        </p:cTn>
+                                        <p:tgtEl>
+                                          <p:spTgt spid="3">
+                                            <p:txEl>
+                                              <p:pRg st="1" end="1"/>
+                                            </p:txEl>
+                                          </p:spTgt>
+                                        </p:tgtEl>
+                                        <p:attrNameLst>
+                                          <p:attrName>style.visibility</p:attrName>
+                                        </p:attrNameLst>
+                                      </p:cBhvr>
+                                      <p:to>
+                                        <p:strVal val="visible"/>
+                                      </p:to>
+                                    </p:set>
+                                    <p:anim calcmode="lin" valueType="num">
+                                      <p:cBhvr additive="base">
+                                        <p:cTn id="13" dur="500" fill="hold"/>
+                                        <p:tgtEl>
+                                          <p:spTgt spid="3">
+                                            <p:txEl>
+                                              <p:pRg st="1" end="1"/>
+                                            </p:txEl>
+                                          </p:spTgt>
+                                        </p:tgtEl>
+                                        <p:attrNameLst>
+                                          <p:attrName>ppt_x</p:attrName>
+                                        </p:attrNameLst>
+                                      </p:cBhvr>
+                                      <p:tavLst>
+                                        <p:tav tm="0">
+                                          <p:val>
+                                            <p:strVal val="#ppt_x"/>
+                                          </p:val>
+                                        </p:tav>
+                                        <p:tav tm="100000">
+                                          <p:val>
+                                            <p:strVal val="#ppt_x"/>
+                                          </p:val>
+                                        </p:tav>
+                                      </p:tavLst>
+                                    </p:anim>
+                                    <p:anim calcmode="lin" valueType="num">
+                                      <p:cBhvr additive="base">
+                                        <p:cTn id="14" dur="500" fill="hold"/>
+                                        <p:tgtEl>
+                                          <p:spTgt spid="3">
+                                            <p:txEl>
+                                              <p:pRg st="1" end="1"/>
+                                            </p:txEl>
+                                          </p:spTgt>
+                                        </p:tgtEl>
+                                        <p:attrNameLst>
+                                          <p:attrName>ppt_y</p:attrName>
+                                        </p:attrNameLst>
+                                      </p:cBhvr>
+                                      <p:tavLst>
+                                        <p:tav tm="0">
+                                          <p:val>
+                                            <p:strVal val="1+#ppt_h/2"/>
+                                          </p:val>
+                                        </p:tav>
+                                        <p:tav tm="100000">
+                                          <p:val>
+                                            <p:strVal val="#ppt_y"/>
+                                          </p:val>
+                                        </p:tav>
+                                      </p:tavLst>
+                                    </p:anim>
+                                  </p:childTnLst>
+                                </p:cTn>
+                              </p:par>
+                            </p:childTnLst>
+                          </p:cTn>
+                        </p:par>
+                      </p:childTnLst>
+                    </p:cTn>
+                  </p:par>
+                </p:childTnLst>
+              </p:cTn>
+              <p:prevCondLst>
+                <p:cond evt="onPrev" delay="0">
+                  <p:tgtEl>
+                    <p:sldTgt/>
+                  </p:tgtEl>
+                </p:cond>
+              </p:prevCondLst>
+              <p:nextCondLst>
+                <p:cond evt="onNext" delay="0">
+                  <p:tgtEl>
+                    <p:sldTgt/>
+                  </p:tgtEl>
+                </p:cond>
+              </p:nextCondLst>
+            </p:seq>
+          </p:childTnLst>
+        </p:cTn>
+      </p:par>
+    </p:tnLst>
+  </p:timing>
+</p:sld>
+</file>
+
+<file path=ppt/slides/slide30.xml><?xml version="1.0" encoding="utf-8"?>
 <p:sld xmlns:a="http://schemas.openxmlformats.org/drawingml/2006/main" xmlns:r="http://schemas.openxmlformats.org/officeDocument/2006/relationships" xmlns:p="http://schemas.openxmlformats.org/presentationml/2006/main">
   <p:cSld>
     <p:spTree>
@@ -11867,7 +12728,7 @@
 </p:sld>
 </file>
 
-<file path=ppt/slides/slide29.xml><?xml version="1.0" encoding="utf-8"?>
+<file path=ppt/slides/slide31.xml><?xml version="1.0" encoding="utf-8"?>
 <p:sld xmlns:a="http://schemas.openxmlformats.org/drawingml/2006/main" xmlns:r="http://schemas.openxmlformats.org/officeDocument/2006/relationships" xmlns:p="http://schemas.openxmlformats.org/presentationml/2006/main">
   <p:cSld>
     <p:spTree>
@@ -11958,13 +12819,34 @@
           <a:p>
             <a:r>
               <a:rPr lang="en-ZA" dirty="0" smtClean="0"/>
-              <a:t>Results: We managed to build a model that predicts apple prices very accurately (RMSE: )</a:t>
-            </a:r>
-          </a:p>
-          <a:p>
+              <a:t>Results: We managed to build a model that predicts apple prices very accurately (RMSE: </a:t>
+            </a:r>
             <a:r>
               <a:rPr lang="en-ZA" dirty="0" smtClean="0"/>
-              <a:t>Our model placed us at position …… on the </a:t>
+              <a:t>0.40)</a:t>
+            </a:r>
+            <a:endParaRPr lang="en-ZA" dirty="0" smtClean="0"/>
+          </a:p>
+          <a:p>
+            <a:r>
+              <a:rPr lang="en-ZA" dirty="0" smtClean="0"/>
+              <a:t>Our model placed us at position </a:t>
+            </a:r>
+            <a:r>
+              <a:rPr lang="en-ZA" dirty="0" smtClean="0"/>
+              <a:t>36</a:t>
+            </a:r>
+            <a:r>
+              <a:rPr lang="en-ZA" baseline="30000" dirty="0" smtClean="0"/>
+              <a:t>th</a:t>
+            </a:r>
+            <a:r>
+              <a:rPr lang="en-ZA" dirty="0" smtClean="0"/>
+              <a:t> on </a:t>
+            </a:r>
+            <a:r>
+              <a:rPr lang="en-ZA" dirty="0" smtClean="0"/>
+              <a:t>the </a:t>
             </a:r>
             <a:r>
               <a:rPr lang="en-ZA" dirty="0" err="1" smtClean="0"/>
@@ -11972,8 +12854,17 @@
             </a:r>
             <a:r>
               <a:rPr lang="en-ZA" dirty="0" smtClean="0"/>
-              <a:t> board.</a:t>
-            </a:r>
+              <a:t> </a:t>
+            </a:r>
+            <a:r>
+              <a:rPr lang="en-ZA" dirty="0" err="1" smtClean="0"/>
+              <a:t>leaderboard</a:t>
+            </a:r>
+            <a:r>
+              <a:rPr lang="en-ZA" dirty="0" smtClean="0"/>
+              <a:t> with an RMSE as measured by them of 1.05.</a:t>
+            </a:r>
+            <a:endParaRPr lang="en-ZA" dirty="0" smtClean="0"/>
           </a:p>
           <a:p>
             <a:r>
@@ -12339,379 +13230,7 @@
 </p:sld>
 </file>
 
-<file path=ppt/slides/slide3.xml><?xml version="1.0" encoding="utf-8"?>
-<p:sld xmlns:a="http://schemas.openxmlformats.org/drawingml/2006/main" xmlns:r="http://schemas.openxmlformats.org/officeDocument/2006/relationships" xmlns:p="http://schemas.openxmlformats.org/presentationml/2006/main">
-  <p:cSld>
-    <p:spTree>
-      <p:nvGrpSpPr>
-        <p:cNvPr id="1" name=""/>
-        <p:cNvGrpSpPr/>
-        <p:nvPr/>
-      </p:nvGrpSpPr>
-      <p:grpSpPr>
-        <a:xfrm>
-          <a:off x="0" y="0"/>
-          <a:ext cx="0" cy="0"/>
-          <a:chOff x="0" y="0"/>
-          <a:chExt cx="0" cy="0"/>
-        </a:xfrm>
-      </p:grpSpPr>
-      <p:sp>
-        <p:nvSpPr>
-          <p:cNvPr id="2" name="Title 1"/>
-          <p:cNvSpPr>
-            <a:spLocks noGrp="1"/>
-          </p:cNvSpPr>
-          <p:nvPr>
-            <p:ph type="title"/>
-          </p:nvPr>
-        </p:nvSpPr>
-        <p:spPr>
-          <a:xfrm>
-            <a:off x="457200" y="332656"/>
-            <a:ext cx="8229600" cy="1143000"/>
-          </a:xfrm>
-        </p:spPr>
-        <p:txBody>
-          <a:bodyPr>
-            <a:normAutofit/>
-          </a:bodyPr>
-          <a:lstStyle/>
-          <a:p>
-            <a:r>
-              <a:rPr lang="en-ZA" dirty="0" smtClean="0"/>
-              <a:t>But wait … there’s data!</a:t>
-            </a:r>
-            <a:endParaRPr lang="en-ZA" dirty="0"/>
-          </a:p>
-        </p:txBody>
-      </p:sp>
-      <p:sp>
-        <p:nvSpPr>
-          <p:cNvPr id="3" name="Content Placeholder 2"/>
-          <p:cNvSpPr>
-            <a:spLocks noGrp="1"/>
-          </p:cNvSpPr>
-          <p:nvPr>
-            <p:ph idx="1"/>
-          </p:nvPr>
-        </p:nvSpPr>
-        <p:spPr>
-          <a:xfrm>
-            <a:off x="457200" y="1600200"/>
-            <a:ext cx="8435280" cy="1310342"/>
-          </a:xfrm>
-        </p:spPr>
-        <p:txBody>
-          <a:bodyPr>
-            <a:normAutofit fontScale="85000" lnSpcReduction="20000"/>
-          </a:bodyPr>
-          <a:lstStyle/>
-          <a:p>
-            <a:r>
-              <a:rPr lang="en-US" dirty="0" smtClean="0"/>
-              <a:t>Durban Fresh Produce Market provided us with more than 60 000 transactions on the sales of commodities – including apples! </a:t>
-            </a:r>
-          </a:p>
-          <a:p>
-            <a:r>
-              <a:rPr lang="en-US" dirty="0" smtClean="0"/>
-              <a:t>This data was made available for us on </a:t>
-            </a:r>
-            <a:r>
-              <a:rPr lang="en-US" dirty="0" err="1" smtClean="0"/>
-              <a:t>Kaggle</a:t>
-            </a:r>
-            <a:r>
-              <a:rPr lang="en-US" dirty="0" smtClean="0"/>
-              <a:t> in the form of a CSV file. </a:t>
-            </a:r>
-          </a:p>
-        </p:txBody>
-      </p:sp>
-      <p:pic>
-        <p:nvPicPr>
-          <p:cNvPr id="4" name="Picture 3"/>
-          <p:cNvPicPr>
-            <a:picLocks noChangeAspect="1"/>
-          </p:cNvPicPr>
-          <p:nvPr/>
-        </p:nvPicPr>
-        <p:blipFill>
-          <a:blip r:embed="rId2">
-            <a:extLst>
-              <a:ext uri="{28A0092B-C50C-407E-A947-70E740481C1C}">
-                <a14:useLocalDpi xmlns:a14="http://schemas.microsoft.com/office/drawing/2010/main" val="0"/>
-              </a:ext>
-            </a:extLst>
-          </a:blip>
-          <a:stretch>
-            <a:fillRect/>
-          </a:stretch>
-        </p:blipFill>
-        <p:spPr>
-          <a:xfrm>
-            <a:off x="0" y="2780928"/>
-            <a:ext cx="9144000" cy="8941312"/>
-          </a:xfrm>
-          <a:prstGeom prst="rect">
-            <a:avLst/>
-          </a:prstGeom>
-        </p:spPr>
-      </p:pic>
-    </p:spTree>
-    <p:extLst>
-      <p:ext uri="{BB962C8B-B14F-4D97-AF65-F5344CB8AC3E}">
-        <p14:creationId xmlns:p14="http://schemas.microsoft.com/office/powerpoint/2010/main" val="330776632"/>
-      </p:ext>
-    </p:extLst>
-  </p:cSld>
-  <p:clrMapOvr>
-    <a:masterClrMapping/>
-  </p:clrMapOvr>
-  <p:transition spd="slow">
-    <p:push dir="u"/>
-  </p:transition>
-  <p:timing>
-    <p:tnLst>
-      <p:par>
-        <p:cTn id="1" dur="indefinite" restart="never" nodeType="tmRoot">
-          <p:childTnLst>
-            <p:seq concurrent="1" nextAc="seek">
-              <p:cTn id="2" dur="indefinite" nodeType="mainSeq">
-                <p:childTnLst>
-                  <p:par>
-                    <p:cTn id="3" fill="hold">
-                      <p:stCondLst>
-                        <p:cond delay="indefinite"/>
-                      </p:stCondLst>
-                      <p:childTnLst>
-                        <p:par>
-                          <p:cTn id="4" fill="hold">
-                            <p:stCondLst>
-                              <p:cond delay="0"/>
-                            </p:stCondLst>
-                            <p:childTnLst>
-                              <p:par>
-                                <p:cTn id="5" presetID="2" presetClass="entr" presetSubtype="4" fill="hold" nodeType="clickEffect">
-                                  <p:stCondLst>
-                                    <p:cond delay="0"/>
-                                  </p:stCondLst>
-                                  <p:childTnLst>
-                                    <p:set>
-                                      <p:cBhvr>
-                                        <p:cTn id="6" dur="1" fill="hold">
-                                          <p:stCondLst>
-                                            <p:cond delay="0"/>
-                                          </p:stCondLst>
-                                        </p:cTn>
-                                        <p:tgtEl>
-                                          <p:spTgt spid="3">
-                                            <p:txEl>
-                                              <p:pRg st="0" end="0"/>
-                                            </p:txEl>
-                                          </p:spTgt>
-                                        </p:tgtEl>
-                                        <p:attrNameLst>
-                                          <p:attrName>style.visibility</p:attrName>
-                                        </p:attrNameLst>
-                                      </p:cBhvr>
-                                      <p:to>
-                                        <p:strVal val="visible"/>
-                                      </p:to>
-                                    </p:set>
-                                    <p:anim calcmode="lin" valueType="num">
-                                      <p:cBhvr additive="base">
-                                        <p:cTn id="7" dur="500" fill="hold"/>
-                                        <p:tgtEl>
-                                          <p:spTgt spid="3">
-                                            <p:txEl>
-                                              <p:pRg st="0" end="0"/>
-                                            </p:txEl>
-                                          </p:spTgt>
-                                        </p:tgtEl>
-                                        <p:attrNameLst>
-                                          <p:attrName>ppt_x</p:attrName>
-                                        </p:attrNameLst>
-                                      </p:cBhvr>
-                                      <p:tavLst>
-                                        <p:tav tm="0">
-                                          <p:val>
-                                            <p:strVal val="#ppt_x"/>
-                                          </p:val>
-                                        </p:tav>
-                                        <p:tav tm="100000">
-                                          <p:val>
-                                            <p:strVal val="#ppt_x"/>
-                                          </p:val>
-                                        </p:tav>
-                                      </p:tavLst>
-                                    </p:anim>
-                                    <p:anim calcmode="lin" valueType="num">
-                                      <p:cBhvr additive="base">
-                                        <p:cTn id="8" dur="500" fill="hold"/>
-                                        <p:tgtEl>
-                                          <p:spTgt spid="3">
-                                            <p:txEl>
-                                              <p:pRg st="0" end="0"/>
-                                            </p:txEl>
-                                          </p:spTgt>
-                                        </p:tgtEl>
-                                        <p:attrNameLst>
-                                          <p:attrName>ppt_y</p:attrName>
-                                        </p:attrNameLst>
-                                      </p:cBhvr>
-                                      <p:tavLst>
-                                        <p:tav tm="0">
-                                          <p:val>
-                                            <p:strVal val="1+#ppt_h/2"/>
-                                          </p:val>
-                                        </p:tav>
-                                        <p:tav tm="100000">
-                                          <p:val>
-                                            <p:strVal val="#ppt_y"/>
-                                          </p:val>
-                                        </p:tav>
-                                      </p:tavLst>
-                                    </p:anim>
-                                  </p:childTnLst>
-                                </p:cTn>
-                              </p:par>
-                            </p:childTnLst>
-                          </p:cTn>
-                        </p:par>
-                      </p:childTnLst>
-                    </p:cTn>
-                  </p:par>
-                  <p:par>
-                    <p:cTn id="9" fill="hold">
-                      <p:stCondLst>
-                        <p:cond delay="indefinite"/>
-                      </p:stCondLst>
-                      <p:childTnLst>
-                        <p:par>
-                          <p:cTn id="10" fill="hold">
-                            <p:stCondLst>
-                              <p:cond delay="0"/>
-                            </p:stCondLst>
-                            <p:childTnLst>
-                              <p:par>
-                                <p:cTn id="11" presetID="2" presetClass="entr" presetSubtype="4" fill="hold" nodeType="clickEffect">
-                                  <p:stCondLst>
-                                    <p:cond delay="0"/>
-                                  </p:stCondLst>
-                                  <p:childTnLst>
-                                    <p:set>
-                                      <p:cBhvr>
-                                        <p:cTn id="12" dur="1" fill="hold">
-                                          <p:stCondLst>
-                                            <p:cond delay="0"/>
-                                          </p:stCondLst>
-                                        </p:cTn>
-                                        <p:tgtEl>
-                                          <p:spTgt spid="3">
-                                            <p:txEl>
-                                              <p:pRg st="1" end="1"/>
-                                            </p:txEl>
-                                          </p:spTgt>
-                                        </p:tgtEl>
-                                        <p:attrNameLst>
-                                          <p:attrName>style.visibility</p:attrName>
-                                        </p:attrNameLst>
-                                      </p:cBhvr>
-                                      <p:to>
-                                        <p:strVal val="visible"/>
-                                      </p:to>
-                                    </p:set>
-                                    <p:anim calcmode="lin" valueType="num">
-                                      <p:cBhvr additive="base">
-                                        <p:cTn id="13" dur="500" fill="hold"/>
-                                        <p:tgtEl>
-                                          <p:spTgt spid="3">
-                                            <p:txEl>
-                                              <p:pRg st="1" end="1"/>
-                                            </p:txEl>
-                                          </p:spTgt>
-                                        </p:tgtEl>
-                                        <p:attrNameLst>
-                                          <p:attrName>ppt_x</p:attrName>
-                                        </p:attrNameLst>
-                                      </p:cBhvr>
-                                      <p:tavLst>
-                                        <p:tav tm="0">
-                                          <p:val>
-                                            <p:strVal val="#ppt_x"/>
-                                          </p:val>
-                                        </p:tav>
-                                        <p:tav tm="100000">
-                                          <p:val>
-                                            <p:strVal val="#ppt_x"/>
-                                          </p:val>
-                                        </p:tav>
-                                      </p:tavLst>
-                                    </p:anim>
-                                    <p:anim calcmode="lin" valueType="num">
-                                      <p:cBhvr additive="base">
-                                        <p:cTn id="14" dur="500" fill="hold"/>
-                                        <p:tgtEl>
-                                          <p:spTgt spid="3">
-                                            <p:txEl>
-                                              <p:pRg st="1" end="1"/>
-                                            </p:txEl>
-                                          </p:spTgt>
-                                        </p:tgtEl>
-                                        <p:attrNameLst>
-                                          <p:attrName>ppt_y</p:attrName>
-                                        </p:attrNameLst>
-                                      </p:cBhvr>
-                                      <p:tavLst>
-                                        <p:tav tm="0">
-                                          <p:val>
-                                            <p:strVal val="1+#ppt_h/2"/>
-                                          </p:val>
-                                        </p:tav>
-                                        <p:tav tm="100000">
-                                          <p:val>
-                                            <p:strVal val="#ppt_y"/>
-                                          </p:val>
-                                        </p:tav>
-                                      </p:tavLst>
-                                    </p:anim>
-                                  </p:childTnLst>
-                                </p:cTn>
-                              </p:par>
-                            </p:childTnLst>
-                          </p:cTn>
-                        </p:par>
-                      </p:childTnLst>
-                    </p:cTn>
-                  </p:par>
-                </p:childTnLst>
-              </p:cTn>
-              <p:prevCondLst>
-                <p:cond evt="onPrev" delay="0">
-                  <p:tgtEl>
-                    <p:sldTgt/>
-                  </p:tgtEl>
-                </p:cond>
-              </p:prevCondLst>
-              <p:nextCondLst>
-                <p:cond evt="onNext" delay="0">
-                  <p:tgtEl>
-                    <p:sldTgt/>
-                  </p:tgtEl>
-                </p:cond>
-              </p:nextCondLst>
-            </p:seq>
-          </p:childTnLst>
-        </p:cTn>
-      </p:par>
-    </p:tnLst>
-  </p:timing>
-</p:sld>
-</file>
-
-<file path=ppt/slides/slide30.xml><?xml version="1.0" encoding="utf-8"?>
+<file path=ppt/slides/slide32.xml><?xml version="1.0" encoding="utf-8"?>
 <p:sld xmlns:a="http://schemas.openxmlformats.org/drawingml/2006/main" xmlns:r="http://schemas.openxmlformats.org/officeDocument/2006/relationships" xmlns:p="http://schemas.openxmlformats.org/presentationml/2006/main">
   <p:cSld>
     <p:spTree>

--- a/What will the apples cost.pptx
+++ b/What will the apples cost.pptx
@@ -5,7 +5,7 @@
     <p:sldMasterId id="2147483732" r:id="rId1"/>
   </p:sldMasterIdLst>
   <p:notesMasterIdLst>
-    <p:notesMasterId r:id="rId34"/>
+    <p:notesMasterId r:id="rId35"/>
   </p:notesMasterIdLst>
   <p:sldIdLst>
     <p:sldId id="256" r:id="rId2"/>
@@ -27,19 +27,20 @@
     <p:sldId id="274" r:id="rId18"/>
     <p:sldId id="272" r:id="rId19"/>
     <p:sldId id="273" r:id="rId20"/>
-    <p:sldId id="275" r:id="rId21"/>
-    <p:sldId id="276" r:id="rId22"/>
-    <p:sldId id="280" r:id="rId23"/>
-    <p:sldId id="281" r:id="rId24"/>
-    <p:sldId id="282" r:id="rId25"/>
-    <p:sldId id="283" r:id="rId26"/>
-    <p:sldId id="284" r:id="rId27"/>
-    <p:sldId id="286" r:id="rId28"/>
-    <p:sldId id="287" r:id="rId29"/>
-    <p:sldId id="285" r:id="rId30"/>
-    <p:sldId id="277" r:id="rId31"/>
-    <p:sldId id="278" r:id="rId32"/>
-    <p:sldId id="279" r:id="rId33"/>
+    <p:sldId id="288" r:id="rId21"/>
+    <p:sldId id="275" r:id="rId22"/>
+    <p:sldId id="276" r:id="rId23"/>
+    <p:sldId id="280" r:id="rId24"/>
+    <p:sldId id="281" r:id="rId25"/>
+    <p:sldId id="282" r:id="rId26"/>
+    <p:sldId id="283" r:id="rId27"/>
+    <p:sldId id="284" r:id="rId28"/>
+    <p:sldId id="286" r:id="rId29"/>
+    <p:sldId id="287" r:id="rId30"/>
+    <p:sldId id="285" r:id="rId31"/>
+    <p:sldId id="277" r:id="rId32"/>
+    <p:sldId id="278" r:id="rId33"/>
+    <p:sldId id="279" r:id="rId34"/>
   </p:sldIdLst>
   <p:sldSz cx="9144000" cy="6858000" type="letter"/>
   <p:notesSz cx="6858000" cy="9144000"/>
@@ -8920,7 +8921,7 @@
           <a:p>
             <a:r>
               <a:rPr lang="en-ZA" dirty="0" smtClean="0"/>
-              <a:t>Step 3: Splitting the data </a:t>
+              <a:t>Step 2: Wrangling the data [iv]</a:t>
             </a:r>
             <a:endParaRPr lang="en-ZA" dirty="0"/>
           </a:p>
@@ -8943,127 +8944,34 @@
           <a:p>
             <a:r>
               <a:rPr lang="en-ZA" dirty="0" smtClean="0"/>
-              <a:t>We split the training and testing data 80-20.</a:t>
+              <a:t>We attempted scaling the data and setting variance thresholds of 0.03 and 0.05.</a:t>
             </a:r>
           </a:p>
           <a:p>
             <a:r>
               <a:rPr lang="en-ZA" dirty="0" smtClean="0"/>
-              <a:t>We did however train our data on all 100% of the data to increase precision and because it would be tested again on unseen data.</a:t>
-            </a:r>
-          </a:p>
-        </p:txBody>
-      </p:sp>
-      <p:sp>
-        <p:nvSpPr>
-          <p:cNvPr id="4" name="Rectangle 3"/>
-          <p:cNvSpPr/>
-          <p:nvPr/>
-        </p:nvSpPr>
-        <p:spPr>
-          <a:xfrm>
-            <a:off x="395536" y="3789040"/>
-            <a:ext cx="7200800" cy="2646878"/>
-          </a:xfrm>
-          <a:prstGeom prst="rect">
-            <a:avLst/>
-          </a:prstGeom>
-          <a:noFill/>
-        </p:spPr>
-        <p:txBody>
-          <a:bodyPr wrap="square" lIns="91440" tIns="45720" rIns="91440" bIns="45720">
-            <a:spAutoFit/>
-          </a:bodyPr>
-          <a:lstStyle/>
-          <a:p>
-            <a:pPr algn="ctr"/>
-            <a:r>
-              <a:rPr lang="en-US" sz="16600" b="1" dirty="0" smtClean="0">
-                <a:ln w="1905"/>
-                <a:gradFill>
-                  <a:gsLst>
-                    <a:gs pos="0">
-                      <a:schemeClr val="accent6">
-                        <a:shade val="20000"/>
-                        <a:satMod val="200000"/>
-                      </a:schemeClr>
-                    </a:gs>
-                    <a:gs pos="78000">
-                      <a:schemeClr val="accent6">
-                        <a:tint val="90000"/>
-                        <a:shade val="89000"/>
-                        <a:satMod val="220000"/>
-                      </a:schemeClr>
-                    </a:gs>
-                    <a:gs pos="100000">
-                      <a:schemeClr val="accent6">
-                        <a:tint val="12000"/>
-                        <a:satMod val="255000"/>
-                      </a:schemeClr>
-                    </a:gs>
-                  </a:gsLst>
-                  <a:lin ang="5400000"/>
-                </a:gradFill>
-                <a:effectLst>
-                  <a:innerShdw blurRad="69850" dist="43180" dir="5400000">
-                    <a:srgbClr val="000000">
-                      <a:alpha val="65000"/>
-                    </a:srgbClr>
-                  </a:innerShdw>
-                </a:effectLst>
-              </a:rPr>
-              <a:t>80 - 20</a:t>
-            </a:r>
-            <a:endParaRPr lang="en-US" sz="16600" b="1" cap="none" spc="0" dirty="0">
-              <a:ln w="1905"/>
-              <a:gradFill>
-                <a:gsLst>
-                  <a:gs pos="0">
-                    <a:schemeClr val="accent6">
-                      <a:shade val="20000"/>
-                      <a:satMod val="200000"/>
-                    </a:schemeClr>
-                  </a:gs>
-                  <a:gs pos="78000">
-                    <a:schemeClr val="accent6">
-                      <a:tint val="90000"/>
-                      <a:shade val="89000"/>
-                      <a:satMod val="220000"/>
-                    </a:schemeClr>
-                  </a:gs>
-                  <a:gs pos="100000">
-                    <a:schemeClr val="accent6">
-                      <a:tint val="12000"/>
-                      <a:satMod val="255000"/>
-                    </a:schemeClr>
-                  </a:gs>
-                </a:gsLst>
-                <a:lin ang="5400000"/>
-              </a:gradFill>
-              <a:effectLst>
-                <a:innerShdw blurRad="69850" dist="43180" dir="5400000">
-                  <a:srgbClr val="000000">
-                    <a:alpha val="65000"/>
-                  </a:srgbClr>
-                </a:innerShdw>
-              </a:effectLst>
-            </a:endParaRPr>
+              <a:t>But these only worsened our final predictions.</a:t>
+            </a:r>
+          </a:p>
+          <a:p>
+            <a:r>
+              <a:rPr lang="en-ZA" dirty="0" smtClean="0"/>
+              <a:t>So our final models did not take it into consideration.</a:t>
+            </a:r>
+            <a:endParaRPr lang="en-ZA" dirty="0"/>
           </a:p>
         </p:txBody>
       </p:sp>
     </p:spTree>
     <p:extLst>
       <p:ext uri="{BB962C8B-B14F-4D97-AF65-F5344CB8AC3E}">
-        <p14:creationId xmlns:p14="http://schemas.microsoft.com/office/powerpoint/2010/main" val="3593527714"/>
+        <p14:creationId xmlns:p14="http://schemas.microsoft.com/office/powerpoint/2010/main" val="3541999480"/>
       </p:ext>
     </p:extLst>
   </p:cSld>
   <p:clrMapOvr>
     <a:masterClrMapping/>
   </p:clrMapOvr>
-  <p:transition spd="slow">
-    <p:push dir="u"/>
-  </p:transition>
   <p:timing>
     <p:tnLst>
       <p:par>
@@ -9249,6 +9157,109 @@
                                           <p:spTgt spid="3">
                                             <p:txEl>
                                               <p:pRg st="1" end="1"/>
+                                            </p:txEl>
+                                          </p:spTgt>
+                                        </p:tgtEl>
+                                        <p:attrNameLst>
+                                          <p:attrName>ppt_y</p:attrName>
+                                        </p:attrNameLst>
+                                      </p:cBhvr>
+                                      <p:tavLst>
+                                        <p:tav tm="0">
+                                          <p:val>
+                                            <p:strVal val="1+#ppt_h/2"/>
+                                          </p:val>
+                                        </p:tav>
+                                        <p:tav tm="100000">
+                                          <p:val>
+                                            <p:strVal val="#ppt_y"/>
+                                          </p:val>
+                                        </p:tav>
+                                      </p:tavLst>
+                                    </p:anim>
+                                  </p:childTnLst>
+                                </p:cTn>
+                              </p:par>
+                            </p:childTnLst>
+                          </p:cTn>
+                        </p:par>
+                      </p:childTnLst>
+                    </p:cTn>
+                  </p:par>
+                  <p:par>
+                    <p:cTn id="15" fill="hold">
+                      <p:stCondLst>
+                        <p:cond delay="indefinite"/>
+                      </p:stCondLst>
+                      <p:childTnLst>
+                        <p:par>
+                          <p:cTn id="16" fill="hold">
+                            <p:stCondLst>
+                              <p:cond delay="0"/>
+                            </p:stCondLst>
+                            <p:childTnLst>
+                              <p:par>
+                                <p:cTn id="17" presetID="2" presetClass="entr" presetSubtype="4" fill="hold" nodeType="clickEffect">
+                                  <p:stCondLst>
+                                    <p:cond delay="0"/>
+                                  </p:stCondLst>
+                                  <p:childTnLst>
+                                    <p:set>
+                                      <p:cBhvr>
+                                        <p:cTn id="18" dur="1" fill="hold">
+                                          <p:stCondLst>
+                                            <p:cond delay="0"/>
+                                          </p:stCondLst>
+                                        </p:cTn>
+                                        <p:tgtEl>
+                                          <p:spTgt spid="3">
+                                            <p:txEl>
+                                              <p:pRg st="2" end="2"/>
+                                            </p:txEl>
+                                          </p:spTgt>
+                                        </p:tgtEl>
+                                        <p:attrNameLst>
+                                          <p:attrName>style.visibility</p:attrName>
+                                        </p:attrNameLst>
+                                      </p:cBhvr>
+                                      <p:to>
+                                        <p:strVal val="visible"/>
+                                      </p:to>
+                                    </p:set>
+                                    <p:anim calcmode="lin" valueType="num">
+                                      <p:cBhvr additive="base">
+                                        <p:cTn id="19" dur="500" fill="hold"/>
+                                        <p:tgtEl>
+                                          <p:spTgt spid="3">
+                                            <p:txEl>
+                                              <p:pRg st="2" end="2"/>
+                                            </p:txEl>
+                                          </p:spTgt>
+                                        </p:tgtEl>
+                                        <p:attrNameLst>
+                                          <p:attrName>ppt_x</p:attrName>
+                                        </p:attrNameLst>
+                                      </p:cBhvr>
+                                      <p:tavLst>
+                                        <p:tav tm="0">
+                                          <p:val>
+                                            <p:strVal val="#ppt_x"/>
+                                          </p:val>
+                                        </p:tav>
+                                        <p:tav tm="100000">
+                                          <p:val>
+                                            <p:strVal val="#ppt_x"/>
+                                          </p:val>
+                                        </p:tav>
+                                      </p:tavLst>
+                                    </p:anim>
+                                    <p:anim calcmode="lin" valueType="num">
+                                      <p:cBhvr additive="base">
+                                        <p:cTn id="20" dur="500" fill="hold"/>
+                                        <p:tgtEl>
+                                          <p:spTgt spid="3">
+                                            <p:txEl>
+                                              <p:pRg st="2" end="2"/>
                                             </p:txEl>
                                           </p:spTgt>
                                         </p:tgtEl>
@@ -9330,6 +9341,425 @@
             <p:ph type="title"/>
           </p:nvPr>
         </p:nvSpPr>
+        <p:spPr/>
+        <p:txBody>
+          <a:bodyPr>
+            <a:normAutofit/>
+          </a:bodyPr>
+          <a:lstStyle/>
+          <a:p>
+            <a:r>
+              <a:rPr lang="en-ZA" dirty="0" smtClean="0"/>
+              <a:t>Step 3: Splitting the data </a:t>
+            </a:r>
+            <a:endParaRPr lang="en-ZA" dirty="0"/>
+          </a:p>
+        </p:txBody>
+      </p:sp>
+      <p:sp>
+        <p:nvSpPr>
+          <p:cNvPr id="3" name="Content Placeholder 2"/>
+          <p:cNvSpPr>
+            <a:spLocks noGrp="1"/>
+          </p:cNvSpPr>
+          <p:nvPr>
+            <p:ph idx="1"/>
+          </p:nvPr>
+        </p:nvSpPr>
+        <p:spPr/>
+        <p:txBody>
+          <a:bodyPr/>
+          <a:lstStyle/>
+          <a:p>
+            <a:r>
+              <a:rPr lang="en-ZA" dirty="0" smtClean="0"/>
+              <a:t>We split the training and testing data 80-20.</a:t>
+            </a:r>
+          </a:p>
+          <a:p>
+            <a:r>
+              <a:rPr lang="en-ZA" dirty="0" smtClean="0"/>
+              <a:t>We did however train our data on all 100% of the data to increase precision and because it would be tested again on unseen data.</a:t>
+            </a:r>
+          </a:p>
+        </p:txBody>
+      </p:sp>
+      <p:sp>
+        <p:nvSpPr>
+          <p:cNvPr id="4" name="Rectangle 3"/>
+          <p:cNvSpPr/>
+          <p:nvPr/>
+        </p:nvSpPr>
+        <p:spPr>
+          <a:xfrm>
+            <a:off x="395536" y="3789040"/>
+            <a:ext cx="7200800" cy="2646878"/>
+          </a:xfrm>
+          <a:prstGeom prst="rect">
+            <a:avLst/>
+          </a:prstGeom>
+          <a:noFill/>
+        </p:spPr>
+        <p:txBody>
+          <a:bodyPr wrap="square" lIns="91440" tIns="45720" rIns="91440" bIns="45720">
+            <a:spAutoFit/>
+          </a:bodyPr>
+          <a:lstStyle/>
+          <a:p>
+            <a:pPr algn="ctr"/>
+            <a:r>
+              <a:rPr lang="en-US" sz="16600" b="1" dirty="0" smtClean="0">
+                <a:ln w="1905"/>
+                <a:gradFill>
+                  <a:gsLst>
+                    <a:gs pos="0">
+                      <a:schemeClr val="accent6">
+                        <a:shade val="20000"/>
+                        <a:satMod val="200000"/>
+                      </a:schemeClr>
+                    </a:gs>
+                    <a:gs pos="78000">
+                      <a:schemeClr val="accent6">
+                        <a:tint val="90000"/>
+                        <a:shade val="89000"/>
+                        <a:satMod val="220000"/>
+                      </a:schemeClr>
+                    </a:gs>
+                    <a:gs pos="100000">
+                      <a:schemeClr val="accent6">
+                        <a:tint val="12000"/>
+                        <a:satMod val="255000"/>
+                      </a:schemeClr>
+                    </a:gs>
+                  </a:gsLst>
+                  <a:lin ang="5400000"/>
+                </a:gradFill>
+                <a:effectLst>
+                  <a:innerShdw blurRad="69850" dist="43180" dir="5400000">
+                    <a:srgbClr val="000000">
+                      <a:alpha val="65000"/>
+                    </a:srgbClr>
+                  </a:innerShdw>
+                </a:effectLst>
+              </a:rPr>
+              <a:t>80 - 20</a:t>
+            </a:r>
+            <a:endParaRPr lang="en-US" sz="16600" b="1" cap="none" spc="0" dirty="0">
+              <a:ln w="1905"/>
+              <a:gradFill>
+                <a:gsLst>
+                  <a:gs pos="0">
+                    <a:schemeClr val="accent6">
+                      <a:shade val="20000"/>
+                      <a:satMod val="200000"/>
+                    </a:schemeClr>
+                  </a:gs>
+                  <a:gs pos="78000">
+                    <a:schemeClr val="accent6">
+                      <a:tint val="90000"/>
+                      <a:shade val="89000"/>
+                      <a:satMod val="220000"/>
+                    </a:schemeClr>
+                  </a:gs>
+                  <a:gs pos="100000">
+                    <a:schemeClr val="accent6">
+                      <a:tint val="12000"/>
+                      <a:satMod val="255000"/>
+                    </a:schemeClr>
+                  </a:gs>
+                </a:gsLst>
+                <a:lin ang="5400000"/>
+              </a:gradFill>
+              <a:effectLst>
+                <a:innerShdw blurRad="69850" dist="43180" dir="5400000">
+                  <a:srgbClr val="000000">
+                    <a:alpha val="65000"/>
+                  </a:srgbClr>
+                </a:innerShdw>
+              </a:effectLst>
+            </a:endParaRPr>
+          </a:p>
+        </p:txBody>
+      </p:sp>
+    </p:spTree>
+    <p:extLst>
+      <p:ext uri="{BB962C8B-B14F-4D97-AF65-F5344CB8AC3E}">
+        <p14:creationId xmlns:p14="http://schemas.microsoft.com/office/powerpoint/2010/main" val="3593527714"/>
+      </p:ext>
+    </p:extLst>
+  </p:cSld>
+  <p:clrMapOvr>
+    <a:masterClrMapping/>
+  </p:clrMapOvr>
+  <p:transition spd="slow">
+    <p:push dir="u"/>
+  </p:transition>
+  <p:timing>
+    <p:tnLst>
+      <p:par>
+        <p:cTn id="1" dur="indefinite" restart="never" nodeType="tmRoot">
+          <p:childTnLst>
+            <p:seq concurrent="1" nextAc="seek">
+              <p:cTn id="2" dur="indefinite" nodeType="mainSeq">
+                <p:childTnLst>
+                  <p:par>
+                    <p:cTn id="3" fill="hold">
+                      <p:stCondLst>
+                        <p:cond delay="indefinite"/>
+                      </p:stCondLst>
+                      <p:childTnLst>
+                        <p:par>
+                          <p:cTn id="4" fill="hold">
+                            <p:stCondLst>
+                              <p:cond delay="0"/>
+                            </p:stCondLst>
+                            <p:childTnLst>
+                              <p:par>
+                                <p:cTn id="5" presetID="2" presetClass="entr" presetSubtype="4" fill="hold" nodeType="clickEffect">
+                                  <p:stCondLst>
+                                    <p:cond delay="0"/>
+                                  </p:stCondLst>
+                                  <p:childTnLst>
+                                    <p:set>
+                                      <p:cBhvr>
+                                        <p:cTn id="6" dur="1" fill="hold">
+                                          <p:stCondLst>
+                                            <p:cond delay="0"/>
+                                          </p:stCondLst>
+                                        </p:cTn>
+                                        <p:tgtEl>
+                                          <p:spTgt spid="3">
+                                            <p:txEl>
+                                              <p:pRg st="0" end="0"/>
+                                            </p:txEl>
+                                          </p:spTgt>
+                                        </p:tgtEl>
+                                        <p:attrNameLst>
+                                          <p:attrName>style.visibility</p:attrName>
+                                        </p:attrNameLst>
+                                      </p:cBhvr>
+                                      <p:to>
+                                        <p:strVal val="visible"/>
+                                      </p:to>
+                                    </p:set>
+                                    <p:anim calcmode="lin" valueType="num">
+                                      <p:cBhvr additive="base">
+                                        <p:cTn id="7" dur="500" fill="hold"/>
+                                        <p:tgtEl>
+                                          <p:spTgt spid="3">
+                                            <p:txEl>
+                                              <p:pRg st="0" end="0"/>
+                                            </p:txEl>
+                                          </p:spTgt>
+                                        </p:tgtEl>
+                                        <p:attrNameLst>
+                                          <p:attrName>ppt_x</p:attrName>
+                                        </p:attrNameLst>
+                                      </p:cBhvr>
+                                      <p:tavLst>
+                                        <p:tav tm="0">
+                                          <p:val>
+                                            <p:strVal val="#ppt_x"/>
+                                          </p:val>
+                                        </p:tav>
+                                        <p:tav tm="100000">
+                                          <p:val>
+                                            <p:strVal val="#ppt_x"/>
+                                          </p:val>
+                                        </p:tav>
+                                      </p:tavLst>
+                                    </p:anim>
+                                    <p:anim calcmode="lin" valueType="num">
+                                      <p:cBhvr additive="base">
+                                        <p:cTn id="8" dur="500" fill="hold"/>
+                                        <p:tgtEl>
+                                          <p:spTgt spid="3">
+                                            <p:txEl>
+                                              <p:pRg st="0" end="0"/>
+                                            </p:txEl>
+                                          </p:spTgt>
+                                        </p:tgtEl>
+                                        <p:attrNameLst>
+                                          <p:attrName>ppt_y</p:attrName>
+                                        </p:attrNameLst>
+                                      </p:cBhvr>
+                                      <p:tavLst>
+                                        <p:tav tm="0">
+                                          <p:val>
+                                            <p:strVal val="1+#ppt_h/2"/>
+                                          </p:val>
+                                        </p:tav>
+                                        <p:tav tm="100000">
+                                          <p:val>
+                                            <p:strVal val="#ppt_y"/>
+                                          </p:val>
+                                        </p:tav>
+                                      </p:tavLst>
+                                    </p:anim>
+                                  </p:childTnLst>
+                                </p:cTn>
+                              </p:par>
+                            </p:childTnLst>
+                          </p:cTn>
+                        </p:par>
+                      </p:childTnLst>
+                    </p:cTn>
+                  </p:par>
+                  <p:par>
+                    <p:cTn id="9" fill="hold">
+                      <p:stCondLst>
+                        <p:cond delay="indefinite"/>
+                      </p:stCondLst>
+                      <p:childTnLst>
+                        <p:par>
+                          <p:cTn id="10" fill="hold">
+                            <p:stCondLst>
+                              <p:cond delay="0"/>
+                            </p:stCondLst>
+                            <p:childTnLst>
+                              <p:par>
+                                <p:cTn id="11" presetID="2" presetClass="entr" presetSubtype="4" fill="hold" nodeType="clickEffect">
+                                  <p:stCondLst>
+                                    <p:cond delay="0"/>
+                                  </p:stCondLst>
+                                  <p:childTnLst>
+                                    <p:set>
+                                      <p:cBhvr>
+                                        <p:cTn id="12" dur="1" fill="hold">
+                                          <p:stCondLst>
+                                            <p:cond delay="0"/>
+                                          </p:stCondLst>
+                                        </p:cTn>
+                                        <p:tgtEl>
+                                          <p:spTgt spid="3">
+                                            <p:txEl>
+                                              <p:pRg st="1" end="1"/>
+                                            </p:txEl>
+                                          </p:spTgt>
+                                        </p:tgtEl>
+                                        <p:attrNameLst>
+                                          <p:attrName>style.visibility</p:attrName>
+                                        </p:attrNameLst>
+                                      </p:cBhvr>
+                                      <p:to>
+                                        <p:strVal val="visible"/>
+                                      </p:to>
+                                    </p:set>
+                                    <p:anim calcmode="lin" valueType="num">
+                                      <p:cBhvr additive="base">
+                                        <p:cTn id="13" dur="500" fill="hold"/>
+                                        <p:tgtEl>
+                                          <p:spTgt spid="3">
+                                            <p:txEl>
+                                              <p:pRg st="1" end="1"/>
+                                            </p:txEl>
+                                          </p:spTgt>
+                                        </p:tgtEl>
+                                        <p:attrNameLst>
+                                          <p:attrName>ppt_x</p:attrName>
+                                        </p:attrNameLst>
+                                      </p:cBhvr>
+                                      <p:tavLst>
+                                        <p:tav tm="0">
+                                          <p:val>
+                                            <p:strVal val="#ppt_x"/>
+                                          </p:val>
+                                        </p:tav>
+                                        <p:tav tm="100000">
+                                          <p:val>
+                                            <p:strVal val="#ppt_x"/>
+                                          </p:val>
+                                        </p:tav>
+                                      </p:tavLst>
+                                    </p:anim>
+                                    <p:anim calcmode="lin" valueType="num">
+                                      <p:cBhvr additive="base">
+                                        <p:cTn id="14" dur="500" fill="hold"/>
+                                        <p:tgtEl>
+                                          <p:spTgt spid="3">
+                                            <p:txEl>
+                                              <p:pRg st="1" end="1"/>
+                                            </p:txEl>
+                                          </p:spTgt>
+                                        </p:tgtEl>
+                                        <p:attrNameLst>
+                                          <p:attrName>ppt_y</p:attrName>
+                                        </p:attrNameLst>
+                                      </p:cBhvr>
+                                      <p:tavLst>
+                                        <p:tav tm="0">
+                                          <p:val>
+                                            <p:strVal val="1+#ppt_h/2"/>
+                                          </p:val>
+                                        </p:tav>
+                                        <p:tav tm="100000">
+                                          <p:val>
+                                            <p:strVal val="#ppt_y"/>
+                                          </p:val>
+                                        </p:tav>
+                                      </p:tavLst>
+                                    </p:anim>
+                                  </p:childTnLst>
+                                </p:cTn>
+                              </p:par>
+                            </p:childTnLst>
+                          </p:cTn>
+                        </p:par>
+                      </p:childTnLst>
+                    </p:cTn>
+                  </p:par>
+                </p:childTnLst>
+              </p:cTn>
+              <p:prevCondLst>
+                <p:cond evt="onPrev" delay="0">
+                  <p:tgtEl>
+                    <p:sldTgt/>
+                  </p:tgtEl>
+                </p:cond>
+              </p:prevCondLst>
+              <p:nextCondLst>
+                <p:cond evt="onNext" delay="0">
+                  <p:tgtEl>
+                    <p:sldTgt/>
+                  </p:tgtEl>
+                </p:cond>
+              </p:nextCondLst>
+            </p:seq>
+          </p:childTnLst>
+        </p:cTn>
+      </p:par>
+    </p:tnLst>
+  </p:timing>
+</p:sld>
+</file>
+
+<file path=ppt/slides/slide22.xml><?xml version="1.0" encoding="utf-8"?>
+<p:sld xmlns:a="http://schemas.openxmlformats.org/drawingml/2006/main" xmlns:r="http://schemas.openxmlformats.org/officeDocument/2006/relationships" xmlns:p="http://schemas.openxmlformats.org/presentationml/2006/main">
+  <p:cSld>
+    <p:spTree>
+      <p:nvGrpSpPr>
+        <p:cNvPr id="1" name=""/>
+        <p:cNvGrpSpPr/>
+        <p:nvPr/>
+      </p:nvGrpSpPr>
+      <p:grpSpPr>
+        <a:xfrm>
+          <a:off x="0" y="0"/>
+          <a:ext cx="0" cy="0"/>
+          <a:chOff x="0" y="0"/>
+          <a:chExt cx="0" cy="0"/>
+        </a:xfrm>
+      </p:grpSpPr>
+      <p:sp>
+        <p:nvSpPr>
+          <p:cNvPr id="2" name="Title 1"/>
+          <p:cNvSpPr>
+            <a:spLocks noGrp="1"/>
+          </p:cNvSpPr>
+          <p:nvPr>
+            <p:ph type="title"/>
+          </p:nvPr>
+        </p:nvSpPr>
         <p:spPr>
           <a:xfrm>
             <a:off x="395536" y="692696"/>
@@ -9344,15 +9774,7 @@
           <a:p>
             <a:r>
               <a:rPr lang="en-ZA" sz="3600" dirty="0" smtClean="0"/>
-              <a:t>Step 4: Building </a:t>
-            </a:r>
-            <a:r>
-              <a:rPr lang="en-ZA" sz="3600" dirty="0" smtClean="0"/>
-              <a:t>&amp; training the </a:t>
-            </a:r>
-            <a:r>
-              <a:rPr lang="en-ZA" sz="3600" dirty="0" smtClean="0"/>
-              <a:t>models [</a:t>
+              <a:t>Step 4: Building &amp; training the models [</a:t>
             </a:r>
             <a:r>
               <a:rPr lang="en-ZA" sz="3600" dirty="0" err="1" smtClean="0"/>
@@ -9858,7 +10280,7 @@
 </p:sld>
 </file>
 
-<file path=ppt/slides/slide22.xml><?xml version="1.0" encoding="utf-8"?>
+<file path=ppt/slides/slide23.xml><?xml version="1.0" encoding="utf-8"?>
 <p:sld xmlns:a="http://schemas.openxmlformats.org/drawingml/2006/main" xmlns:r="http://schemas.openxmlformats.org/officeDocument/2006/relationships" xmlns:p="http://schemas.openxmlformats.org/presentationml/2006/main">
   <p:cSld>
     <p:spTree>
@@ -9898,11 +10320,7 @@
             </a:r>
             <a:r>
               <a:rPr lang="en-ZA" sz="3600" dirty="0" smtClean="0"/>
-              <a:t>Building &amp; training </a:t>
-            </a:r>
-            <a:r>
-              <a:rPr lang="en-ZA" sz="3600" dirty="0" smtClean="0"/>
-              <a:t>the models [ii]</a:t>
+              <a:t>Building &amp; training the models [ii]</a:t>
             </a:r>
             <a:endParaRPr lang="en-ZA" sz="3600" dirty="0"/>
           </a:p>
@@ -10058,7 +10476,7 @@
 </p:sld>
 </file>
 
-<file path=ppt/slides/slide23.xml><?xml version="1.0" encoding="utf-8"?>
+<file path=ppt/slides/slide24.xml><?xml version="1.0" encoding="utf-8"?>
 <p:sld xmlns:a="http://schemas.openxmlformats.org/drawingml/2006/main" xmlns:r="http://schemas.openxmlformats.org/officeDocument/2006/relationships" xmlns:p="http://schemas.openxmlformats.org/presentationml/2006/main">
   <p:cSld>
     <p:spTree>
@@ -10103,11 +10521,7 @@
             </a:r>
             <a:r>
               <a:rPr lang="en-ZA" sz="3600" dirty="0" smtClean="0"/>
-              <a:t>&amp; training the </a:t>
-            </a:r>
-            <a:r>
-              <a:rPr lang="en-ZA" sz="3600" dirty="0" smtClean="0"/>
-              <a:t>models [iii]</a:t>
+              <a:t>&amp; training the models [iii]</a:t>
             </a:r>
             <a:endParaRPr lang="en-ZA" sz="3600" dirty="0"/>
           </a:p>
@@ -10219,7 +10633,7 @@
 </p:sld>
 </file>
 
-<file path=ppt/slides/slide24.xml><?xml version="1.0" encoding="utf-8"?>
+<file path=ppt/slides/slide25.xml><?xml version="1.0" encoding="utf-8"?>
 <p:sld xmlns:a="http://schemas.openxmlformats.org/drawingml/2006/main" xmlns:r="http://schemas.openxmlformats.org/officeDocument/2006/relationships" xmlns:p="http://schemas.openxmlformats.org/presentationml/2006/main">
   <p:cSld>
     <p:spTree>
@@ -10259,11 +10673,7 @@
             </a:r>
             <a:r>
               <a:rPr lang="en-ZA" sz="3600" dirty="0" smtClean="0"/>
-              <a:t>&amp; training the </a:t>
-            </a:r>
-            <a:r>
-              <a:rPr lang="en-ZA" sz="3600" dirty="0" smtClean="0"/>
-              <a:t>models [iii]</a:t>
+              <a:t>&amp; training the models [iii]</a:t>
             </a:r>
             <a:endParaRPr lang="en-ZA" sz="3600" dirty="0"/>
           </a:p>
@@ -10353,7 +10763,7 @@
 </p:sld>
 </file>
 
-<file path=ppt/slides/slide25.xml><?xml version="1.0" encoding="utf-8"?>
+<file path=ppt/slides/slide26.xml><?xml version="1.0" encoding="utf-8"?>
 <p:sld xmlns:a="http://schemas.openxmlformats.org/drawingml/2006/main" xmlns:r="http://schemas.openxmlformats.org/officeDocument/2006/relationships" xmlns:p="http://schemas.openxmlformats.org/presentationml/2006/main">
   <p:cSld>
     <p:spTree>
@@ -10393,11 +10803,7 @@
             </a:r>
             <a:r>
               <a:rPr lang="en-ZA" sz="3600" dirty="0" smtClean="0"/>
-              <a:t>&amp; training the </a:t>
-            </a:r>
-            <a:r>
-              <a:rPr lang="en-ZA" sz="3600" dirty="0" smtClean="0"/>
-              <a:t>models [iv]</a:t>
+              <a:t>&amp; training the models [iv]</a:t>
             </a:r>
             <a:endParaRPr lang="en-ZA" sz="3600" dirty="0"/>
           </a:p>
@@ -10479,7 +10885,7 @@
 </p:sld>
 </file>
 
-<file path=ppt/slides/slide26.xml><?xml version="1.0" encoding="utf-8"?>
+<file path=ppt/slides/slide27.xml><?xml version="1.0" encoding="utf-8"?>
 <p:sld xmlns:a="http://schemas.openxmlformats.org/drawingml/2006/main" xmlns:r="http://schemas.openxmlformats.org/officeDocument/2006/relationships" xmlns:p="http://schemas.openxmlformats.org/presentationml/2006/main">
   <p:cSld>
     <p:spTree>
@@ -10601,7 +11007,7 @@
 </p:sld>
 </file>
 
-<file path=ppt/slides/slide27.xml><?xml version="1.0" encoding="utf-8"?>
+<file path=ppt/slides/slide28.xml><?xml version="1.0" encoding="utf-8"?>
 <p:sld xmlns:a="http://schemas.openxmlformats.org/drawingml/2006/main" xmlns:r="http://schemas.openxmlformats.org/officeDocument/2006/relationships" xmlns:p="http://schemas.openxmlformats.org/presentationml/2006/main">
   <p:cSld>
     <p:spTree>
@@ -10709,7 +11115,7 @@
 </p:sld>
 </file>
 
-<file path=ppt/slides/slide28.xml><?xml version="1.0" encoding="utf-8"?>
+<file path=ppt/slides/slide29.xml><?xml version="1.0" encoding="utf-8"?>
 <p:sld xmlns:a="http://schemas.openxmlformats.org/drawingml/2006/main" xmlns:r="http://schemas.openxmlformats.org/officeDocument/2006/relationships" xmlns:p="http://schemas.openxmlformats.org/presentationml/2006/main">
   <p:cSld>
     <p:spTree>
@@ -10829,7 +11235,379 @@
 </p:sld>
 </file>
 
-<file path=ppt/slides/slide29.xml><?xml version="1.0" encoding="utf-8"?>
+<file path=ppt/slides/slide3.xml><?xml version="1.0" encoding="utf-8"?>
+<p:sld xmlns:a="http://schemas.openxmlformats.org/drawingml/2006/main" xmlns:r="http://schemas.openxmlformats.org/officeDocument/2006/relationships" xmlns:p="http://schemas.openxmlformats.org/presentationml/2006/main">
+  <p:cSld>
+    <p:spTree>
+      <p:nvGrpSpPr>
+        <p:cNvPr id="1" name=""/>
+        <p:cNvGrpSpPr/>
+        <p:nvPr/>
+      </p:nvGrpSpPr>
+      <p:grpSpPr>
+        <a:xfrm>
+          <a:off x="0" y="0"/>
+          <a:ext cx="0" cy="0"/>
+          <a:chOff x="0" y="0"/>
+          <a:chExt cx="0" cy="0"/>
+        </a:xfrm>
+      </p:grpSpPr>
+      <p:sp>
+        <p:nvSpPr>
+          <p:cNvPr id="2" name="Title 1"/>
+          <p:cNvSpPr>
+            <a:spLocks noGrp="1"/>
+          </p:cNvSpPr>
+          <p:nvPr>
+            <p:ph type="title"/>
+          </p:nvPr>
+        </p:nvSpPr>
+        <p:spPr>
+          <a:xfrm>
+            <a:off x="457200" y="332656"/>
+            <a:ext cx="8229600" cy="1143000"/>
+          </a:xfrm>
+        </p:spPr>
+        <p:txBody>
+          <a:bodyPr>
+            <a:normAutofit/>
+          </a:bodyPr>
+          <a:lstStyle/>
+          <a:p>
+            <a:r>
+              <a:rPr lang="en-ZA" dirty="0" smtClean="0"/>
+              <a:t>But wait … there’s data!</a:t>
+            </a:r>
+            <a:endParaRPr lang="en-ZA" dirty="0"/>
+          </a:p>
+        </p:txBody>
+      </p:sp>
+      <p:sp>
+        <p:nvSpPr>
+          <p:cNvPr id="3" name="Content Placeholder 2"/>
+          <p:cNvSpPr>
+            <a:spLocks noGrp="1"/>
+          </p:cNvSpPr>
+          <p:nvPr>
+            <p:ph idx="1"/>
+          </p:nvPr>
+        </p:nvSpPr>
+        <p:spPr>
+          <a:xfrm>
+            <a:off x="457200" y="1600200"/>
+            <a:ext cx="8435280" cy="1310342"/>
+          </a:xfrm>
+        </p:spPr>
+        <p:txBody>
+          <a:bodyPr>
+            <a:normAutofit fontScale="85000" lnSpcReduction="20000"/>
+          </a:bodyPr>
+          <a:lstStyle/>
+          <a:p>
+            <a:r>
+              <a:rPr lang="en-US" dirty="0" smtClean="0"/>
+              <a:t>Durban Fresh Produce Market provided us with more than 60 000 transactions on the sales of commodities – including apples! </a:t>
+            </a:r>
+          </a:p>
+          <a:p>
+            <a:r>
+              <a:rPr lang="en-US" dirty="0" smtClean="0"/>
+              <a:t>This data was made available for us on </a:t>
+            </a:r>
+            <a:r>
+              <a:rPr lang="en-US" dirty="0" err="1" smtClean="0"/>
+              <a:t>Kaggle</a:t>
+            </a:r>
+            <a:r>
+              <a:rPr lang="en-US" dirty="0" smtClean="0"/>
+              <a:t> in the form of a CSV file. </a:t>
+            </a:r>
+          </a:p>
+        </p:txBody>
+      </p:sp>
+      <p:pic>
+        <p:nvPicPr>
+          <p:cNvPr id="4" name="Picture 3"/>
+          <p:cNvPicPr>
+            <a:picLocks noChangeAspect="1"/>
+          </p:cNvPicPr>
+          <p:nvPr/>
+        </p:nvPicPr>
+        <p:blipFill>
+          <a:blip r:embed="rId2">
+            <a:extLst>
+              <a:ext uri="{28A0092B-C50C-407E-A947-70E740481C1C}">
+                <a14:useLocalDpi xmlns:a14="http://schemas.microsoft.com/office/drawing/2010/main" val="0"/>
+              </a:ext>
+            </a:extLst>
+          </a:blip>
+          <a:stretch>
+            <a:fillRect/>
+          </a:stretch>
+        </p:blipFill>
+        <p:spPr>
+          <a:xfrm>
+            <a:off x="0" y="2780928"/>
+            <a:ext cx="9144000" cy="8941312"/>
+          </a:xfrm>
+          <a:prstGeom prst="rect">
+            <a:avLst/>
+          </a:prstGeom>
+        </p:spPr>
+      </p:pic>
+    </p:spTree>
+    <p:extLst>
+      <p:ext uri="{BB962C8B-B14F-4D97-AF65-F5344CB8AC3E}">
+        <p14:creationId xmlns:p14="http://schemas.microsoft.com/office/powerpoint/2010/main" val="330776632"/>
+      </p:ext>
+    </p:extLst>
+  </p:cSld>
+  <p:clrMapOvr>
+    <a:masterClrMapping/>
+  </p:clrMapOvr>
+  <p:transition spd="slow">
+    <p:push dir="u"/>
+  </p:transition>
+  <p:timing>
+    <p:tnLst>
+      <p:par>
+        <p:cTn id="1" dur="indefinite" restart="never" nodeType="tmRoot">
+          <p:childTnLst>
+            <p:seq concurrent="1" nextAc="seek">
+              <p:cTn id="2" dur="indefinite" nodeType="mainSeq">
+                <p:childTnLst>
+                  <p:par>
+                    <p:cTn id="3" fill="hold">
+                      <p:stCondLst>
+                        <p:cond delay="indefinite"/>
+                      </p:stCondLst>
+                      <p:childTnLst>
+                        <p:par>
+                          <p:cTn id="4" fill="hold">
+                            <p:stCondLst>
+                              <p:cond delay="0"/>
+                            </p:stCondLst>
+                            <p:childTnLst>
+                              <p:par>
+                                <p:cTn id="5" presetID="2" presetClass="entr" presetSubtype="4" fill="hold" nodeType="clickEffect">
+                                  <p:stCondLst>
+                                    <p:cond delay="0"/>
+                                  </p:stCondLst>
+                                  <p:childTnLst>
+                                    <p:set>
+                                      <p:cBhvr>
+                                        <p:cTn id="6" dur="1" fill="hold">
+                                          <p:stCondLst>
+                                            <p:cond delay="0"/>
+                                          </p:stCondLst>
+                                        </p:cTn>
+                                        <p:tgtEl>
+                                          <p:spTgt spid="3">
+                                            <p:txEl>
+                                              <p:pRg st="0" end="0"/>
+                                            </p:txEl>
+                                          </p:spTgt>
+                                        </p:tgtEl>
+                                        <p:attrNameLst>
+                                          <p:attrName>style.visibility</p:attrName>
+                                        </p:attrNameLst>
+                                      </p:cBhvr>
+                                      <p:to>
+                                        <p:strVal val="visible"/>
+                                      </p:to>
+                                    </p:set>
+                                    <p:anim calcmode="lin" valueType="num">
+                                      <p:cBhvr additive="base">
+                                        <p:cTn id="7" dur="500" fill="hold"/>
+                                        <p:tgtEl>
+                                          <p:spTgt spid="3">
+                                            <p:txEl>
+                                              <p:pRg st="0" end="0"/>
+                                            </p:txEl>
+                                          </p:spTgt>
+                                        </p:tgtEl>
+                                        <p:attrNameLst>
+                                          <p:attrName>ppt_x</p:attrName>
+                                        </p:attrNameLst>
+                                      </p:cBhvr>
+                                      <p:tavLst>
+                                        <p:tav tm="0">
+                                          <p:val>
+                                            <p:strVal val="#ppt_x"/>
+                                          </p:val>
+                                        </p:tav>
+                                        <p:tav tm="100000">
+                                          <p:val>
+                                            <p:strVal val="#ppt_x"/>
+                                          </p:val>
+                                        </p:tav>
+                                      </p:tavLst>
+                                    </p:anim>
+                                    <p:anim calcmode="lin" valueType="num">
+                                      <p:cBhvr additive="base">
+                                        <p:cTn id="8" dur="500" fill="hold"/>
+                                        <p:tgtEl>
+                                          <p:spTgt spid="3">
+                                            <p:txEl>
+                                              <p:pRg st="0" end="0"/>
+                                            </p:txEl>
+                                          </p:spTgt>
+                                        </p:tgtEl>
+                                        <p:attrNameLst>
+                                          <p:attrName>ppt_y</p:attrName>
+                                        </p:attrNameLst>
+                                      </p:cBhvr>
+                                      <p:tavLst>
+                                        <p:tav tm="0">
+                                          <p:val>
+                                            <p:strVal val="1+#ppt_h/2"/>
+                                          </p:val>
+                                        </p:tav>
+                                        <p:tav tm="100000">
+                                          <p:val>
+                                            <p:strVal val="#ppt_y"/>
+                                          </p:val>
+                                        </p:tav>
+                                      </p:tavLst>
+                                    </p:anim>
+                                  </p:childTnLst>
+                                </p:cTn>
+                              </p:par>
+                            </p:childTnLst>
+                          </p:cTn>
+                        </p:par>
+                      </p:childTnLst>
+                    </p:cTn>
+                  </p:par>
+                  <p:par>
+                    <p:cTn id="9" fill="hold">
+                      <p:stCondLst>
+                        <p:cond delay="indefinite"/>
+                      </p:stCondLst>
+                      <p:childTnLst>
+                        <p:par>
+                          <p:cTn id="10" fill="hold">
+                            <p:stCondLst>
+                              <p:cond delay="0"/>
+                            </p:stCondLst>
+                            <p:childTnLst>
+                              <p:par>
+                                <p:cTn id="11" presetID="2" presetClass="entr" presetSubtype="4" fill="hold" nodeType="clickEffect">
+                                  <p:stCondLst>
+                                    <p:cond delay="0"/>
+                                  </p:stCondLst>
+                                  <p:childTnLst>
+                                    <p:set>
+                                      <p:cBhvr>
+                                        <p:cTn id="12" dur="1" fill="hold">
+                                          <p:stCondLst>
+                                            <p:cond delay="0"/>
+                                          </p:stCondLst>
+                                        </p:cTn>
+                                        <p:tgtEl>
+                                          <p:spTgt spid="3">
+                                            <p:txEl>
+                                              <p:pRg st="1" end="1"/>
+                                            </p:txEl>
+                                          </p:spTgt>
+                                        </p:tgtEl>
+                                        <p:attrNameLst>
+                                          <p:attrName>style.visibility</p:attrName>
+                                        </p:attrNameLst>
+                                      </p:cBhvr>
+                                      <p:to>
+                                        <p:strVal val="visible"/>
+                                      </p:to>
+                                    </p:set>
+                                    <p:anim calcmode="lin" valueType="num">
+                                      <p:cBhvr additive="base">
+                                        <p:cTn id="13" dur="500" fill="hold"/>
+                                        <p:tgtEl>
+                                          <p:spTgt spid="3">
+                                            <p:txEl>
+                                              <p:pRg st="1" end="1"/>
+                                            </p:txEl>
+                                          </p:spTgt>
+                                        </p:tgtEl>
+                                        <p:attrNameLst>
+                                          <p:attrName>ppt_x</p:attrName>
+                                        </p:attrNameLst>
+                                      </p:cBhvr>
+                                      <p:tavLst>
+                                        <p:tav tm="0">
+                                          <p:val>
+                                            <p:strVal val="#ppt_x"/>
+                                          </p:val>
+                                        </p:tav>
+                                        <p:tav tm="100000">
+                                          <p:val>
+                                            <p:strVal val="#ppt_x"/>
+                                          </p:val>
+                                        </p:tav>
+                                      </p:tavLst>
+                                    </p:anim>
+                                    <p:anim calcmode="lin" valueType="num">
+                                      <p:cBhvr additive="base">
+                                        <p:cTn id="14" dur="500" fill="hold"/>
+                                        <p:tgtEl>
+                                          <p:spTgt spid="3">
+                                            <p:txEl>
+                                              <p:pRg st="1" end="1"/>
+                                            </p:txEl>
+                                          </p:spTgt>
+                                        </p:tgtEl>
+                                        <p:attrNameLst>
+                                          <p:attrName>ppt_y</p:attrName>
+                                        </p:attrNameLst>
+                                      </p:cBhvr>
+                                      <p:tavLst>
+                                        <p:tav tm="0">
+                                          <p:val>
+                                            <p:strVal val="1+#ppt_h/2"/>
+                                          </p:val>
+                                        </p:tav>
+                                        <p:tav tm="100000">
+                                          <p:val>
+                                            <p:strVal val="#ppt_y"/>
+                                          </p:val>
+                                        </p:tav>
+                                      </p:tavLst>
+                                    </p:anim>
+                                  </p:childTnLst>
+                                </p:cTn>
+                              </p:par>
+                            </p:childTnLst>
+                          </p:cTn>
+                        </p:par>
+                      </p:childTnLst>
+                    </p:cTn>
+                  </p:par>
+                </p:childTnLst>
+              </p:cTn>
+              <p:prevCondLst>
+                <p:cond evt="onPrev" delay="0">
+                  <p:tgtEl>
+                    <p:sldTgt/>
+                  </p:tgtEl>
+                </p:cond>
+              </p:prevCondLst>
+              <p:nextCondLst>
+                <p:cond evt="onNext" delay="0">
+                  <p:tgtEl>
+                    <p:sldTgt/>
+                  </p:tgtEl>
+                </p:cond>
+              </p:nextCondLst>
+            </p:seq>
+          </p:childTnLst>
+        </p:cTn>
+      </p:par>
+    </p:tnLst>
+  </p:timing>
+</p:sld>
+</file>
+
+<file path=ppt/slides/slide30.xml><?xml version="1.0" encoding="utf-8"?>
 <p:sld xmlns:a="http://schemas.openxmlformats.org/drawingml/2006/main" xmlns:r="http://schemas.openxmlformats.org/officeDocument/2006/relationships" xmlns:p="http://schemas.openxmlformats.org/presentationml/2006/main">
   <p:cSld>
     <p:spTree>
@@ -11326,379 +12104,7 @@
 </p:sld>
 </file>
 
-<file path=ppt/slides/slide3.xml><?xml version="1.0" encoding="utf-8"?>
-<p:sld xmlns:a="http://schemas.openxmlformats.org/drawingml/2006/main" xmlns:r="http://schemas.openxmlformats.org/officeDocument/2006/relationships" xmlns:p="http://schemas.openxmlformats.org/presentationml/2006/main">
-  <p:cSld>
-    <p:spTree>
-      <p:nvGrpSpPr>
-        <p:cNvPr id="1" name=""/>
-        <p:cNvGrpSpPr/>
-        <p:nvPr/>
-      </p:nvGrpSpPr>
-      <p:grpSpPr>
-        <a:xfrm>
-          <a:off x="0" y="0"/>
-          <a:ext cx="0" cy="0"/>
-          <a:chOff x="0" y="0"/>
-          <a:chExt cx="0" cy="0"/>
-        </a:xfrm>
-      </p:grpSpPr>
-      <p:sp>
-        <p:nvSpPr>
-          <p:cNvPr id="2" name="Title 1"/>
-          <p:cNvSpPr>
-            <a:spLocks noGrp="1"/>
-          </p:cNvSpPr>
-          <p:nvPr>
-            <p:ph type="title"/>
-          </p:nvPr>
-        </p:nvSpPr>
-        <p:spPr>
-          <a:xfrm>
-            <a:off x="457200" y="332656"/>
-            <a:ext cx="8229600" cy="1143000"/>
-          </a:xfrm>
-        </p:spPr>
-        <p:txBody>
-          <a:bodyPr>
-            <a:normAutofit/>
-          </a:bodyPr>
-          <a:lstStyle/>
-          <a:p>
-            <a:r>
-              <a:rPr lang="en-ZA" dirty="0" smtClean="0"/>
-              <a:t>But wait … there’s data!</a:t>
-            </a:r>
-            <a:endParaRPr lang="en-ZA" dirty="0"/>
-          </a:p>
-        </p:txBody>
-      </p:sp>
-      <p:sp>
-        <p:nvSpPr>
-          <p:cNvPr id="3" name="Content Placeholder 2"/>
-          <p:cNvSpPr>
-            <a:spLocks noGrp="1"/>
-          </p:cNvSpPr>
-          <p:nvPr>
-            <p:ph idx="1"/>
-          </p:nvPr>
-        </p:nvSpPr>
-        <p:spPr>
-          <a:xfrm>
-            <a:off x="457200" y="1600200"/>
-            <a:ext cx="8435280" cy="1310342"/>
-          </a:xfrm>
-        </p:spPr>
-        <p:txBody>
-          <a:bodyPr>
-            <a:normAutofit fontScale="85000" lnSpcReduction="20000"/>
-          </a:bodyPr>
-          <a:lstStyle/>
-          <a:p>
-            <a:r>
-              <a:rPr lang="en-US" dirty="0" smtClean="0"/>
-              <a:t>Durban Fresh Produce Market provided us with more than 60 000 transactions on the sales of commodities – including apples! </a:t>
-            </a:r>
-          </a:p>
-          <a:p>
-            <a:r>
-              <a:rPr lang="en-US" dirty="0" smtClean="0"/>
-              <a:t>This data was made available for us on </a:t>
-            </a:r>
-            <a:r>
-              <a:rPr lang="en-US" dirty="0" err="1" smtClean="0"/>
-              <a:t>Kaggle</a:t>
-            </a:r>
-            <a:r>
-              <a:rPr lang="en-US" dirty="0" smtClean="0"/>
-              <a:t> in the form of a CSV file. </a:t>
-            </a:r>
-          </a:p>
-        </p:txBody>
-      </p:sp>
-      <p:pic>
-        <p:nvPicPr>
-          <p:cNvPr id="4" name="Picture 3"/>
-          <p:cNvPicPr>
-            <a:picLocks noChangeAspect="1"/>
-          </p:cNvPicPr>
-          <p:nvPr/>
-        </p:nvPicPr>
-        <p:blipFill>
-          <a:blip r:embed="rId2">
-            <a:extLst>
-              <a:ext uri="{28A0092B-C50C-407E-A947-70E740481C1C}">
-                <a14:useLocalDpi xmlns:a14="http://schemas.microsoft.com/office/drawing/2010/main" val="0"/>
-              </a:ext>
-            </a:extLst>
-          </a:blip>
-          <a:stretch>
-            <a:fillRect/>
-          </a:stretch>
-        </p:blipFill>
-        <p:spPr>
-          <a:xfrm>
-            <a:off x="0" y="2780928"/>
-            <a:ext cx="9144000" cy="8941312"/>
-          </a:xfrm>
-          <a:prstGeom prst="rect">
-            <a:avLst/>
-          </a:prstGeom>
-        </p:spPr>
-      </p:pic>
-    </p:spTree>
-    <p:extLst>
-      <p:ext uri="{BB962C8B-B14F-4D97-AF65-F5344CB8AC3E}">
-        <p14:creationId xmlns:p14="http://schemas.microsoft.com/office/powerpoint/2010/main" val="330776632"/>
-      </p:ext>
-    </p:extLst>
-  </p:cSld>
-  <p:clrMapOvr>
-    <a:masterClrMapping/>
-  </p:clrMapOvr>
-  <p:transition spd="slow">
-    <p:push dir="u"/>
-  </p:transition>
-  <p:timing>
-    <p:tnLst>
-      <p:par>
-        <p:cTn id="1" dur="indefinite" restart="never" nodeType="tmRoot">
-          <p:childTnLst>
-            <p:seq concurrent="1" nextAc="seek">
-              <p:cTn id="2" dur="indefinite" nodeType="mainSeq">
-                <p:childTnLst>
-                  <p:par>
-                    <p:cTn id="3" fill="hold">
-                      <p:stCondLst>
-                        <p:cond delay="indefinite"/>
-                      </p:stCondLst>
-                      <p:childTnLst>
-                        <p:par>
-                          <p:cTn id="4" fill="hold">
-                            <p:stCondLst>
-                              <p:cond delay="0"/>
-                            </p:stCondLst>
-                            <p:childTnLst>
-                              <p:par>
-                                <p:cTn id="5" presetID="2" presetClass="entr" presetSubtype="4" fill="hold" nodeType="clickEffect">
-                                  <p:stCondLst>
-                                    <p:cond delay="0"/>
-                                  </p:stCondLst>
-                                  <p:childTnLst>
-                                    <p:set>
-                                      <p:cBhvr>
-                                        <p:cTn id="6" dur="1" fill="hold">
-                                          <p:stCondLst>
-                                            <p:cond delay="0"/>
-                                          </p:stCondLst>
-                                        </p:cTn>
-                                        <p:tgtEl>
-                                          <p:spTgt spid="3">
-                                            <p:txEl>
-                                              <p:pRg st="0" end="0"/>
-                                            </p:txEl>
-                                          </p:spTgt>
-                                        </p:tgtEl>
-                                        <p:attrNameLst>
-                                          <p:attrName>style.visibility</p:attrName>
-                                        </p:attrNameLst>
-                                      </p:cBhvr>
-                                      <p:to>
-                                        <p:strVal val="visible"/>
-                                      </p:to>
-                                    </p:set>
-                                    <p:anim calcmode="lin" valueType="num">
-                                      <p:cBhvr additive="base">
-                                        <p:cTn id="7" dur="500" fill="hold"/>
-                                        <p:tgtEl>
-                                          <p:spTgt spid="3">
-                                            <p:txEl>
-                                              <p:pRg st="0" end="0"/>
-                                            </p:txEl>
-                                          </p:spTgt>
-                                        </p:tgtEl>
-                                        <p:attrNameLst>
-                                          <p:attrName>ppt_x</p:attrName>
-                                        </p:attrNameLst>
-                                      </p:cBhvr>
-                                      <p:tavLst>
-                                        <p:tav tm="0">
-                                          <p:val>
-                                            <p:strVal val="#ppt_x"/>
-                                          </p:val>
-                                        </p:tav>
-                                        <p:tav tm="100000">
-                                          <p:val>
-                                            <p:strVal val="#ppt_x"/>
-                                          </p:val>
-                                        </p:tav>
-                                      </p:tavLst>
-                                    </p:anim>
-                                    <p:anim calcmode="lin" valueType="num">
-                                      <p:cBhvr additive="base">
-                                        <p:cTn id="8" dur="500" fill="hold"/>
-                                        <p:tgtEl>
-                                          <p:spTgt spid="3">
-                                            <p:txEl>
-                                              <p:pRg st="0" end="0"/>
-                                            </p:txEl>
-                                          </p:spTgt>
-                                        </p:tgtEl>
-                                        <p:attrNameLst>
-                                          <p:attrName>ppt_y</p:attrName>
-                                        </p:attrNameLst>
-                                      </p:cBhvr>
-                                      <p:tavLst>
-                                        <p:tav tm="0">
-                                          <p:val>
-                                            <p:strVal val="1+#ppt_h/2"/>
-                                          </p:val>
-                                        </p:tav>
-                                        <p:tav tm="100000">
-                                          <p:val>
-                                            <p:strVal val="#ppt_y"/>
-                                          </p:val>
-                                        </p:tav>
-                                      </p:tavLst>
-                                    </p:anim>
-                                  </p:childTnLst>
-                                </p:cTn>
-                              </p:par>
-                            </p:childTnLst>
-                          </p:cTn>
-                        </p:par>
-                      </p:childTnLst>
-                    </p:cTn>
-                  </p:par>
-                  <p:par>
-                    <p:cTn id="9" fill="hold">
-                      <p:stCondLst>
-                        <p:cond delay="indefinite"/>
-                      </p:stCondLst>
-                      <p:childTnLst>
-                        <p:par>
-                          <p:cTn id="10" fill="hold">
-                            <p:stCondLst>
-                              <p:cond delay="0"/>
-                            </p:stCondLst>
-                            <p:childTnLst>
-                              <p:par>
-                                <p:cTn id="11" presetID="2" presetClass="entr" presetSubtype="4" fill="hold" nodeType="clickEffect">
-                                  <p:stCondLst>
-                                    <p:cond delay="0"/>
-                                  </p:stCondLst>
-                                  <p:childTnLst>
-                                    <p:set>
-                                      <p:cBhvr>
-                                        <p:cTn id="12" dur="1" fill="hold">
-                                          <p:stCondLst>
-                                            <p:cond delay="0"/>
-                                          </p:stCondLst>
-                                        </p:cTn>
-                                        <p:tgtEl>
-                                          <p:spTgt spid="3">
-                                            <p:txEl>
-                                              <p:pRg st="1" end="1"/>
-                                            </p:txEl>
-                                          </p:spTgt>
-                                        </p:tgtEl>
-                                        <p:attrNameLst>
-                                          <p:attrName>style.visibility</p:attrName>
-                                        </p:attrNameLst>
-                                      </p:cBhvr>
-                                      <p:to>
-                                        <p:strVal val="visible"/>
-                                      </p:to>
-                                    </p:set>
-                                    <p:anim calcmode="lin" valueType="num">
-                                      <p:cBhvr additive="base">
-                                        <p:cTn id="13" dur="500" fill="hold"/>
-                                        <p:tgtEl>
-                                          <p:spTgt spid="3">
-                                            <p:txEl>
-                                              <p:pRg st="1" end="1"/>
-                                            </p:txEl>
-                                          </p:spTgt>
-                                        </p:tgtEl>
-                                        <p:attrNameLst>
-                                          <p:attrName>ppt_x</p:attrName>
-                                        </p:attrNameLst>
-                                      </p:cBhvr>
-                                      <p:tavLst>
-                                        <p:tav tm="0">
-                                          <p:val>
-                                            <p:strVal val="#ppt_x"/>
-                                          </p:val>
-                                        </p:tav>
-                                        <p:tav tm="100000">
-                                          <p:val>
-                                            <p:strVal val="#ppt_x"/>
-                                          </p:val>
-                                        </p:tav>
-                                      </p:tavLst>
-                                    </p:anim>
-                                    <p:anim calcmode="lin" valueType="num">
-                                      <p:cBhvr additive="base">
-                                        <p:cTn id="14" dur="500" fill="hold"/>
-                                        <p:tgtEl>
-                                          <p:spTgt spid="3">
-                                            <p:txEl>
-                                              <p:pRg st="1" end="1"/>
-                                            </p:txEl>
-                                          </p:spTgt>
-                                        </p:tgtEl>
-                                        <p:attrNameLst>
-                                          <p:attrName>ppt_y</p:attrName>
-                                        </p:attrNameLst>
-                                      </p:cBhvr>
-                                      <p:tavLst>
-                                        <p:tav tm="0">
-                                          <p:val>
-                                            <p:strVal val="1+#ppt_h/2"/>
-                                          </p:val>
-                                        </p:tav>
-                                        <p:tav tm="100000">
-                                          <p:val>
-                                            <p:strVal val="#ppt_y"/>
-                                          </p:val>
-                                        </p:tav>
-                                      </p:tavLst>
-                                    </p:anim>
-                                  </p:childTnLst>
-                                </p:cTn>
-                              </p:par>
-                            </p:childTnLst>
-                          </p:cTn>
-                        </p:par>
-                      </p:childTnLst>
-                    </p:cTn>
-                  </p:par>
-                </p:childTnLst>
-              </p:cTn>
-              <p:prevCondLst>
-                <p:cond evt="onPrev" delay="0">
-                  <p:tgtEl>
-                    <p:sldTgt/>
-                  </p:tgtEl>
-                </p:cond>
-              </p:prevCondLst>
-              <p:nextCondLst>
-                <p:cond evt="onNext" delay="0">
-                  <p:tgtEl>
-                    <p:sldTgt/>
-                  </p:tgtEl>
-                </p:cond>
-              </p:nextCondLst>
-            </p:seq>
-          </p:childTnLst>
-        </p:cTn>
-      </p:par>
-    </p:tnLst>
-  </p:timing>
-</p:sld>
-</file>
-
-<file path=ppt/slides/slide30.xml><?xml version="1.0" encoding="utf-8"?>
+<file path=ppt/slides/slide31.xml><?xml version="1.0" encoding="utf-8"?>
 <p:sld xmlns:a="http://schemas.openxmlformats.org/drawingml/2006/main" xmlns:r="http://schemas.openxmlformats.org/officeDocument/2006/relationships" xmlns:p="http://schemas.openxmlformats.org/presentationml/2006/main">
   <p:cSld>
     <p:spTree>
@@ -12728,7 +13134,7 @@
 </p:sld>
 </file>
 
-<file path=ppt/slides/slide31.xml><?xml version="1.0" encoding="utf-8"?>
+<file path=ppt/slides/slide32.xml><?xml version="1.0" encoding="utf-8"?>
 <p:sld xmlns:a="http://schemas.openxmlformats.org/drawingml/2006/main" xmlns:r="http://schemas.openxmlformats.org/officeDocument/2006/relationships" xmlns:p="http://schemas.openxmlformats.org/presentationml/2006/main">
   <p:cSld>
     <p:spTree>
@@ -12819,22 +13225,13 @@
           <a:p>
             <a:r>
               <a:rPr lang="en-ZA" dirty="0" smtClean="0"/>
-              <a:t>Results: We managed to build a model that predicts apple prices very accurately (RMSE: </a:t>
-            </a:r>
+              <a:t>Results: We managed to build a model that predicts apple prices very accurately (RMSE: 0.40)</a:t>
+            </a:r>
+          </a:p>
+          <a:p>
             <a:r>
               <a:rPr lang="en-ZA" dirty="0" smtClean="0"/>
-              <a:t>0.40)</a:t>
-            </a:r>
-            <a:endParaRPr lang="en-ZA" dirty="0" smtClean="0"/>
-          </a:p>
-          <a:p>
-            <a:r>
-              <a:rPr lang="en-ZA" dirty="0" smtClean="0"/>
-              <a:t>Our model placed us at position </a:t>
-            </a:r>
-            <a:r>
-              <a:rPr lang="en-ZA" dirty="0" smtClean="0"/>
-              <a:t>36</a:t>
+              <a:t>Our model placed us at position 36</a:t>
             </a:r>
             <a:r>
               <a:rPr lang="en-ZA" baseline="30000" dirty="0" smtClean="0"/>
@@ -12842,11 +13239,7 @@
             </a:r>
             <a:r>
               <a:rPr lang="en-ZA" dirty="0" smtClean="0"/>
-              <a:t> on </a:t>
-            </a:r>
-            <a:r>
-              <a:rPr lang="en-ZA" dirty="0" smtClean="0"/>
-              <a:t>the </a:t>
+              <a:t> on the </a:t>
             </a:r>
             <a:r>
               <a:rPr lang="en-ZA" dirty="0" err="1" smtClean="0"/>
@@ -12864,7 +13257,6 @@
               <a:rPr lang="en-ZA" dirty="0" smtClean="0"/>
               <a:t> with an RMSE as measured by them of 1.05.</a:t>
             </a:r>
-            <a:endParaRPr lang="en-ZA" dirty="0" smtClean="0"/>
           </a:p>
           <a:p>
             <a:r>
@@ -13230,7 +13622,7 @@
 </p:sld>
 </file>
 
-<file path=ppt/slides/slide32.xml><?xml version="1.0" encoding="utf-8"?>
+<file path=ppt/slides/slide33.xml><?xml version="1.0" encoding="utf-8"?>
 <p:sld xmlns:a="http://schemas.openxmlformats.org/drawingml/2006/main" xmlns:r="http://schemas.openxmlformats.org/officeDocument/2006/relationships" xmlns:p="http://schemas.openxmlformats.org/presentationml/2006/main">
   <p:cSld>
     <p:spTree>

--- a/What will the apples cost.pptx
+++ b/What will the apples cost.pptx
@@ -4388,7 +4388,11 @@
             </a:r>
             <a:r>
               <a:rPr lang="en-ZA" dirty="0" smtClean="0"/>
-              <a:t>based on historical.</a:t>
+              <a:t>based on </a:t>
+            </a:r>
+            <a:r>
+              <a:rPr lang="en-ZA" dirty="0" smtClean="0"/>
+              <a:t>historical data.</a:t>
             </a:r>
             <a:endParaRPr lang="en-ZA" dirty="0"/>
           </a:p>
@@ -9373,14 +9377,56 @@
           <a:p>
             <a:r>
               <a:rPr lang="en-ZA" dirty="0" smtClean="0"/>
-              <a:t>We split the training and testing data 80-20.</a:t>
-            </a:r>
-          </a:p>
-          <a:p>
+              <a:t>We split the </a:t>
+            </a:r>
             <a:r>
               <a:rPr lang="en-ZA" dirty="0" smtClean="0"/>
-              <a:t>We did however train our data on all 100% of the data to increase precision and because it would be tested again on unseen data.</a:t>
-            </a:r>
+              <a:t>data 80-20. </a:t>
+            </a:r>
+            <a:r>
+              <a:rPr lang="en-ZA" dirty="0" smtClean="0"/>
+              <a:t>We trained our models on the 80% and </a:t>
+            </a:r>
+            <a:r>
+              <a:rPr lang="en-ZA" dirty="0" smtClean="0"/>
+              <a:t>assessed the accuracy of our models on the 20%.</a:t>
+            </a:r>
+            <a:endParaRPr lang="en-ZA" dirty="0" smtClean="0"/>
+          </a:p>
+          <a:p>
+            <a:r>
+              <a:rPr lang="en-ZA" dirty="0" smtClean="0"/>
+              <a:t>We did however train our </a:t>
+            </a:r>
+            <a:r>
+              <a:rPr lang="en-ZA" dirty="0" smtClean="0"/>
+              <a:t>model on </a:t>
+            </a:r>
+            <a:r>
+              <a:rPr lang="en-ZA" dirty="0" smtClean="0"/>
+              <a:t>all 100% of the data </a:t>
+            </a:r>
+            <a:r>
+              <a:rPr lang="en-ZA" dirty="0" smtClean="0"/>
+              <a:t>when we submitted our final model onto </a:t>
+            </a:r>
+            <a:r>
+              <a:rPr lang="en-ZA" dirty="0" err="1" smtClean="0"/>
+              <a:t>Kaggle</a:t>
+            </a:r>
+            <a:r>
+              <a:rPr lang="en-ZA" dirty="0" smtClean="0"/>
+              <a:t> in order to </a:t>
+            </a:r>
+            <a:r>
+              <a:rPr lang="en-ZA" dirty="0" smtClean="0"/>
+              <a:t>increase </a:t>
+            </a:r>
+            <a:r>
+              <a:rPr lang="en-ZA" dirty="0" smtClean="0"/>
+              <a:t>the accuracy of the model’s predictions.</a:t>
+            </a:r>
+            <a:endParaRPr lang="en-ZA" dirty="0" smtClean="0"/>
           </a:p>
         </p:txBody>
       </p:sp>
@@ -9392,7 +9438,7 @@
         </p:nvSpPr>
         <p:spPr>
           <a:xfrm>
-            <a:off x="395536" y="3789040"/>
+            <a:off x="437659" y="4437112"/>
             <a:ext cx="7200800" cy="2646878"/>
           </a:xfrm>
           <a:prstGeom prst="rect">
@@ -11112,6 +11158,13 @@
   <p:clrMapOvr>
     <a:masterClrMapping/>
   </p:clrMapOvr>
+  <p:timing>
+    <p:tnLst>
+      <p:par>
+        <p:cTn id="1" dur="indefinite" restart="never" nodeType="tmRoot"/>
+      </p:par>
+    </p:tnLst>
+  </p:timing>
 </p:sld>
 </file>
 
@@ -11232,6 +11285,13 @@
   <p:clrMapOvr>
     <a:masterClrMapping/>
   </p:clrMapOvr>
+  <p:timing>
+    <p:tnLst>
+      <p:par>
+        <p:cTn id="1" dur="indefinite" restart="never" nodeType="tmRoot"/>
+      </p:par>
+    </p:tnLst>
+  </p:timing>
 </p:sld>
 </file>
 

--- a/What will the apples cost.pptx
+++ b/What will the apples cost.pptx
@@ -4388,11 +4388,7 @@
             </a:r>
             <a:r>
               <a:rPr lang="en-ZA" dirty="0" smtClean="0"/>
-              <a:t>based on </a:t>
-            </a:r>
-            <a:r>
-              <a:rPr lang="en-ZA" dirty="0" smtClean="0"/>
-              <a:t>historical data.</a:t>
+              <a:t>based on historical data.</a:t>
             </a:r>
             <a:endParaRPr lang="en-ZA" dirty="0"/>
           </a:p>
@@ -5153,7 +5149,7 @@
       </p:sp>
       <p:pic>
         <p:nvPicPr>
-          <p:cNvPr id="4" name="Picture 3"/>
+          <p:cNvPr id="5" name="Picture 4"/>
           <p:cNvPicPr>
             <a:picLocks noChangeAspect="1"/>
           </p:cNvPicPr>
@@ -5173,8 +5169,8 @@
         </p:blipFill>
         <p:spPr>
           <a:xfrm>
-            <a:off x="1634530" y="2385814"/>
-            <a:ext cx="6048672" cy="4192830"/>
+            <a:off x="1331640" y="2492896"/>
+            <a:ext cx="5876969" cy="4147356"/>
           </a:xfrm>
           <a:prstGeom prst="rect">
             <a:avLst/>
@@ -9377,38 +9373,13 @@
           <a:p>
             <a:r>
               <a:rPr lang="en-ZA" dirty="0" smtClean="0"/>
-              <a:t>We split the </a:t>
-            </a:r>
+              <a:t>We split the data 80-20. We trained our models on the 80% and assessed the accuracy of our models on the 20%.</a:t>
+            </a:r>
+          </a:p>
+          <a:p>
             <a:r>
               <a:rPr lang="en-ZA" dirty="0" smtClean="0"/>
-              <a:t>data 80-20. </a:t>
-            </a:r>
-            <a:r>
-              <a:rPr lang="en-ZA" dirty="0" smtClean="0"/>
-              <a:t>We trained our models on the 80% and </a:t>
-            </a:r>
-            <a:r>
-              <a:rPr lang="en-ZA" dirty="0" smtClean="0"/>
-              <a:t>assessed the accuracy of our models on the 20%.</a:t>
-            </a:r>
-            <a:endParaRPr lang="en-ZA" dirty="0" smtClean="0"/>
-          </a:p>
-          <a:p>
-            <a:r>
-              <a:rPr lang="en-ZA" dirty="0" smtClean="0"/>
-              <a:t>We did however train our </a:t>
-            </a:r>
-            <a:r>
-              <a:rPr lang="en-ZA" dirty="0" smtClean="0"/>
-              <a:t>model on </a:t>
-            </a:r>
-            <a:r>
-              <a:rPr lang="en-ZA" dirty="0" smtClean="0"/>
-              <a:t>all 100% of the data </a:t>
-            </a:r>
-            <a:r>
-              <a:rPr lang="en-ZA" dirty="0" smtClean="0"/>
-              <a:t>when we submitted our final model onto </a:t>
+              <a:t>We did however train our model on all 100% of the data when we submitted our final model onto </a:t>
             </a:r>
             <a:r>
               <a:rPr lang="en-ZA" dirty="0" err="1" smtClean="0"/>
@@ -9416,17 +9387,8 @@
             </a:r>
             <a:r>
               <a:rPr lang="en-ZA" dirty="0" smtClean="0"/>
-              <a:t> in order to </a:t>
-            </a:r>
-            <a:r>
-              <a:rPr lang="en-ZA" dirty="0" smtClean="0"/>
-              <a:t>increase </a:t>
-            </a:r>
-            <a:r>
-              <a:rPr lang="en-ZA" dirty="0" smtClean="0"/>
-              <a:t>the accuracy of the model’s predictions.</a:t>
-            </a:r>
-            <a:endParaRPr lang="en-ZA" dirty="0" smtClean="0"/>
+              <a:t> in order to increase the accuracy of the model’s predictions.</a:t>
+            </a:r>
           </a:p>
         </p:txBody>
       </p:sp>
@@ -11393,7 +11355,7 @@
           </p:cNvPicPr>
           <p:nvPr/>
         </p:nvPicPr>
-        <p:blipFill>
+        <p:blipFill rotWithShape="1">
           <a:blip r:embed="rId2">
             <a:extLst>
               <a:ext uri="{28A0092B-C50C-407E-A947-70E740481C1C}">
@@ -11401,14 +11363,13 @@
               </a:ext>
             </a:extLst>
           </a:blip>
-          <a:stretch>
-            <a:fillRect/>
-          </a:stretch>
+          <a:srcRect l="6373" t="22055" r="3524" b="36391"/>
+          <a:stretch/>
         </p:blipFill>
         <p:spPr>
           <a:xfrm>
-            <a:off x="0" y="2780928"/>
-            <a:ext cx="9144000" cy="8941312"/>
+            <a:off x="307554" y="2924944"/>
+            <a:ext cx="8350696" cy="3715469"/>
           </a:xfrm>
           <a:prstGeom prst="rect">
             <a:avLst/>
@@ -11615,6 +11576,97 @@
                                               <p:pRg st="1" end="1"/>
                                             </p:txEl>
                                           </p:spTgt>
+                                        </p:tgtEl>
+                                        <p:attrNameLst>
+                                          <p:attrName>ppt_y</p:attrName>
+                                        </p:attrNameLst>
+                                      </p:cBhvr>
+                                      <p:tavLst>
+                                        <p:tav tm="0">
+                                          <p:val>
+                                            <p:strVal val="1+#ppt_h/2"/>
+                                          </p:val>
+                                        </p:tav>
+                                        <p:tav tm="100000">
+                                          <p:val>
+                                            <p:strVal val="#ppt_y"/>
+                                          </p:val>
+                                        </p:tav>
+                                      </p:tavLst>
+                                    </p:anim>
+                                  </p:childTnLst>
+                                </p:cTn>
+                              </p:par>
+                            </p:childTnLst>
+                          </p:cTn>
+                        </p:par>
+                      </p:childTnLst>
+                    </p:cTn>
+                  </p:par>
+                  <p:par>
+                    <p:cTn id="15" fill="hold">
+                      <p:stCondLst>
+                        <p:cond delay="indefinite"/>
+                      </p:stCondLst>
+                      <p:childTnLst>
+                        <p:par>
+                          <p:cTn id="16" fill="hold">
+                            <p:stCondLst>
+                              <p:cond delay="0"/>
+                            </p:stCondLst>
+                            <p:childTnLst>
+                              <p:par>
+                                <p:cTn id="17" presetID="2" presetClass="entr" presetSubtype="4" fill="hold" nodeType="clickEffect">
+                                  <p:stCondLst>
+                                    <p:cond delay="0"/>
+                                  </p:stCondLst>
+                                  <p:childTnLst>
+                                    <p:set>
+                                      <p:cBhvr>
+                                        <p:cTn id="18" dur="1" fill="hold">
+                                          <p:stCondLst>
+                                            <p:cond delay="0"/>
+                                          </p:stCondLst>
+                                        </p:cTn>
+                                        <p:tgtEl>
+                                          <p:spTgt spid="4"/>
+                                        </p:tgtEl>
+                                        <p:attrNameLst>
+                                          <p:attrName>style.visibility</p:attrName>
+                                        </p:attrNameLst>
+                                      </p:cBhvr>
+                                      <p:to>
+                                        <p:strVal val="visible"/>
+                                      </p:to>
+                                    </p:set>
+                                    <p:anim calcmode="lin" valueType="num">
+                                      <p:cBhvr additive="base">
+                                        <p:cTn id="19" dur="500" fill="hold"/>
+                                        <p:tgtEl>
+                                          <p:spTgt spid="4"/>
+                                        </p:tgtEl>
+                                        <p:attrNameLst>
+                                          <p:attrName>ppt_x</p:attrName>
+                                        </p:attrNameLst>
+                                      </p:cBhvr>
+                                      <p:tavLst>
+                                        <p:tav tm="0">
+                                          <p:val>
+                                            <p:strVal val="#ppt_x"/>
+                                          </p:val>
+                                        </p:tav>
+                                        <p:tav tm="100000">
+                                          <p:val>
+                                            <p:strVal val="#ppt_x"/>
+                                          </p:val>
+                                        </p:tav>
+                                      </p:tavLst>
+                                    </p:anim>
+                                    <p:anim calcmode="lin" valueType="num">
+                                      <p:cBhvr additive="base">
+                                        <p:cTn id="20" dur="500" fill="hold"/>
+                                        <p:tgtEl>
+                                          <p:spTgt spid="4"/>
                                         </p:tgtEl>
                                         <p:attrNameLst>
                                           <p:attrName>ppt_y</p:attrName>

--- a/What will the apples cost.pptx
+++ b/What will the apples cost.pptx
@@ -5816,42 +5816,10 @@
           </a:prstGeom>
         </p:spPr>
       </p:pic>
-      <p:pic>
-        <p:nvPicPr>
-          <p:cNvPr id="7" name="Picture 6"/>
-          <p:cNvPicPr>
-            <a:picLocks noChangeAspect="1"/>
-          </p:cNvPicPr>
-          <p:nvPr/>
-        </p:nvPicPr>
-        <p:blipFill>
-          <a:blip r:embed="rId3">
-            <a:extLst>
-              <a:ext uri="{28A0092B-C50C-407E-A947-70E740481C1C}">
-                <a14:useLocalDpi xmlns:a14="http://schemas.microsoft.com/office/drawing/2010/main" val="0"/>
-              </a:ext>
-            </a:extLst>
-          </a:blip>
-          <a:stretch>
-            <a:fillRect/>
-          </a:stretch>
-        </p:blipFill>
-        <p:spPr>
-          <a:xfrm>
-            <a:off x="4788024" y="2636912"/>
-            <a:ext cx="3814116" cy="2361034"/>
-          </a:xfrm>
-          <a:prstGeom prst="rect">
-            <a:avLst/>
-          </a:prstGeom>
-        </p:spPr>
-      </p:pic>
       <p:cxnSp>
         <p:nvCxnSpPr>
           <p:cNvPr id="9" name="Straight Arrow Connector 8"/>
-          <p:cNvCxnSpPr>
-            <a:endCxn id="7" idx="1"/>
-          </p:cNvCxnSpPr>
+          <p:cNvCxnSpPr/>
           <p:nvPr/>
         </p:nvCxnSpPr>
         <p:spPr>
@@ -5881,6 +5849,36 @@
           </a:fontRef>
         </p:style>
       </p:cxnSp>
+      <p:pic>
+        <p:nvPicPr>
+          <p:cNvPr id="4" name="Picture 3"/>
+          <p:cNvPicPr>
+            <a:picLocks noChangeAspect="1"/>
+          </p:cNvPicPr>
+          <p:nvPr/>
+        </p:nvPicPr>
+        <p:blipFill>
+          <a:blip r:embed="rId3">
+            <a:extLst>
+              <a:ext uri="{28A0092B-C50C-407E-A947-70E740481C1C}">
+                <a14:useLocalDpi xmlns:a14="http://schemas.microsoft.com/office/drawing/2010/main" val="0"/>
+              </a:ext>
+            </a:extLst>
+          </a:blip>
+          <a:stretch>
+            <a:fillRect/>
+          </a:stretch>
+        </p:blipFill>
+        <p:spPr>
+          <a:xfrm>
+            <a:off x="4939182" y="2636912"/>
+            <a:ext cx="4204818" cy="2542168"/>
+          </a:xfrm>
+          <a:prstGeom prst="rect">
+            <a:avLst/>
+          </a:prstGeom>
+        </p:spPr>
+      </p:pic>
     </p:spTree>
     <p:extLst>
       <p:ext uri="{BB962C8B-B14F-4D97-AF65-F5344CB8AC3E}">
@@ -5897,121 +5895,7 @@
   <p:timing>
     <p:tnLst>
       <p:par>
-        <p:cTn id="1" dur="indefinite" restart="never" nodeType="tmRoot">
-          <p:childTnLst>
-            <p:seq concurrent="1" nextAc="seek">
-              <p:cTn id="2" dur="indefinite" nodeType="mainSeq">
-                <p:childTnLst>
-                  <p:par>
-                    <p:cTn id="3" fill="hold">
-                      <p:stCondLst>
-                        <p:cond delay="indefinite"/>
-                      </p:stCondLst>
-                      <p:childTnLst>
-                        <p:par>
-                          <p:cTn id="4" fill="hold">
-                            <p:stCondLst>
-                              <p:cond delay="0"/>
-                            </p:stCondLst>
-                            <p:childTnLst>
-                              <p:par>
-                                <p:cTn id="5" presetID="2" presetClass="entr" presetSubtype="4" fill="hold" nodeType="clickEffect">
-                                  <p:stCondLst>
-                                    <p:cond delay="0"/>
-                                  </p:stCondLst>
-                                  <p:childTnLst>
-                                    <p:set>
-                                      <p:cBhvr>
-                                        <p:cTn id="6" dur="1" fill="hold">
-                                          <p:stCondLst>
-                                            <p:cond delay="0"/>
-                                          </p:stCondLst>
-                                        </p:cTn>
-                                        <p:tgtEl>
-                                          <p:spTgt spid="7"/>
-                                        </p:tgtEl>
-                                        <p:attrNameLst>
-                                          <p:attrName>style.visibility</p:attrName>
-                                        </p:attrNameLst>
-                                      </p:cBhvr>
-                                      <p:to>
-                                        <p:strVal val="visible"/>
-                                      </p:to>
-                                    </p:set>
-                                    <p:anim calcmode="lin" valueType="num">
-                                      <p:cBhvr additive="base">
-                                        <p:cTn id="7" dur="500" fill="hold"/>
-                                        <p:tgtEl>
-                                          <p:spTgt spid="7"/>
-                                        </p:tgtEl>
-                                        <p:attrNameLst>
-                                          <p:attrName>ppt_x</p:attrName>
-                                        </p:attrNameLst>
-                                      </p:cBhvr>
-                                      <p:tavLst>
-                                        <p:tav tm="0">
-                                          <p:val>
-                                            <p:strVal val="#ppt_x"/>
-                                          </p:val>
-                                        </p:tav>
-                                        <p:tav tm="100000">
-                                          <p:val>
-                                            <p:strVal val="#ppt_x"/>
-                                          </p:val>
-                                        </p:tav>
-                                      </p:tavLst>
-                                    </p:anim>
-                                    <p:anim calcmode="lin" valueType="num">
-                                      <p:cBhvr additive="base">
-                                        <p:cTn id="8" dur="500" fill="hold"/>
-                                        <p:tgtEl>
-                                          <p:spTgt spid="7"/>
-                                        </p:tgtEl>
-                                        <p:attrNameLst>
-                                          <p:attrName>ppt_y</p:attrName>
-                                        </p:attrNameLst>
-                                      </p:cBhvr>
-                                      <p:tavLst>
-                                        <p:tav tm="0">
-                                          <p:val>
-                                            <p:strVal val="1+#ppt_h/2"/>
-                                          </p:val>
-                                        </p:tav>
-                                        <p:tav tm="100000">
-                                          <p:val>
-                                            <p:strVal val="#ppt_y"/>
-                                          </p:val>
-                                        </p:tav>
-                                      </p:tavLst>
-                                    </p:anim>
-                                  </p:childTnLst>
-                                </p:cTn>
-                              </p:par>
-                            </p:childTnLst>
-                          </p:cTn>
-                        </p:par>
-                      </p:childTnLst>
-                    </p:cTn>
-                  </p:par>
-                </p:childTnLst>
-              </p:cTn>
-              <p:prevCondLst>
-                <p:cond evt="onPrev" delay="0">
-                  <p:tgtEl>
-                    <p:sldTgt/>
-                  </p:tgtEl>
-                </p:cond>
-              </p:prevCondLst>
-              <p:nextCondLst>
-                <p:cond evt="onNext" delay="0">
-                  <p:tgtEl>
-                    <p:sldTgt/>
-                  </p:tgtEl>
-                </p:cond>
-              </p:nextCondLst>
-            </p:seq>
-          </p:childTnLst>
-        </p:cTn>
+        <p:cTn id="1" dur="indefinite" restart="never" nodeType="tmRoot"/>
       </p:par>
     </p:tnLst>
   </p:timing>

--- a/What will the apples cost.pptx
+++ b/What will the apples cost.pptx
@@ -13675,7 +13675,7 @@
             <p:ph idx="1"/>
             <p:extLst>
               <p:ext uri="{D42A27DB-BD31-4B8C-83A1-F6EECF244321}">
-                <p14:modId xmlns:p14="http://schemas.microsoft.com/office/powerpoint/2010/main" val="3650518897"/>
+                <p14:modId xmlns:p14="http://schemas.microsoft.com/office/powerpoint/2010/main" val="3758180953"/>
               </p:ext>
             </p:extLst>
           </p:nvPr>
@@ -14010,8 +14010,25 @@
                       </a:pPr>
                       <a:r>
                         <a:rPr lang="en-ZA" sz="2800" dirty="0" smtClean="0"/>
-                        <a:t>SVR Model</a:t>
+                        <a:t>SVR</a:t>
                       </a:r>
+                      <a:r>
+                        <a:rPr lang="en-ZA" sz="2800" baseline="0" dirty="0" smtClean="0"/>
+                        <a:t> &amp;</a:t>
+                      </a:r>
+                      <a:r>
+                        <a:rPr lang="en-ZA" sz="2800" dirty="0" smtClean="0"/>
+                        <a:t> </a:t>
+                      </a:r>
+                      <a:r>
+                        <a:rPr lang="en-ZA" sz="2800" dirty="0" err="1" smtClean="0"/>
+                        <a:t>Adaboost</a:t>
+                      </a:r>
+                      <a:r>
+                        <a:rPr lang="en-ZA" sz="2800" dirty="0" smtClean="0"/>
+                        <a:t> Model</a:t>
+                      </a:r>
+                      <a:endParaRPr lang="en-ZA" sz="2800" dirty="0" smtClean="0"/>
                     </a:p>
                   </a:txBody>
                   <a:tcPr/>
@@ -14065,15 +14082,15 @@
                       </a:r>
                       <a:r>
                         <a:rPr lang="en-ZA" sz="2800" dirty="0" smtClean="0"/>
-                        <a:t> model</a:t>
+                        <a:t>, </a:t>
                       </a:r>
                       <a:r>
                         <a:rPr lang="en-ZA" sz="2800" baseline="0" dirty="0" smtClean="0"/>
-                        <a:t> &amp;</a:t>
+                        <a:t>V</a:t>
                       </a:r>
                       <a:r>
                         <a:rPr lang="en-ZA" sz="2800" dirty="0" smtClean="0"/>
-                        <a:t> </a:t>
+                        <a:t>oting Model</a:t>
                       </a:r>
                     </a:p>
                     <a:p>
@@ -14095,9 +14112,10 @@
                         <a:defRPr/>
                       </a:pPr>
                       <a:r>
-                        <a:rPr lang="en-ZA" sz="2800" dirty="0" smtClean="0"/>
-                        <a:t>Voting Model</a:t>
+                        <a:rPr lang="en-ZA" sz="2800" smtClean="0"/>
+                        <a:t>Random Forest Model</a:t>
                       </a:r>
+                      <a:endParaRPr lang="en-ZA" sz="2800" dirty="0" smtClean="0"/>
                     </a:p>
                   </a:txBody>
                   <a:tcPr/>
@@ -14115,7 +14133,7 @@
         </p:nvSpPr>
         <p:spPr>
           <a:xfrm>
-            <a:off x="323528" y="6537265"/>
+            <a:off x="179512" y="6537265"/>
             <a:ext cx="8424936" cy="369332"/>
           </a:xfrm>
           <a:prstGeom prst="rect">
@@ -14131,7 +14149,15 @@
           <a:p>
             <a:r>
               <a:rPr lang="en-US" dirty="0" smtClean="0"/>
-              <a:t>Disclaimer: None of the models or pictures used are our own, but were browsed.</a:t>
+              <a:t>Disclaimer: None of the models or pictures </a:t>
+            </a:r>
+            <a:r>
+              <a:rPr lang="en-US" dirty="0" smtClean="0"/>
+              <a:t>used are our own, but were </a:t>
+            </a:r>
+            <a:r>
+              <a:rPr lang="en-US" dirty="0" smtClean="0"/>
+              <a:t>browsed.</a:t>
             </a:r>
             <a:endParaRPr lang="en-ZA" dirty="0"/>
           </a:p>
